--- a/Presentation.pptx
+++ b/Presentation.pptx
@@ -3398,7 +3398,10 @@
           <a:bodyPr/>
           <a:lstStyle/>
           <a:p>
-            <a:endParaRPr lang="en-US"/>
+            <a:r>
+              <a:rPr lang="en-US" dirty="0"/>
+              <a:t>Oli Cairns</a:t>
+            </a:r>
           </a:p>
         </p:txBody>
       </p:sp>
@@ -3726,15 +3729,7 @@
             </a:pPr>
             <a:r>
               <a:rPr lang="en-US" dirty="0"/>
-              <a:t>Large +</a:t>
-            </a:r>
-            <a:r>
-              <a:rPr lang="en-US" dirty="0" err="1"/>
-              <a:t>ive</a:t>
-            </a:r>
-            <a:r>
-              <a:rPr lang="en-US" dirty="0"/>
-              <a:t> value </a:t>
+              <a:t>4 </a:t>
             </a:r>
             <a:r>
               <a:rPr lang="en-US" dirty="0">
@@ -3744,7 +3739,7 @@
             </a:r>
             <a:r>
               <a:rPr lang="en-US" dirty="0"/>
-              <a:t>close to 1</a:t>
+              <a:t>0.881</a:t>
             </a:r>
           </a:p>
           <a:p>
@@ -3772,31 +3767,19 @@
               <a:rPr lang="en-US" dirty="0">
                 <a:sym typeface="Wingdings" pitchFamily="2" charset="2"/>
               </a:rPr>
-              <a:t>Large -</a:t>
-            </a:r>
-            <a:r>
-              <a:rPr lang="en-US" dirty="0" err="1">
-                <a:sym typeface="Wingdings" pitchFamily="2" charset="2"/>
-              </a:rPr>
-              <a:t>ive</a:t>
-            </a:r>
+              <a:t>-5  0.047</a:t>
+            </a:r>
+          </a:p>
+          <a:p>
+            <a:pPr marL="457200" indent="-457200">
+              <a:buFont typeface="+mj-lt"/>
+              <a:buAutoNum type="arabicPeriod"/>
+            </a:pPr>
             <a:r>
               <a:rPr lang="en-US" dirty="0">
                 <a:sym typeface="Wingdings" pitchFamily="2" charset="2"/>
               </a:rPr>
-              <a:t> value  close to 0</a:t>
-            </a:r>
-          </a:p>
-          <a:p>
-            <a:pPr marL="914400" lvl="1" indent="-457200">
-              <a:buFont typeface="+mj-lt"/>
-              <a:buAutoNum type="alphaLcPeriod"/>
-            </a:pPr>
-            <a:r>
-              <a:rPr lang="en-US" dirty="0">
-                <a:sym typeface="Wingdings" pitchFamily="2" charset="2"/>
-              </a:rPr>
-              <a:t>Assumption that log-odds is linear in linear function of features * coefficients</a:t>
+              <a:t>Assumption that variables have linear impact on log-odds of target</a:t>
             </a:r>
             <a:endParaRPr lang="en-US" dirty="0"/>
           </a:p>
@@ -3885,7 +3868,7 @@
           <a:p>
             <a:r>
               <a:rPr lang="en-US" dirty="0"/>
-              <a:t>Example – Logistic Regression Miss</a:t>
+              <a:t>Logistic Regression – when this assumption breaks down</a:t>
             </a:r>
           </a:p>
         </p:txBody>
@@ -3911,10 +3894,52 @@
           <a:bodyPr/>
           <a:lstStyle/>
           <a:p>
+            <a:pPr marL="514350" indent="-514350">
+              <a:buFont typeface="+mj-lt"/>
+              <a:buAutoNum type="arabicPeriod"/>
+            </a:pPr>
             <a:r>
               <a:rPr lang="en-US" dirty="0"/>
-              <a:t>TODO – plots of logistic regression misspecification</a:t>
-            </a:r>
+              <a:t>Variable may have non-linear impact on target probability</a:t>
+            </a:r>
+          </a:p>
+          <a:p>
+            <a:pPr marL="914400" lvl="1" indent="-457200">
+              <a:buFont typeface="+mj-lt"/>
+              <a:buAutoNum type="alphaLcParenR"/>
+            </a:pPr>
+            <a:r>
+              <a:rPr lang="en-US" dirty="0"/>
+              <a:t>Very young/old companies might have high/low probability of defaulting, but medium age companies all have medium credit risk</a:t>
+            </a:r>
+          </a:p>
+          <a:p>
+            <a:pPr marL="914400" lvl="1" indent="-457200">
+              <a:buFont typeface="+mj-lt"/>
+              <a:buAutoNum type="alphaLcParenR"/>
+            </a:pPr>
+            <a:r>
+              <a:rPr lang="en-US" dirty="0"/>
+              <a:t>Very young &amp; old companies might have high probability of defaulting, while medium age companies have lower credit risk</a:t>
+            </a:r>
+          </a:p>
+          <a:p>
+            <a:pPr marL="457200" indent="-457200">
+              <a:buFont typeface="+mj-lt"/>
+              <a:buAutoNum type="arabicPeriod"/>
+            </a:pPr>
+            <a:r>
+              <a:rPr lang="en-US" dirty="0"/>
+              <a:t>Variable interactions may impact on </a:t>
+            </a:r>
+            <a:r>
+              <a:rPr lang="en-US"/>
+              <a:t>target probability</a:t>
+            </a:r>
+            <a:endParaRPr lang="en-US" dirty="0"/>
+          </a:p>
+          <a:p>
+            <a:endParaRPr lang="en-US" dirty="0"/>
           </a:p>
           <a:p>
             <a:endParaRPr lang="en-US" dirty="0"/>

--- a/Presentation.pptx
+++ b/Presentation.pptx
@@ -11,8 +11,9 @@
     <p:sldId id="259" r:id="rId5"/>
     <p:sldId id="261" r:id="rId6"/>
     <p:sldId id="260" r:id="rId7"/>
-    <p:sldId id="262" r:id="rId8"/>
-    <p:sldId id="263" r:id="rId9"/>
+    <p:sldId id="264" r:id="rId8"/>
+    <p:sldId id="265" r:id="rId9"/>
+    <p:sldId id="263" r:id="rId10"/>
   </p:sldIdLst>
   <p:sldSz cx="12192000" cy="6858000"/>
   <p:notesSz cx="6858000" cy="9144000"/>
@@ -3484,7 +3485,48 @@
           <a:bodyPr/>
           <a:lstStyle/>
           <a:p>
-            <a:endParaRPr lang="en-US"/>
+            <a:r>
+              <a:rPr lang="en-US" dirty="0"/>
+              <a:t>Linearity assumption of Logistic Regression</a:t>
+            </a:r>
+          </a:p>
+          <a:p>
+            <a:r>
+              <a:rPr lang="en-US" dirty="0"/>
+              <a:t>Examples of when this will break down</a:t>
+            </a:r>
+          </a:p>
+          <a:p>
+            <a:r>
+              <a:rPr lang="en-US" dirty="0"/>
+              <a:t>How weight of evidence binning accounts for non-linearity</a:t>
+            </a:r>
+          </a:p>
+          <a:p>
+            <a:r>
+              <a:rPr lang="en-US" dirty="0"/>
+              <a:t>Implementation Example</a:t>
+            </a:r>
+          </a:p>
+          <a:p>
+            <a:r>
+              <a:rPr lang="en-US" dirty="0"/>
+              <a:t>Real world test – performance on </a:t>
+            </a:r>
+            <a:r>
+              <a:rPr lang="en-US" dirty="0" err="1"/>
+              <a:t>Homecredit</a:t>
+            </a:r>
+            <a:r>
+              <a:rPr lang="en-US" dirty="0"/>
+              <a:t> dataset</a:t>
+            </a:r>
+          </a:p>
+          <a:p>
+            <a:r>
+              <a:rPr lang="en-US" dirty="0"/>
+              <a:t>Limitations </a:t>
+            </a:r>
           </a:p>
         </p:txBody>
       </p:sp>
@@ -3699,7 +3741,7 @@
         </p:spPr>
         <p:txBody>
           <a:bodyPr>
-            <a:normAutofit lnSpcReduction="10000"/>
+            <a:normAutofit fontScale="85000" lnSpcReduction="20000"/>
           </a:bodyPr>
           <a:lstStyle/>
           <a:p>
@@ -3709,7 +3751,19 @@
             </a:pPr>
             <a:r>
               <a:rPr lang="en-US" dirty="0"/>
-              <a:t>Score is linear combination of features * regression coefficients</a:t>
+              <a:t> </a:t>
+            </a:r>
+            <a:r>
+              <a:rPr lang="en-US" dirty="0">
+                <a:solidFill>
+                  <a:srgbClr val="FF0000"/>
+                </a:solidFill>
+              </a:rPr>
+              <a:t>Score</a:t>
+            </a:r>
+            <a:r>
+              <a:rPr lang="en-US" dirty="0"/>
+              <a:t> is linear combination of features * regression coefficients</a:t>
             </a:r>
           </a:p>
           <a:p>
@@ -3719,17 +3773,50 @@
             </a:pPr>
             <a:r>
               <a:rPr lang="en-US" dirty="0"/>
-              <a:t>Mapped to probability using logistic function</a:t>
-            </a:r>
-          </a:p>
-          <a:p>
-            <a:pPr marL="914400" lvl="1" indent="-457200">
-              <a:buFont typeface="+mj-lt"/>
-              <a:buAutoNum type="alphaLcPeriod"/>
-            </a:pPr>
-            <a:r>
-              <a:rPr lang="en-US" dirty="0"/>
-              <a:t>4 </a:t>
+              <a:t> </a:t>
+            </a:r>
+            <a:r>
+              <a:rPr lang="en-US" dirty="0">
+                <a:solidFill>
+                  <a:srgbClr val="FF0000"/>
+                </a:solidFill>
+              </a:rPr>
+              <a:t>Score</a:t>
+            </a:r>
+            <a:r>
+              <a:rPr lang="en-US" dirty="0"/>
+              <a:t> mapped to </a:t>
+            </a:r>
+            <a:r>
+              <a:rPr lang="en-US" dirty="0">
+                <a:solidFill>
+                  <a:schemeClr val="accent6"/>
+                </a:solidFill>
+              </a:rPr>
+              <a:t>probability</a:t>
+            </a:r>
+            <a:r>
+              <a:rPr lang="en-US" dirty="0"/>
+              <a:t> using logistic function</a:t>
+            </a:r>
+          </a:p>
+          <a:p>
+            <a:pPr lvl="1"/>
+            <a:r>
+              <a:rPr lang="en-US" dirty="0"/>
+              <a:t> </a:t>
+            </a:r>
+            <a:r>
+              <a:rPr lang="en-US" dirty="0">
+                <a:solidFill>
+                  <a:srgbClr val="FF0000"/>
+                </a:solidFill>
+              </a:rPr>
+              <a:t>4</a:t>
+            </a:r>
+            <a:r>
+              <a:rPr lang="en-US" dirty="0"/>
+              <a:t> </a:t>
             </a:r>
             <a:r>
               <a:rPr lang="en-US" dirty="0">
@@ -3738,36 +3825,79 @@
               <a:t> </a:t>
             </a:r>
             <a:r>
-              <a:rPr lang="en-US" dirty="0"/>
-              <a:t>0.881</a:t>
-            </a:r>
-          </a:p>
-          <a:p>
-            <a:pPr marL="914400" lvl="1" indent="-457200">
-              <a:buFont typeface="+mj-lt"/>
-              <a:buAutoNum type="alphaLcPeriod"/>
-            </a:pPr>
-            <a:r>
-              <a:rPr lang="en-US" dirty="0"/>
-              <a:t>0 </a:t>
+              <a:rPr lang="en-US" dirty="0">
+                <a:solidFill>
+                  <a:schemeClr val="accent6"/>
+                </a:solidFill>
+              </a:rPr>
+              <a:t>88.1%</a:t>
+            </a:r>
+          </a:p>
+          <a:p>
+            <a:pPr lvl="1"/>
+            <a:r>
+              <a:rPr lang="en-US" dirty="0"/>
+              <a:t> </a:t>
+            </a:r>
+            <a:r>
+              <a:rPr lang="en-US" dirty="0">
+                <a:solidFill>
+                  <a:srgbClr val="FF0000"/>
+                </a:solidFill>
+              </a:rPr>
+              <a:t>0</a:t>
+            </a:r>
+            <a:r>
+              <a:rPr lang="en-US" dirty="0"/>
+              <a:t> </a:t>
             </a:r>
             <a:r>
               <a:rPr lang="en-US" dirty="0">
                 <a:sym typeface="Wingdings" pitchFamily="2" charset="2"/>
               </a:rPr>
-              <a:t> 0.5</a:t>
-            </a:r>
-          </a:p>
-          <a:p>
-            <a:pPr marL="914400" lvl="1" indent="-457200">
-              <a:buFont typeface="+mj-lt"/>
-              <a:buAutoNum type="alphaLcPeriod"/>
-            </a:pPr>
+              <a:t> </a:t>
+            </a:r>
+            <a:r>
+              <a:rPr lang="en-US" dirty="0">
+                <a:solidFill>
+                  <a:schemeClr val="accent6"/>
+                </a:solidFill>
+                <a:sym typeface="Wingdings" pitchFamily="2" charset="2"/>
+              </a:rPr>
+              <a:t>50.0%</a:t>
+            </a:r>
+          </a:p>
+          <a:p>
+            <a:pPr lvl="1"/>
             <a:r>
               <a:rPr lang="en-US" dirty="0">
                 <a:sym typeface="Wingdings" pitchFamily="2" charset="2"/>
               </a:rPr>
-              <a:t>-5  0.047</a:t>
+              <a:t> </a:t>
+            </a:r>
+            <a:r>
+              <a:rPr lang="en-US" dirty="0">
+                <a:solidFill>
+                  <a:srgbClr val="FF0000"/>
+                </a:solidFill>
+                <a:sym typeface="Wingdings" pitchFamily="2" charset="2"/>
+              </a:rPr>
+              <a:t>-5</a:t>
+            </a:r>
+            <a:r>
+              <a:rPr lang="en-US" dirty="0">
+                <a:sym typeface="Wingdings" pitchFamily="2" charset="2"/>
+              </a:rPr>
+              <a:t>  </a:t>
+            </a:r>
+            <a:r>
+              <a:rPr lang="en-US" dirty="0">
+                <a:solidFill>
+                  <a:schemeClr val="accent6"/>
+                </a:solidFill>
+                <a:sym typeface="Wingdings" pitchFamily="2" charset="2"/>
+              </a:rPr>
+              <a:t>4.7%</a:t>
             </a:r>
           </a:p>
           <a:p>
@@ -3779,9 +3909,145 @@
               <a:rPr lang="en-US" dirty="0">
                 <a:sym typeface="Wingdings" pitchFamily="2" charset="2"/>
               </a:rPr>
-              <a:t>Assumption that variables have linear impact on log-odds of target</a:t>
-            </a:r>
-            <a:endParaRPr lang="en-US" dirty="0"/>
+              <a:t> Assumption that variables have linear impact on </a:t>
+            </a:r>
+            <a:r>
+              <a:rPr lang="en-US" dirty="0">
+                <a:solidFill>
+                  <a:srgbClr val="FF0000"/>
+                </a:solidFill>
+                <a:sym typeface="Wingdings" pitchFamily="2" charset="2"/>
+              </a:rPr>
+              <a:t>score</a:t>
+            </a:r>
+            <a:r>
+              <a:rPr lang="en-US" dirty="0">
+                <a:sym typeface="Wingdings" pitchFamily="2" charset="2"/>
+              </a:rPr>
+              <a:t>, the log-odds of the </a:t>
+            </a:r>
+            <a:r>
+              <a:rPr lang="en-US" dirty="0">
+                <a:solidFill>
+                  <a:schemeClr val="accent6"/>
+                </a:solidFill>
+                <a:sym typeface="Wingdings" pitchFamily="2" charset="2"/>
+              </a:rPr>
+              <a:t>probability</a:t>
+            </a:r>
+          </a:p>
+          <a:p>
+            <a:pPr lvl="1"/>
+            <a:r>
+              <a:rPr lang="en-US" dirty="0">
+                <a:sym typeface="Wingdings" pitchFamily="2" charset="2"/>
+              </a:rPr>
+              <a:t>Example, if increase in company age from 10  20 years increases </a:t>
+            </a:r>
+            <a:r>
+              <a:rPr lang="en-US" dirty="0">
+                <a:solidFill>
+                  <a:srgbClr val="FF0000"/>
+                </a:solidFill>
+                <a:sym typeface="Wingdings" pitchFamily="2" charset="2"/>
+              </a:rPr>
+              <a:t>score</a:t>
+            </a:r>
+            <a:r>
+              <a:rPr lang="en-US" dirty="0">
+                <a:sym typeface="Wingdings" pitchFamily="2" charset="2"/>
+              </a:rPr>
+              <a:t> from </a:t>
+            </a:r>
+            <a:r>
+              <a:rPr lang="en-US" dirty="0">
+                <a:solidFill>
+                  <a:srgbClr val="FF0000"/>
+                </a:solidFill>
+                <a:sym typeface="Wingdings" pitchFamily="2" charset="2"/>
+              </a:rPr>
+              <a:t>0</a:t>
+            </a:r>
+            <a:r>
+              <a:rPr lang="en-US" dirty="0">
+                <a:sym typeface="Wingdings" pitchFamily="2" charset="2"/>
+              </a:rPr>
+              <a:t>  </a:t>
+            </a:r>
+            <a:r>
+              <a:rPr lang="en-US" dirty="0">
+                <a:solidFill>
+                  <a:srgbClr val="FF0000"/>
+                </a:solidFill>
+                <a:sym typeface="Wingdings" pitchFamily="2" charset="2"/>
+              </a:rPr>
+              <a:t>0.5</a:t>
+            </a:r>
+            <a:r>
+              <a:rPr lang="en-US" dirty="0">
+                <a:sym typeface="Wingdings" pitchFamily="2" charset="2"/>
+              </a:rPr>
+              <a:t>, increase in company age to 30 years must increase score to </a:t>
+            </a:r>
+            <a:r>
+              <a:rPr lang="en-US" dirty="0">
+                <a:solidFill>
+                  <a:srgbClr val="FF0000"/>
+                </a:solidFill>
+                <a:sym typeface="Wingdings" pitchFamily="2" charset="2"/>
+              </a:rPr>
+              <a:t>1</a:t>
+            </a:r>
+            <a:r>
+              <a:rPr lang="en-US" dirty="0">
+                <a:sym typeface="Wingdings" pitchFamily="2" charset="2"/>
+              </a:rPr>
+              <a:t> (probabilities </a:t>
+            </a:r>
+            <a:r>
+              <a:rPr lang="en-US" dirty="0">
+                <a:solidFill>
+                  <a:schemeClr val="accent6"/>
+                </a:solidFill>
+                <a:sym typeface="Wingdings" pitchFamily="2" charset="2"/>
+              </a:rPr>
+              <a:t>50.0%</a:t>
+            </a:r>
+            <a:r>
+              <a:rPr lang="en-US" dirty="0">
+                <a:sym typeface="Wingdings" pitchFamily="2" charset="2"/>
+              </a:rPr>
+              <a:t>, </a:t>
+            </a:r>
+            <a:r>
+              <a:rPr lang="en-US" dirty="0">
+                <a:solidFill>
+                  <a:schemeClr val="accent6"/>
+                </a:solidFill>
+                <a:sym typeface="Wingdings" pitchFamily="2" charset="2"/>
+              </a:rPr>
+              <a:t>62.2%</a:t>
+            </a:r>
+            <a:r>
+              <a:rPr lang="en-US" dirty="0">
+                <a:sym typeface="Wingdings" pitchFamily="2" charset="2"/>
+              </a:rPr>
+              <a:t> &amp; </a:t>
+            </a:r>
+            <a:r>
+              <a:rPr lang="en-US" dirty="0">
+                <a:solidFill>
+                  <a:schemeClr val="accent6"/>
+                </a:solidFill>
+                <a:sym typeface="Wingdings" pitchFamily="2" charset="2"/>
+              </a:rPr>
+              <a:t>73.1%)</a:t>
+            </a:r>
+            <a:endParaRPr lang="en-US" dirty="0">
+              <a:solidFill>
+                <a:schemeClr val="accent6"/>
+              </a:solidFill>
+            </a:endParaRPr>
           </a:p>
         </p:txBody>
       </p:sp>
@@ -3909,6 +4175,10 @@
               <a:buAutoNum type="alphaLcParenR"/>
             </a:pPr>
             <a:r>
+              <a:rPr lang="en-US" b="1" dirty="0"/>
+              <a:t>Non-linearity </a:t>
+            </a:r>
+            <a:r>
               <a:rPr lang="en-US" dirty="0"/>
               <a:t>Very young/old companies might have high/low probability of defaulting, but medium age companies all have medium credit risk</a:t>
             </a:r>
@@ -3919,8 +4189,21 @@
               <a:buAutoNum type="alphaLcParenR"/>
             </a:pPr>
             <a:r>
+              <a:rPr lang="en-US" b="1" dirty="0"/>
+              <a:t>Non-monotonicity </a:t>
+            </a:r>
+            <a:r>
               <a:rPr lang="en-US" dirty="0"/>
               <a:t>Very young &amp; old companies might have high probability of defaulting, while medium age companies have lower credit risk</a:t>
+            </a:r>
+          </a:p>
+          <a:p>
+            <a:pPr marL="457200" lvl="1" indent="0">
+              <a:buNone/>
+            </a:pPr>
+            <a:r>
+              <a:rPr lang="en-US" dirty="0"/>
+              <a:t>Linear model without strategy for dealing with non-linearities will be sub-optimal for (a), and may fail completely for (b).</a:t>
             </a:r>
           </a:p>
           <a:p>
@@ -3930,13 +4213,18 @@
             </a:pPr>
             <a:r>
               <a:rPr lang="en-US" dirty="0"/>
-              <a:t>Variable interactions may impact on </a:t>
-            </a:r>
-            <a:r>
-              <a:rPr lang="en-US"/>
-              <a:t>target probability</a:t>
-            </a:r>
-            <a:endParaRPr lang="en-US" dirty="0"/>
+              <a:t>Variable interactions may impact on target probability</a:t>
+            </a:r>
+          </a:p>
+          <a:p>
+            <a:pPr marL="914400" lvl="1" indent="-457200">
+              <a:buFont typeface="+mj-lt"/>
+              <a:buAutoNum type="alphaLcParenR"/>
+            </a:pPr>
+            <a:r>
+              <a:rPr lang="en-US" dirty="0"/>
+              <a:t>Weight of evidence binning doesn’t directly address this issue</a:t>
+            </a:r>
           </a:p>
           <a:p>
             <a:endParaRPr lang="en-US" dirty="0"/>
@@ -4068,7 +4356,7 @@
             <a:pPr lvl="1"/>
             <a:r>
               <a:rPr lang="en-US" dirty="0"/>
-              <a:t>Scale using log(p/1-p)</a:t>
+              <a:t>Map to log-odds space using log(p/1-p)</a:t>
             </a:r>
           </a:p>
           <a:p>
@@ -4077,6 +4365,10 @@
               <a:rPr lang="en-US" dirty="0"/>
               <a:t>Opposite to logistic function , by construction linear in log odds</a:t>
             </a:r>
+          </a:p>
+          <a:p>
+            <a:pPr lvl="2"/>
+            <a:endParaRPr lang="en-US" dirty="0"/>
           </a:p>
           <a:p>
             <a:pPr marL="514350" indent="-514350">
@@ -4144,7 +4436,7 @@
           <p:cNvPr id="2" name="Title 1">
             <a:extLst>
               <a:ext uri="{FF2B5EF4-FFF2-40B4-BE49-F238E27FC236}">
-                <a16:creationId xmlns:a16="http://schemas.microsoft.com/office/drawing/2014/main" id="{0B9943F7-39AC-1944-861E-D6B6241CD359}"/>
+                <a16:creationId xmlns:a16="http://schemas.microsoft.com/office/drawing/2014/main" id="{5242BCDA-64BB-1548-BF87-C35B04D589C2}"/>
               </a:ext>
             </a:extLst>
           </p:cNvPr>
@@ -4162,7 +4454,7 @@
           <a:p>
             <a:r>
               <a:rPr lang="en-US" dirty="0"/>
-              <a:t>Weight of evidence Example</a:t>
+              <a:t>Tree binning Example</a:t>
             </a:r>
           </a:p>
         </p:txBody>
@@ -4172,7 +4464,7 @@
           <p:cNvPr id="3" name="Content Placeholder 2">
             <a:extLst>
               <a:ext uri="{FF2B5EF4-FFF2-40B4-BE49-F238E27FC236}">
-                <a16:creationId xmlns:a16="http://schemas.microsoft.com/office/drawing/2014/main" id="{296F143B-5AD5-754D-A999-23173634B66D}"/>
+                <a16:creationId xmlns:a16="http://schemas.microsoft.com/office/drawing/2014/main" id="{FCD6FA9D-A4E3-D749-9F75-0171A861F1F2}"/>
               </a:ext>
             </a:extLst>
           </p:cNvPr>
@@ -4188,21 +4480,14 @@
           <a:bodyPr/>
           <a:lstStyle/>
           <a:p>
-            <a:r>
-              <a:rPr lang="en-US" dirty="0" err="1"/>
-              <a:t>Todo</a:t>
-            </a:r>
-            <a:r>
-              <a:rPr lang="en-US" dirty="0"/>
-              <a:t> – add example with one variable</a:t>
-            </a:r>
+            <a:endParaRPr lang="en-US" dirty="0"/>
           </a:p>
         </p:txBody>
       </p:sp>
     </p:spTree>
     <p:extLst>
       <p:ext uri="{BB962C8B-B14F-4D97-AF65-F5344CB8AC3E}">
-        <p14:creationId xmlns:p14="http://schemas.microsoft.com/office/powerpoint/2010/main" val="3916021486"/>
+        <p14:creationId xmlns:p14="http://schemas.microsoft.com/office/powerpoint/2010/main" val="1363968700"/>
       </p:ext>
     </p:extLst>
   </p:cSld>
@@ -4234,6 +4519,94 @@
           <p:cNvPr id="2" name="Title 1">
             <a:extLst>
               <a:ext uri="{FF2B5EF4-FFF2-40B4-BE49-F238E27FC236}">
+                <a16:creationId xmlns:a16="http://schemas.microsoft.com/office/drawing/2014/main" id="{ADAF68A2-97DF-8746-8EBC-FA076FBE67A6}"/>
+              </a:ext>
+            </a:extLst>
+          </p:cNvPr>
+          <p:cNvSpPr>
+            <a:spLocks noGrp="1"/>
+          </p:cNvSpPr>
+          <p:nvPr>
+            <p:ph type="title"/>
+          </p:nvPr>
+        </p:nvSpPr>
+        <p:spPr/>
+        <p:txBody>
+          <a:bodyPr/>
+          <a:lstStyle/>
+          <a:p>
+            <a:r>
+              <a:rPr lang="en-US" dirty="0"/>
+              <a:t>Log Odds </a:t>
+            </a:r>
+            <a:r>
+              <a:rPr lang="en-US"/>
+              <a:t>transformation Example</a:t>
+            </a:r>
+            <a:endParaRPr lang="en-US" dirty="0"/>
+          </a:p>
+        </p:txBody>
+      </p:sp>
+      <p:sp>
+        <p:nvSpPr>
+          <p:cNvPr id="3" name="Content Placeholder 2">
+            <a:extLst>
+              <a:ext uri="{FF2B5EF4-FFF2-40B4-BE49-F238E27FC236}">
+                <a16:creationId xmlns:a16="http://schemas.microsoft.com/office/drawing/2014/main" id="{EAC52204-03D2-624B-9578-EF4F86662A5B}"/>
+              </a:ext>
+            </a:extLst>
+          </p:cNvPr>
+          <p:cNvSpPr>
+            <a:spLocks noGrp="1"/>
+          </p:cNvSpPr>
+          <p:nvPr>
+            <p:ph idx="1"/>
+          </p:nvPr>
+        </p:nvSpPr>
+        <p:spPr/>
+        <p:txBody>
+          <a:bodyPr/>
+          <a:lstStyle/>
+          <a:p>
+            <a:endParaRPr lang="en-US"/>
+          </a:p>
+        </p:txBody>
+      </p:sp>
+    </p:spTree>
+    <p:extLst>
+      <p:ext uri="{BB962C8B-B14F-4D97-AF65-F5344CB8AC3E}">
+        <p14:creationId xmlns:p14="http://schemas.microsoft.com/office/powerpoint/2010/main" val="204365104"/>
+      </p:ext>
+    </p:extLst>
+  </p:cSld>
+  <p:clrMapOvr>
+    <a:masterClrMapping/>
+  </p:clrMapOvr>
+</p:sld>
+</file>
+
+<file path=ppt/slides/slide9.xml><?xml version="1.0" encoding="utf-8"?>
+<p:sld xmlns:a="http://schemas.openxmlformats.org/drawingml/2006/main" xmlns:r="http://schemas.openxmlformats.org/officeDocument/2006/relationships" xmlns:p="http://schemas.openxmlformats.org/presentationml/2006/main">
+  <p:cSld>
+    <p:spTree>
+      <p:nvGrpSpPr>
+        <p:cNvPr id="1" name=""/>
+        <p:cNvGrpSpPr/>
+        <p:nvPr/>
+      </p:nvGrpSpPr>
+      <p:grpSpPr>
+        <a:xfrm>
+          <a:off x="0" y="0"/>
+          <a:ext cx="0" cy="0"/>
+          <a:chOff x="0" y="0"/>
+          <a:chExt cx="0" cy="0"/>
+        </a:xfrm>
+      </p:grpSpPr>
+      <p:sp>
+        <p:nvSpPr>
+          <p:cNvPr id="2" name="Title 1">
+            <a:extLst>
+              <a:ext uri="{FF2B5EF4-FFF2-40B4-BE49-F238E27FC236}">
                 <a16:creationId xmlns:a16="http://schemas.microsoft.com/office/drawing/2014/main" id="{2FEB2B99-2396-324C-BCAB-AFC0396FAB16}"/>
               </a:ext>
             </a:extLst>
@@ -4276,7 +4649,7 @@
         <p:spPr/>
         <p:txBody>
           <a:bodyPr>
-            <a:normAutofit fontScale="70000" lnSpcReduction="20000"/>
+            <a:normAutofit fontScale="62500" lnSpcReduction="20000"/>
           </a:bodyPr>
           <a:lstStyle/>
           <a:p>
@@ -4326,7 +4699,25 @@
             </a:pPr>
             <a:r>
               <a:rPr lang="en-US" dirty="0"/>
-              <a:t>Tune using random search, or Bayesian hyperparameter tuning</a:t>
+              <a:t>Tree depth, minimum </a:t>
+            </a:r>
+            <a:r>
+              <a:rPr lang="en-US" dirty="0" err="1"/>
+              <a:t>gini</a:t>
+            </a:r>
+            <a:r>
+              <a:rPr lang="en-US" dirty="0"/>
+              <a:t> decrease, minimum observations per node of tree, regularization &amp; features of regression model</a:t>
+            </a:r>
+          </a:p>
+          <a:p>
+            <a:pPr marL="971550" lvl="1" indent="-514350">
+              <a:buFont typeface="+mj-lt"/>
+              <a:buAutoNum type="alphaLcParenR"/>
+            </a:pPr>
+            <a:r>
+              <a:rPr lang="en-US" dirty="0"/>
+              <a:t>Tune, for example using random search, Bayesian hyperparameter tuning or recursive feature elimination</a:t>
             </a:r>
           </a:p>
           <a:p>
@@ -4356,15 +4747,7 @@
             </a:pPr>
             <a:r>
               <a:rPr lang="en-US" dirty="0"/>
-              <a:t>Favor more sparse models, and models without highly correlated features (binned &amp; </a:t>
-            </a:r>
-            <a:r>
-              <a:rPr lang="en-US" dirty="0" err="1"/>
-              <a:t>unbinned</a:t>
-            </a:r>
-            <a:r>
-              <a:rPr lang="en-US" dirty="0"/>
-              <a:t>), if no reduction in model performance</a:t>
+              <a:t>Favor more sparse models, and models without highly correlated features</a:t>
             </a:r>
           </a:p>
           <a:p>
@@ -4374,7 +4757,7 @@
             </a:pPr>
             <a:r>
               <a:rPr lang="en-US" dirty="0"/>
-              <a:t>Does not model interactions</a:t>
+              <a:t>Unstable with high-cardinality Categorical </a:t>
             </a:r>
           </a:p>
           <a:p>
@@ -4384,7 +4767,15 @@
             </a:pPr>
             <a:r>
               <a:rPr lang="en-US" dirty="0"/>
-              <a:t>Benchmark vs tree ensemble methods</a:t>
+              <a:t>‘</a:t>
+            </a:r>
+            <a:r>
+              <a:rPr lang="en-US" dirty="0" err="1"/>
+              <a:t>Otherise</a:t>
+            </a:r>
+            <a:r>
+              <a:rPr lang="en-US" dirty="0"/>
+              <a:t>’ low-frequency categories</a:t>
             </a:r>
           </a:p>
           <a:p>
@@ -4394,7 +4785,7 @@
             </a:pPr>
             <a:r>
               <a:rPr lang="en-US" dirty="0"/>
-              <a:t>Can manually add some interactions, but may be that modern machine  methods will perform better if interactions very important</a:t>
+              <a:t>Map to lower cardinality, using domain expertise, or similarity method, e.g. string distance.</a:t>
             </a:r>
           </a:p>
           <a:p>
@@ -4404,7 +4795,7 @@
             </a:pPr>
             <a:r>
               <a:rPr lang="en-US" dirty="0"/>
-              <a:t>Unstable with high-cardinality Categorical </a:t>
+              <a:t>Does not model interactions</a:t>
             </a:r>
           </a:p>
           <a:p>
@@ -4414,15 +4805,7 @@
             </a:pPr>
             <a:r>
               <a:rPr lang="en-US" dirty="0"/>
-              <a:t>‘</a:t>
-            </a:r>
-            <a:r>
-              <a:rPr lang="en-US" dirty="0" err="1"/>
-              <a:t>Otherise</a:t>
-            </a:r>
-            <a:r>
-              <a:rPr lang="en-US" dirty="0"/>
-              <a:t>’ low-frequency categories</a:t>
+              <a:t>Benchmark vs tree ensemble methods</a:t>
             </a:r>
           </a:p>
           <a:p>
@@ -4432,7 +4815,7 @@
             </a:pPr>
             <a:r>
               <a:rPr lang="en-US" dirty="0"/>
-              <a:t>Map to lower cardinality, using domain expertise, or similarity method, e.g. string distance.</a:t>
+              <a:t>Can manually add some interactions, but may be that modern machine  methods will perform better if interactions very important</a:t>
             </a:r>
           </a:p>
           <a:p>

--- a/Presentation.pptx
+++ b/Presentation.pptx
@@ -14,6 +14,7 @@
     <p:sldId id="264" r:id="rId8"/>
     <p:sldId id="265" r:id="rId9"/>
     <p:sldId id="263" r:id="rId10"/>
+    <p:sldId id="266" r:id="rId11"/>
   </p:sldIdLst>
   <p:sldSz cx="12192000" cy="6858000"/>
   <p:notesSz cx="6858000" cy="9144000"/>
@@ -3419,6 +3420,101 @@
 </p:sld>
 </file>
 
+<file path=ppt/slides/slide10.xml><?xml version="1.0" encoding="utf-8"?>
+<p:sld xmlns:a="http://schemas.openxmlformats.org/drawingml/2006/main" xmlns:r="http://schemas.openxmlformats.org/officeDocument/2006/relationships" xmlns:p="http://schemas.openxmlformats.org/presentationml/2006/main">
+  <p:cSld>
+    <p:spTree>
+      <p:nvGrpSpPr>
+        <p:cNvPr id="1" name=""/>
+        <p:cNvGrpSpPr/>
+        <p:nvPr/>
+      </p:nvGrpSpPr>
+      <p:grpSpPr>
+        <a:xfrm>
+          <a:off x="0" y="0"/>
+          <a:ext cx="0" cy="0"/>
+          <a:chOff x="0" y="0"/>
+          <a:chExt cx="0" cy="0"/>
+        </a:xfrm>
+      </p:grpSpPr>
+      <p:sp>
+        <p:nvSpPr>
+          <p:cNvPr id="2" name="Title 1">
+            <a:extLst>
+              <a:ext uri="{FF2B5EF4-FFF2-40B4-BE49-F238E27FC236}">
+                <a16:creationId xmlns:a16="http://schemas.microsoft.com/office/drawing/2014/main" id="{D7987899-1EB9-7E44-8AC2-45BE9869FABB}"/>
+              </a:ext>
+            </a:extLst>
+          </p:cNvPr>
+          <p:cNvSpPr>
+            <a:spLocks noGrp="1"/>
+          </p:cNvSpPr>
+          <p:nvPr>
+            <p:ph type="title"/>
+          </p:nvPr>
+        </p:nvSpPr>
+        <p:spPr/>
+        <p:txBody>
+          <a:bodyPr/>
+          <a:lstStyle/>
+          <a:p>
+            <a:r>
+              <a:rPr lang="en-US" dirty="0"/>
+              <a:t>Useful resources</a:t>
+            </a:r>
+          </a:p>
+        </p:txBody>
+      </p:sp>
+      <p:sp>
+        <p:nvSpPr>
+          <p:cNvPr id="3" name="Content Placeholder 2">
+            <a:extLst>
+              <a:ext uri="{FF2B5EF4-FFF2-40B4-BE49-F238E27FC236}">
+                <a16:creationId xmlns:a16="http://schemas.microsoft.com/office/drawing/2014/main" id="{9C0AEBC5-BDAD-3445-99BF-4E7A05A1D855}"/>
+              </a:ext>
+            </a:extLst>
+          </p:cNvPr>
+          <p:cNvSpPr>
+            <a:spLocks noGrp="1"/>
+          </p:cNvSpPr>
+          <p:nvPr>
+            <p:ph idx="1"/>
+          </p:nvPr>
+        </p:nvSpPr>
+        <p:spPr/>
+        <p:txBody>
+          <a:bodyPr/>
+          <a:lstStyle/>
+          <a:p>
+            <a:r>
+              <a:rPr lang="en-US" dirty="0">
+                <a:hlinkClick r:id="rId2"/>
+              </a:rPr>
+              <a:t>Scorecardpy</a:t>
+            </a:r>
+            <a:r>
+              <a:rPr lang="en-US" dirty="0"/>
+              <a:t> – Python Weight of Evidence Binning Library</a:t>
+            </a:r>
+          </a:p>
+          <a:p>
+            <a:endParaRPr lang="en-US" dirty="0"/>
+          </a:p>
+        </p:txBody>
+      </p:sp>
+    </p:spTree>
+    <p:extLst>
+      <p:ext uri="{BB962C8B-B14F-4D97-AF65-F5344CB8AC3E}">
+        <p14:creationId xmlns:p14="http://schemas.microsoft.com/office/powerpoint/2010/main" val="2254126027"/>
+      </p:ext>
+    </p:extLst>
+  </p:cSld>
+  <p:clrMapOvr>
+    <a:masterClrMapping/>
+  </p:clrMapOvr>
+</p:sld>
+</file>
+
 <file path=ppt/slides/slide2.xml><?xml version="1.0" encoding="utf-8"?>
 <p:sld xmlns:a="http://schemas.openxmlformats.org/drawingml/2006/main" xmlns:r="http://schemas.openxmlformats.org/officeDocument/2006/relationships" xmlns:p="http://schemas.openxmlformats.org/presentationml/2006/main">
   <p:cSld>
@@ -3909,7 +4005,19 @@
               <a:rPr lang="en-US" dirty="0">
                 <a:sym typeface="Wingdings" pitchFamily="2" charset="2"/>
               </a:rPr>
-              <a:t> Assumption that variables have linear impact on </a:t>
+              <a:t> Assumption </a:t>
+            </a:r>
+            <a:r>
+              <a:rPr lang="en-US">
+                <a:sym typeface="Wingdings" pitchFamily="2" charset="2"/>
+              </a:rPr>
+              <a:t>that regressors </a:t>
+            </a:r>
+            <a:r>
+              <a:rPr lang="en-US" dirty="0">
+                <a:sym typeface="Wingdings" pitchFamily="2" charset="2"/>
+              </a:rPr>
+              <a:t>have linear impact on </a:t>
             </a:r>
             <a:r>
               <a:rPr lang="en-US" dirty="0">
@@ -4537,13 +4645,8 @@
           <a:p>
             <a:r>
               <a:rPr lang="en-US" dirty="0"/>
-              <a:t>Log Odds </a:t>
-            </a:r>
-            <a:r>
-              <a:rPr lang="en-US"/>
-              <a:t>transformation Example</a:t>
-            </a:r>
-            <a:endParaRPr lang="en-US" dirty="0"/>
+              <a:t>Log Odds transformation Example</a:t>
+            </a:r>
           </a:p>
         </p:txBody>
       </p:sp>

--- a/Presentation.pptx
+++ b/Presentation.pptx
@@ -3498,6 +3498,64 @@
             </a:r>
           </a:p>
           <a:p>
+            <a:r>
+              <a:rPr lang="en-US" dirty="0">
+                <a:hlinkClick r:id="rId3"/>
+              </a:rPr>
+              <a:t>Listendata article</a:t>
+            </a:r>
+            <a:r>
+              <a:rPr lang="en-US" dirty="0"/>
+              <a:t> – Weight of evidence binning explained</a:t>
+            </a:r>
+          </a:p>
+          <a:p>
+            <a:r>
+              <a:rPr lang="en-US" dirty="0">
+                <a:hlinkClick r:id="rId4"/>
+              </a:rPr>
+              <a:t>Victor Zhou article </a:t>
+            </a:r>
+            <a:r>
+              <a:rPr lang="en-US" dirty="0"/>
+              <a:t>– Gini Impurity explained</a:t>
+            </a:r>
+          </a:p>
+          <a:p>
+            <a:r>
+              <a:rPr lang="en-US" dirty="0">
+                <a:hlinkClick r:id="rId5"/>
+              </a:rPr>
+              <a:t>Towardsdatascience Article</a:t>
+            </a:r>
+            <a:r>
+              <a:rPr lang="en-US" dirty="0"/>
+              <a:t> – Decision tree implementation</a:t>
+            </a:r>
+          </a:p>
+          <a:p>
+            <a:endParaRPr lang="en-US" dirty="0"/>
+          </a:p>
+          <a:p>
+            <a:endParaRPr lang="en-US" dirty="0"/>
+          </a:p>
+          <a:p>
+            <a:r>
+              <a:rPr lang="en-US" dirty="0"/>
+              <a:t>Code from this talk can be found </a:t>
+            </a:r>
+            <a:r>
+              <a:rPr lang="en-US" dirty="0">
+                <a:hlinkClick r:id="rId6"/>
+              </a:rPr>
+              <a:t>here</a:t>
+            </a:r>
+            <a:endParaRPr lang="en-US" dirty="0"/>
+          </a:p>
+          <a:p>
+            <a:endParaRPr lang="en-US" dirty="0"/>
+          </a:p>
+          <a:p>
             <a:endParaRPr lang="en-US" dirty="0"/>
           </a:p>
         </p:txBody>
@@ -4005,19 +4063,7 @@
               <a:rPr lang="en-US" dirty="0">
                 <a:sym typeface="Wingdings" pitchFamily="2" charset="2"/>
               </a:rPr>
-              <a:t> Assumption </a:t>
-            </a:r>
-            <a:r>
-              <a:rPr lang="en-US">
-                <a:sym typeface="Wingdings" pitchFamily="2" charset="2"/>
-              </a:rPr>
-              <a:t>that regressors </a:t>
-            </a:r>
-            <a:r>
-              <a:rPr lang="en-US" dirty="0">
-                <a:sym typeface="Wingdings" pitchFamily="2" charset="2"/>
-              </a:rPr>
-              <a:t>have linear impact on </a:t>
+              <a:t> Assumption that regressors have linear impact on </a:t>
             </a:r>
             <a:r>
               <a:rPr lang="en-US" dirty="0">
@@ -4562,7 +4608,7 @@
           <a:p>
             <a:r>
               <a:rPr lang="en-US" dirty="0"/>
-              <a:t>Tree binning Example</a:t>
+              <a:t>Tree binning using Single-variable decision trees</a:t>
             </a:r>
           </a:p>
         </p:txBody>
@@ -4585,10 +4631,133 @@
         </p:nvSpPr>
         <p:spPr/>
         <p:txBody>
-          <a:bodyPr/>
-          <a:lstStyle/>
-          <a:p>
+          <a:bodyPr>
+            <a:normAutofit fontScale="85000" lnSpcReduction="20000"/>
+          </a:bodyPr>
+          <a:lstStyle/>
+          <a:p>
+            <a:r>
+              <a:rPr lang="en-GB" dirty="0"/>
+              <a:t>Gini impurity = probability of a being wrongly classified when labelling proportionate to labels in the subset. </a:t>
+            </a:r>
+          </a:p>
+          <a:p>
+            <a:pPr lvl="1"/>
+            <a:r>
+              <a:rPr lang="en-GB" dirty="0"/>
+              <a:t>Formula 1 – P_0^2 – (1-p_0)^2</a:t>
+            </a:r>
+          </a:p>
+          <a:p>
+            <a:pPr lvl="1"/>
+            <a:r>
+              <a:rPr lang="en-GB" dirty="0"/>
+              <a:t>Gini of 0 </a:t>
+            </a:r>
+            <a:r>
+              <a:rPr lang="en-GB" dirty="0">
+                <a:sym typeface="Wingdings" pitchFamily="2" charset="2"/>
+              </a:rPr>
+              <a:t> 100% of 0/1 class (lowest possible)</a:t>
+            </a:r>
+          </a:p>
+          <a:p>
+            <a:pPr lvl="1"/>
+            <a:r>
+              <a:rPr lang="en-GB" dirty="0">
+                <a:sym typeface="Wingdings" pitchFamily="2" charset="2"/>
+              </a:rPr>
+              <a:t>Gini </a:t>
+            </a:r>
+            <a:r>
+              <a:rPr lang="en-GB" dirty="0"/>
+              <a:t>of 1 </a:t>
+            </a:r>
+            <a:r>
+              <a:rPr lang="en-GB" dirty="0">
+                <a:sym typeface="Wingdings" pitchFamily="2" charset="2"/>
+              </a:rPr>
+              <a:t> 50% of 0/1 class (highest possible)</a:t>
+            </a:r>
+          </a:p>
+          <a:p>
+            <a:pPr lvl="1"/>
+            <a:r>
+              <a:rPr lang="en-GB" dirty="0">
+                <a:sym typeface="Wingdings" pitchFamily="2" charset="2"/>
+              </a:rPr>
+              <a:t>Objective of decision tree is to split at points maximising Gini increase (want leaf nodes with lowest impurity).</a:t>
+            </a:r>
+          </a:p>
+          <a:p>
+            <a:pPr lvl="1"/>
             <a:endParaRPr lang="en-US" dirty="0"/>
+          </a:p>
+          <a:p>
+            <a:r>
+              <a:rPr lang="en-US"/>
+              <a:t>Logic </a:t>
+            </a:r>
+            <a:r>
+              <a:rPr lang="en-US" dirty="0"/>
+              <a:t>for greedy single-variable decision tree</a:t>
+            </a:r>
+          </a:p>
+          <a:p>
+            <a:pPr marL="914400" lvl="1" indent="-457200">
+              <a:buFont typeface="+mj-lt"/>
+              <a:buAutoNum type="alphaLcParenR"/>
+            </a:pPr>
+            <a:r>
+              <a:rPr lang="en-US" dirty="0"/>
+              <a:t>Calculate Gini decrease @ every possible split – weighted average of left &amp; right </a:t>
+            </a:r>
+            <a:r>
+              <a:rPr lang="en-US" dirty="0" err="1"/>
+              <a:t>Ginis</a:t>
+            </a:r>
+            <a:r>
+              <a:rPr lang="en-US" dirty="0"/>
+              <a:t>’</a:t>
+            </a:r>
+          </a:p>
+          <a:p>
+            <a:pPr marL="914400" lvl="1" indent="-457200">
+              <a:buFont typeface="+mj-lt"/>
+              <a:buAutoNum type="alphaLcParenR"/>
+            </a:pPr>
+            <a:r>
+              <a:rPr lang="en-US" dirty="0"/>
+              <a:t>Split @ point that </a:t>
+            </a:r>
+            <a:r>
+              <a:rPr lang="en-US" dirty="0" err="1"/>
+              <a:t>maximises</a:t>
+            </a:r>
+            <a:r>
+              <a:rPr lang="en-US" dirty="0"/>
+              <a:t> Gini decrease, and repeat process on left &amp; right nodes</a:t>
+            </a:r>
+          </a:p>
+          <a:p>
+            <a:pPr marL="914400" lvl="1" indent="-457200">
+              <a:buFont typeface="+mj-lt"/>
+              <a:buAutoNum type="alphaLcParenR"/>
+            </a:pPr>
+            <a:r>
+              <a:rPr lang="en-US" dirty="0"/>
+              <a:t>Stop when maximum depth reached, and don’t use splits not achieving minimum Gini decrease, and with minimum number of entries in left/right Node</a:t>
+            </a:r>
+          </a:p>
+          <a:p>
+            <a:pPr marL="914400" lvl="1" indent="-457200">
+              <a:buFont typeface="+mj-lt"/>
+              <a:buAutoNum type="alphaLcParenR"/>
+            </a:pPr>
+            <a:r>
+              <a:rPr lang="en-US" dirty="0"/>
+              <a:t>Leaf nodes are thresholds for bin</a:t>
+            </a:r>
           </a:p>
         </p:txBody>
       </p:sp>
@@ -4666,15 +4835,740 @@
             <p:ph idx="1"/>
           </p:nvPr>
         </p:nvSpPr>
-        <p:spPr/>
-        <p:txBody>
-          <a:bodyPr/>
-          <a:lstStyle/>
-          <a:p>
-            <a:endParaRPr lang="en-US"/>
-          </a:p>
-        </p:txBody>
-      </p:sp>
+        <p:spPr>
+          <a:xfrm>
+            <a:off x="641350" y="1690688"/>
+            <a:ext cx="4448175" cy="4351338"/>
+          </a:xfrm>
+        </p:spPr>
+        <p:txBody>
+          <a:bodyPr>
+            <a:normAutofit fontScale="77500" lnSpcReduction="20000"/>
+          </a:bodyPr>
+          <a:lstStyle/>
+          <a:p>
+            <a:r>
+              <a:rPr lang="en-US" dirty="0"/>
+              <a:t>X = Log (p / 1-p) </a:t>
+            </a:r>
+          </a:p>
+          <a:p>
+            <a:r>
+              <a:rPr lang="en-US" dirty="0"/>
+              <a:t>Inverse of 1/(1+e(-x))</a:t>
+            </a:r>
+          </a:p>
+          <a:p>
+            <a:pPr lvl="1"/>
+            <a:r>
+              <a:rPr lang="en-US" dirty="0"/>
+              <a:t>88.1% </a:t>
+            </a:r>
+            <a:r>
+              <a:rPr lang="en-US" dirty="0">
+                <a:sym typeface="Wingdings" pitchFamily="2" charset="2"/>
+              </a:rPr>
+              <a:t> </a:t>
+            </a:r>
+            <a:r>
+              <a:rPr lang="en-US" dirty="0"/>
+              <a:t>4</a:t>
+            </a:r>
+          </a:p>
+          <a:p>
+            <a:pPr lvl="1"/>
+            <a:r>
+              <a:rPr lang="en-US" dirty="0">
+                <a:sym typeface="Wingdings" pitchFamily="2" charset="2"/>
+              </a:rPr>
+              <a:t>50.0%  0</a:t>
+            </a:r>
+          </a:p>
+          <a:p>
+            <a:pPr lvl="1"/>
+            <a:r>
+              <a:rPr lang="en-US" dirty="0">
+                <a:sym typeface="Wingdings" pitchFamily="2" charset="2"/>
+              </a:rPr>
+              <a:t>4.7%   -5</a:t>
+            </a:r>
+          </a:p>
+          <a:p>
+            <a:r>
+              <a:rPr lang="en-US" dirty="0">
+                <a:sym typeface="Wingdings" pitchFamily="2" charset="2"/>
+              </a:rPr>
+              <a:t>By construction, data is linear in log-odds of bad rate</a:t>
+            </a:r>
+            <a:endParaRPr lang="en-US" dirty="0"/>
+          </a:p>
+          <a:p>
+            <a:r>
+              <a:rPr lang="en-GB" dirty="0"/>
+              <a:t>Standardisation </a:t>
+            </a:r>
+          </a:p>
+          <a:p>
+            <a:pPr lvl="1"/>
+            <a:r>
+              <a:rPr lang="en-GB" dirty="0"/>
+              <a:t>Traditional </a:t>
+            </a:r>
+            <a:r>
+              <a:rPr lang="en-US" dirty="0"/>
+              <a:t>Log (</a:t>
+            </a:r>
+            <a:r>
+              <a:rPr lang="en-US" dirty="0" err="1"/>
+              <a:t>p_bin</a:t>
+            </a:r>
+            <a:r>
+              <a:rPr lang="en-US" dirty="0"/>
+              <a:t> / 1-p_bin) – log(</a:t>
+            </a:r>
+            <a:r>
+              <a:rPr lang="en-US" dirty="0" err="1"/>
+              <a:t>p_total</a:t>
+            </a:r>
+            <a:r>
+              <a:rPr lang="en-US" dirty="0"/>
+              <a:t>/ 1-p_total) </a:t>
+            </a:r>
+            <a:endParaRPr lang="en-GB" dirty="0"/>
+          </a:p>
+          <a:p>
+            <a:pPr lvl="1"/>
+            <a:r>
+              <a:rPr lang="en-GB" dirty="0"/>
+              <a:t>Standard scaler z = (x - u) / s</a:t>
+            </a:r>
+            <a:endParaRPr lang="en-US" dirty="0"/>
+          </a:p>
+          <a:p>
+            <a:pPr lvl="1"/>
+            <a:r>
+              <a:rPr lang="en-US" dirty="0"/>
+              <a:t>Linear transformations don’t change model, but can increase interpretability of regression coefficients, and helps </a:t>
+            </a:r>
+            <a:r>
+              <a:rPr lang="en-US" dirty="0" err="1"/>
+              <a:t>regularisation</a:t>
+            </a:r>
+            <a:endParaRPr lang="en-GB" dirty="0"/>
+          </a:p>
+        </p:txBody>
+      </p:sp>
+      <p:graphicFrame>
+        <p:nvGraphicFramePr>
+          <p:cNvPr id="4" name="Table 3">
+            <a:extLst>
+              <a:ext uri="{FF2B5EF4-FFF2-40B4-BE49-F238E27FC236}">
+                <a16:creationId xmlns:a16="http://schemas.microsoft.com/office/drawing/2014/main" id="{202C0063-14B4-1642-A6DF-F6225731600C}"/>
+              </a:ext>
+            </a:extLst>
+          </p:cNvPr>
+          <p:cNvGraphicFramePr>
+            <a:graphicFrameLocks noGrp="1"/>
+          </p:cNvGraphicFramePr>
+          <p:nvPr>
+            <p:extLst>
+              <p:ext uri="{D42A27DB-BD31-4B8C-83A1-F6EECF244321}">
+                <p14:modId xmlns:p14="http://schemas.microsoft.com/office/powerpoint/2010/main" val="808349206"/>
+              </p:ext>
+            </p:extLst>
+          </p:nvPr>
+        </p:nvGraphicFramePr>
+        <p:xfrm>
+          <a:off x="5089525" y="1576915"/>
+          <a:ext cx="6773335" cy="4351337"/>
+        </p:xfrm>
+        <a:graphic>
+          <a:graphicData uri="http://schemas.openxmlformats.org/drawingml/2006/table">
+            <a:tbl>
+              <a:tblPr firstRow="1" bandRow="1">
+                <a:tableStyleId>{5C22544A-7EE6-4342-B048-85BDC9FD1C3A}</a:tableStyleId>
+              </a:tblPr>
+              <a:tblGrid>
+                <a:gridCol w="1128889">
+                  <a:extLst>
+                    <a:ext uri="{9D8B030D-6E8A-4147-A177-3AD203B41FA5}">
+                      <a16:colId xmlns:a16="http://schemas.microsoft.com/office/drawing/2014/main" val="708892531"/>
+                    </a:ext>
+                  </a:extLst>
+                </a:gridCol>
+                <a:gridCol w="1356872">
+                  <a:extLst>
+                    <a:ext uri="{9D8B030D-6E8A-4147-A177-3AD203B41FA5}">
+                      <a16:colId xmlns:a16="http://schemas.microsoft.com/office/drawing/2014/main" val="1739712906"/>
+                    </a:ext>
+                  </a:extLst>
+                </a:gridCol>
+                <a:gridCol w="900907">
+                  <a:extLst>
+                    <a:ext uri="{9D8B030D-6E8A-4147-A177-3AD203B41FA5}">
+                      <a16:colId xmlns:a16="http://schemas.microsoft.com/office/drawing/2014/main" val="4124493816"/>
+                    </a:ext>
+                  </a:extLst>
+                </a:gridCol>
+                <a:gridCol w="1128889">
+                  <a:extLst>
+                    <a:ext uri="{9D8B030D-6E8A-4147-A177-3AD203B41FA5}">
+                      <a16:colId xmlns:a16="http://schemas.microsoft.com/office/drawing/2014/main" val="3280785828"/>
+                    </a:ext>
+                  </a:extLst>
+                </a:gridCol>
+                <a:gridCol w="1128889">
+                  <a:extLst>
+                    <a:ext uri="{9D8B030D-6E8A-4147-A177-3AD203B41FA5}">
+                      <a16:colId xmlns:a16="http://schemas.microsoft.com/office/drawing/2014/main" val="1873288642"/>
+                    </a:ext>
+                  </a:extLst>
+                </a:gridCol>
+                <a:gridCol w="1128889">
+                  <a:extLst>
+                    <a:ext uri="{9D8B030D-6E8A-4147-A177-3AD203B41FA5}">
+                      <a16:colId xmlns:a16="http://schemas.microsoft.com/office/drawing/2014/main" val="2442782925"/>
+                    </a:ext>
+                  </a:extLst>
+                </a:gridCol>
+              </a:tblGrid>
+              <a:tr h="1215673">
+                <a:tc>
+                  <a:txBody>
+                    <a:bodyPr/>
+                    <a:lstStyle/>
+                    <a:p>
+                      <a:r>
+                        <a:rPr lang="en-US" dirty="0"/>
+                        <a:t>Company age</a:t>
+                      </a:r>
+                    </a:p>
+                  </a:txBody>
+                  <a:tcPr/>
+                </a:tc>
+                <a:tc>
+                  <a:txBody>
+                    <a:bodyPr/>
+                    <a:lstStyle/>
+                    <a:p>
+                      <a:r>
+                        <a:rPr lang="en-US" dirty="0"/>
+                        <a:t>Observations</a:t>
+                      </a:r>
+                    </a:p>
+                  </a:txBody>
+                  <a:tcPr/>
+                </a:tc>
+                <a:tc>
+                  <a:txBody>
+                    <a:bodyPr/>
+                    <a:lstStyle/>
+                    <a:p>
+                      <a:r>
+                        <a:rPr lang="en-US" dirty="0"/>
+                        <a:t>Defaults</a:t>
+                      </a:r>
+                    </a:p>
+                  </a:txBody>
+                  <a:tcPr/>
+                </a:tc>
+                <a:tc>
+                  <a:txBody>
+                    <a:bodyPr/>
+                    <a:lstStyle/>
+                    <a:p>
+                      <a:r>
+                        <a:rPr lang="en-US" dirty="0"/>
+                        <a:t>Default rate %</a:t>
+                      </a:r>
+                    </a:p>
+                  </a:txBody>
+                  <a:tcPr/>
+                </a:tc>
+                <a:tc>
+                  <a:txBody>
+                    <a:bodyPr/>
+                    <a:lstStyle/>
+                    <a:p>
+                      <a:r>
+                        <a:rPr lang="en-US" dirty="0"/>
+                        <a:t>Odds ratio</a:t>
+                      </a:r>
+                    </a:p>
+                  </a:txBody>
+                  <a:tcPr/>
+                </a:tc>
+                <a:tc>
+                  <a:txBody>
+                    <a:bodyPr/>
+                    <a:lstStyle/>
+                    <a:p>
+                      <a:r>
+                        <a:rPr lang="en-US" dirty="0"/>
+                        <a:t>Log (Odds Ratio)</a:t>
+                      </a:r>
+                    </a:p>
+                  </a:txBody>
+                  <a:tcPr/>
+                </a:tc>
+                <a:extLst>
+                  <a:ext uri="{0D108BD9-81ED-4DB2-BD59-A6C34878D82A}">
+                    <a16:rowId xmlns:a16="http://schemas.microsoft.com/office/drawing/2014/main" val="3053891395"/>
+                  </a:ext>
+                </a:extLst>
+              </a:tr>
+              <a:tr h="704318">
+                <a:tc>
+                  <a:txBody>
+                    <a:bodyPr/>
+                    <a:lstStyle/>
+                    <a:p>
+                      <a:r>
+                        <a:rPr lang="en-US" dirty="0"/>
+                        <a:t>age&lt;30</a:t>
+                      </a:r>
+                    </a:p>
+                  </a:txBody>
+                  <a:tcPr/>
+                </a:tc>
+                <a:tc>
+                  <a:txBody>
+                    <a:bodyPr/>
+                    <a:lstStyle/>
+                    <a:p>
+                      <a:r>
+                        <a:rPr lang="en-US" dirty="0"/>
+                        <a:t>106</a:t>
+                      </a:r>
+                    </a:p>
+                  </a:txBody>
+                  <a:tcPr/>
+                </a:tc>
+                <a:tc>
+                  <a:txBody>
+                    <a:bodyPr/>
+                    <a:lstStyle/>
+                    <a:p>
+                      <a:r>
+                        <a:rPr lang="en-US" dirty="0"/>
+                        <a:t>23</a:t>
+                      </a:r>
+                    </a:p>
+                  </a:txBody>
+                  <a:tcPr/>
+                </a:tc>
+                <a:tc>
+                  <a:txBody>
+                    <a:bodyPr/>
+                    <a:lstStyle/>
+                    <a:p>
+                      <a:r>
+                        <a:rPr lang="en-US" dirty="0"/>
+                        <a:t>21.7%</a:t>
+                      </a:r>
+                    </a:p>
+                  </a:txBody>
+                  <a:tcPr/>
+                </a:tc>
+                <a:tc>
+                  <a:txBody>
+                    <a:bodyPr/>
+                    <a:lstStyle/>
+                    <a:p>
+                      <a:pPr marL="0" marR="0" lvl="0" indent="0" algn="l" defTabSz="914400" rtl="0" eaLnBrk="1" fontAlgn="auto" latinLnBrk="0" hangingPunct="1">
+                        <a:lnSpc>
+                          <a:spcPct val="100000"/>
+                        </a:lnSpc>
+                        <a:spcBef>
+                          <a:spcPts val="0"/>
+                        </a:spcBef>
+                        <a:spcAft>
+                          <a:spcPts val="0"/>
+                        </a:spcAft>
+                        <a:buClrTx/>
+                        <a:buSzTx/>
+                        <a:buFontTx/>
+                        <a:buNone/>
+                        <a:tabLst/>
+                        <a:defRPr/>
+                      </a:pPr>
+                      <a:r>
+                        <a:rPr lang="en-GB" sz="1800" kern="1200" dirty="0">
+                          <a:solidFill>
+                            <a:schemeClr val="dk1"/>
+                          </a:solidFill>
+                          <a:effectLst/>
+                          <a:latin typeface="+mn-lt"/>
+                          <a:ea typeface="+mn-ea"/>
+                          <a:cs typeface="+mn-cs"/>
+                        </a:rPr>
+                        <a:t>0.2771</a:t>
+                      </a:r>
+                    </a:p>
+                    <a:p>
+                      <a:endParaRPr lang="en-US" dirty="0"/>
+                    </a:p>
+                  </a:txBody>
+                  <a:tcPr/>
+                </a:tc>
+                <a:tc>
+                  <a:txBody>
+                    <a:bodyPr/>
+                    <a:lstStyle/>
+                    <a:p>
+                      <a:pPr marL="0" marR="0" lvl="0" indent="0" algn="l" defTabSz="914400" rtl="0" eaLnBrk="1" fontAlgn="auto" latinLnBrk="0" hangingPunct="1">
+                        <a:lnSpc>
+                          <a:spcPct val="100000"/>
+                        </a:lnSpc>
+                        <a:spcBef>
+                          <a:spcPts val="0"/>
+                        </a:spcBef>
+                        <a:spcAft>
+                          <a:spcPts val="0"/>
+                        </a:spcAft>
+                        <a:buClrTx/>
+                        <a:buSzTx/>
+                        <a:buFontTx/>
+                        <a:buNone/>
+                        <a:tabLst/>
+                        <a:defRPr/>
+                      </a:pPr>
+                      <a:r>
+                        <a:rPr lang="en-GB" sz="1800" kern="1200" dirty="0">
+                          <a:solidFill>
+                            <a:schemeClr val="dk1"/>
+                          </a:solidFill>
+                          <a:effectLst/>
+                          <a:latin typeface="+mn-lt"/>
+                          <a:ea typeface="+mn-ea"/>
+                          <a:cs typeface="+mn-cs"/>
+                        </a:rPr>
+                        <a:t> -1.283</a:t>
+                      </a:r>
+                    </a:p>
+                  </a:txBody>
+                  <a:tcPr/>
+                </a:tc>
+                <a:extLst>
+                  <a:ext uri="{0D108BD9-81ED-4DB2-BD59-A6C34878D82A}">
+                    <a16:rowId xmlns:a16="http://schemas.microsoft.com/office/drawing/2014/main" val="2587362528"/>
+                  </a:ext>
+                </a:extLst>
+              </a:tr>
+              <a:tr h="1215673">
+                <a:tc>
+                  <a:txBody>
+                    <a:bodyPr/>
+                    <a:lstStyle/>
+                    <a:p>
+                      <a:r>
+                        <a:rPr lang="en-US" dirty="0"/>
+                        <a:t>30&lt;=age&lt;78</a:t>
+                      </a:r>
+                    </a:p>
+                  </a:txBody>
+                  <a:tcPr/>
+                </a:tc>
+                <a:tc>
+                  <a:txBody>
+                    <a:bodyPr/>
+                    <a:lstStyle/>
+                    <a:p>
+                      <a:r>
+                        <a:rPr lang="en-US" dirty="0"/>
+                        <a:t>212</a:t>
+                      </a:r>
+                    </a:p>
+                  </a:txBody>
+                  <a:tcPr/>
+                </a:tc>
+                <a:tc>
+                  <a:txBody>
+                    <a:bodyPr/>
+                    <a:lstStyle/>
+                    <a:p>
+                      <a:r>
+                        <a:rPr lang="en-US" dirty="0"/>
+                        <a:t>166</a:t>
+                      </a:r>
+                    </a:p>
+                  </a:txBody>
+                  <a:tcPr/>
+                </a:tc>
+                <a:tc>
+                  <a:txBody>
+                    <a:bodyPr/>
+                    <a:lstStyle/>
+                    <a:p>
+                      <a:r>
+                        <a:rPr lang="en-US" dirty="0"/>
+                        <a:t>78.3%</a:t>
+                      </a:r>
+                    </a:p>
+                  </a:txBody>
+                  <a:tcPr/>
+                </a:tc>
+                <a:tc>
+                  <a:txBody>
+                    <a:bodyPr/>
+                    <a:lstStyle/>
+                    <a:p>
+                      <a:pPr marL="0" marR="0" lvl="0" indent="0" algn="l" defTabSz="914400" rtl="0" eaLnBrk="1" fontAlgn="auto" latinLnBrk="0" hangingPunct="1">
+                        <a:lnSpc>
+                          <a:spcPct val="100000"/>
+                        </a:lnSpc>
+                        <a:spcBef>
+                          <a:spcPts val="0"/>
+                        </a:spcBef>
+                        <a:spcAft>
+                          <a:spcPts val="0"/>
+                        </a:spcAft>
+                        <a:buClrTx/>
+                        <a:buSzTx/>
+                        <a:buFontTx/>
+                        <a:buNone/>
+                        <a:tabLst/>
+                        <a:defRPr/>
+                      </a:pPr>
+                      <a:r>
+                        <a:rPr lang="en-GB" sz="1800" kern="1200" dirty="0">
+                          <a:solidFill>
+                            <a:schemeClr val="dk1"/>
+                          </a:solidFill>
+                          <a:effectLst/>
+                          <a:latin typeface="+mn-lt"/>
+                          <a:ea typeface="+mn-ea"/>
+                          <a:cs typeface="+mn-cs"/>
+                        </a:rPr>
+                        <a:t>3.609</a:t>
+                      </a:r>
+                    </a:p>
+                    <a:p>
+                      <a:endParaRPr lang="en-US" dirty="0"/>
+                    </a:p>
+                  </a:txBody>
+                  <a:tcPr/>
+                </a:tc>
+                <a:tc>
+                  <a:txBody>
+                    <a:bodyPr/>
+                    <a:lstStyle/>
+                    <a:p>
+                      <a:pPr marL="0" marR="0" lvl="0" indent="0" algn="l" defTabSz="914400" rtl="0" eaLnBrk="1" fontAlgn="auto" latinLnBrk="0" hangingPunct="1">
+                        <a:lnSpc>
+                          <a:spcPct val="100000"/>
+                        </a:lnSpc>
+                        <a:spcBef>
+                          <a:spcPts val="0"/>
+                        </a:spcBef>
+                        <a:spcAft>
+                          <a:spcPts val="0"/>
+                        </a:spcAft>
+                        <a:buClrTx/>
+                        <a:buSzTx/>
+                        <a:buFontTx/>
+                        <a:buNone/>
+                        <a:tabLst/>
+                        <a:defRPr/>
+                      </a:pPr>
+                      <a:r>
+                        <a:rPr lang="en-GB" sz="1800" kern="1200" dirty="0">
+                          <a:solidFill>
+                            <a:schemeClr val="dk1"/>
+                          </a:solidFill>
+                          <a:effectLst/>
+                          <a:latin typeface="+mn-lt"/>
+                          <a:ea typeface="+mn-ea"/>
+                          <a:cs typeface="+mn-cs"/>
+                        </a:rPr>
+                        <a:t>1.283</a:t>
+                      </a:r>
+                    </a:p>
+                    <a:p>
+                      <a:endParaRPr lang="en-US" dirty="0"/>
+                    </a:p>
+                  </a:txBody>
+                  <a:tcPr/>
+                </a:tc>
+                <a:extLst>
+                  <a:ext uri="{0D108BD9-81ED-4DB2-BD59-A6C34878D82A}">
+                    <a16:rowId xmlns:a16="http://schemas.microsoft.com/office/drawing/2014/main" val="4113089716"/>
+                  </a:ext>
+                </a:extLst>
+              </a:tr>
+              <a:tr h="1215673">
+                <a:tc>
+                  <a:txBody>
+                    <a:bodyPr/>
+                    <a:lstStyle/>
+                    <a:p>
+                      <a:r>
+                        <a:rPr lang="en-US" dirty="0"/>
+                        <a:t>Age &gt;=78</a:t>
+                      </a:r>
+                    </a:p>
+                  </a:txBody>
+                  <a:tcPr/>
+                </a:tc>
+                <a:tc>
+                  <a:txBody>
+                    <a:bodyPr/>
+                    <a:lstStyle/>
+                    <a:p>
+                      <a:r>
+                        <a:rPr lang="en-US" dirty="0"/>
+                        <a:t>480</a:t>
+                      </a:r>
+                    </a:p>
+                  </a:txBody>
+                  <a:tcPr/>
+                </a:tc>
+                <a:tc>
+                  <a:txBody>
+                    <a:bodyPr/>
+                    <a:lstStyle/>
+                    <a:p>
+                      <a:r>
+                        <a:rPr lang="en-US" dirty="0"/>
+                        <a:t>95</a:t>
+                      </a:r>
+                    </a:p>
+                  </a:txBody>
+                  <a:tcPr/>
+                </a:tc>
+                <a:tc>
+                  <a:txBody>
+                    <a:bodyPr/>
+                    <a:lstStyle/>
+                    <a:p>
+                      <a:pPr marL="0" marR="0" lvl="0" indent="0" algn="l" defTabSz="914400" rtl="0" eaLnBrk="1" fontAlgn="auto" latinLnBrk="0" hangingPunct="1">
+                        <a:lnSpc>
+                          <a:spcPct val="100000"/>
+                        </a:lnSpc>
+                        <a:spcBef>
+                          <a:spcPts val="0"/>
+                        </a:spcBef>
+                        <a:spcAft>
+                          <a:spcPts val="0"/>
+                        </a:spcAft>
+                        <a:buClrTx/>
+                        <a:buSzTx/>
+                        <a:buFontTx/>
+                        <a:buNone/>
+                        <a:tabLst/>
+                        <a:defRPr/>
+                      </a:pPr>
+                      <a:r>
+                        <a:rPr lang="en-GB" sz="1800" kern="1200" dirty="0">
+                          <a:solidFill>
+                            <a:schemeClr val="dk1"/>
+                          </a:solidFill>
+                          <a:effectLst/>
+                          <a:latin typeface="+mn-lt"/>
+                          <a:ea typeface="+mn-ea"/>
+                          <a:cs typeface="+mn-cs"/>
+                        </a:rPr>
+                        <a:t>19.8%</a:t>
+                      </a:r>
+                    </a:p>
+                    <a:p>
+                      <a:endParaRPr lang="en-US" dirty="0"/>
+                    </a:p>
+                  </a:txBody>
+                  <a:tcPr/>
+                </a:tc>
+                <a:tc>
+                  <a:txBody>
+                    <a:bodyPr/>
+                    <a:lstStyle/>
+                    <a:p>
+                      <a:pPr marL="0" marR="0" lvl="0" indent="0" algn="l" defTabSz="914400" rtl="0" eaLnBrk="1" fontAlgn="auto" latinLnBrk="0" hangingPunct="1">
+                        <a:lnSpc>
+                          <a:spcPct val="100000"/>
+                        </a:lnSpc>
+                        <a:spcBef>
+                          <a:spcPts val="0"/>
+                        </a:spcBef>
+                        <a:spcAft>
+                          <a:spcPts val="0"/>
+                        </a:spcAft>
+                        <a:buClrTx/>
+                        <a:buSzTx/>
+                        <a:buFontTx/>
+                        <a:buNone/>
+                        <a:tabLst/>
+                        <a:defRPr/>
+                      </a:pPr>
+                      <a:r>
+                        <a:rPr lang="en-GB" sz="1800" kern="1200" dirty="0">
+                          <a:solidFill>
+                            <a:schemeClr val="dk1"/>
+                          </a:solidFill>
+                          <a:effectLst/>
+                          <a:latin typeface="+mn-lt"/>
+                          <a:ea typeface="+mn-ea"/>
+                          <a:cs typeface="+mn-cs"/>
+                        </a:rPr>
+                        <a:t>0.2468</a:t>
+                      </a:r>
+                    </a:p>
+                    <a:p>
+                      <a:endParaRPr lang="en-US" dirty="0"/>
+                    </a:p>
+                  </a:txBody>
+                  <a:tcPr/>
+                </a:tc>
+                <a:tc>
+                  <a:txBody>
+                    <a:bodyPr/>
+                    <a:lstStyle/>
+                    <a:p>
+                      <a:pPr marL="0" marR="0" lvl="0" indent="0" algn="l" defTabSz="914400" rtl="0" eaLnBrk="1" fontAlgn="auto" latinLnBrk="0" hangingPunct="1">
+                        <a:lnSpc>
+                          <a:spcPct val="100000"/>
+                        </a:lnSpc>
+                        <a:spcBef>
+                          <a:spcPts val="0"/>
+                        </a:spcBef>
+                        <a:spcAft>
+                          <a:spcPts val="0"/>
+                        </a:spcAft>
+                        <a:buClrTx/>
+                        <a:buSzTx/>
+                        <a:buFontTx/>
+                        <a:buNone/>
+                        <a:tabLst/>
+                        <a:defRPr/>
+                      </a:pPr>
+                      <a:r>
+                        <a:rPr lang="en-GB" sz="1800" kern="1200" dirty="0">
+                          <a:solidFill>
+                            <a:schemeClr val="dk1"/>
+                          </a:solidFill>
+                          <a:effectLst/>
+                          <a:latin typeface="+mn-lt"/>
+                          <a:ea typeface="+mn-ea"/>
+                          <a:cs typeface="+mn-cs"/>
+                        </a:rPr>
+                        <a:t>-1.399</a:t>
+                      </a:r>
+                    </a:p>
+                    <a:p>
+                      <a:endParaRPr lang="en-US" dirty="0"/>
+                    </a:p>
+                  </a:txBody>
+                  <a:tcPr/>
+                </a:tc>
+                <a:extLst>
+                  <a:ext uri="{0D108BD9-81ED-4DB2-BD59-A6C34878D82A}">
+                    <a16:rowId xmlns:a16="http://schemas.microsoft.com/office/drawing/2014/main" val="2213021419"/>
+                  </a:ext>
+                </a:extLst>
+              </a:tr>
+            </a:tbl>
+          </a:graphicData>
+        </a:graphic>
+      </p:graphicFrame>
     </p:spTree>
     <p:extLst>
       <p:ext uri="{BB962C8B-B14F-4D97-AF65-F5344CB8AC3E}">

--- a/Presentation.pptx
+++ b/Presentation.pptx
@@ -12,9 +12,10 @@
     <p:sldId id="261" r:id="rId6"/>
     <p:sldId id="260" r:id="rId7"/>
     <p:sldId id="264" r:id="rId8"/>
-    <p:sldId id="265" r:id="rId9"/>
-    <p:sldId id="263" r:id="rId10"/>
-    <p:sldId id="266" r:id="rId11"/>
+    <p:sldId id="267" r:id="rId9"/>
+    <p:sldId id="265" r:id="rId10"/>
+    <p:sldId id="263" r:id="rId11"/>
+    <p:sldId id="266" r:id="rId12"/>
   </p:sldIdLst>
   <p:sldSz cx="12192000" cy="6858000"/>
   <p:notesSz cx="6858000" cy="9144000"/>
@@ -3442,6 +3443,249 @@
           <p:cNvPr id="2" name="Title 1">
             <a:extLst>
               <a:ext uri="{FF2B5EF4-FFF2-40B4-BE49-F238E27FC236}">
+                <a16:creationId xmlns:a16="http://schemas.microsoft.com/office/drawing/2014/main" id="{2FEB2B99-2396-324C-BCAB-AFC0396FAB16}"/>
+              </a:ext>
+            </a:extLst>
+          </p:cNvPr>
+          <p:cNvSpPr>
+            <a:spLocks noGrp="1"/>
+          </p:cNvSpPr>
+          <p:nvPr>
+            <p:ph type="title"/>
+          </p:nvPr>
+        </p:nvSpPr>
+        <p:spPr/>
+        <p:txBody>
+          <a:bodyPr/>
+          <a:lstStyle/>
+          <a:p>
+            <a:r>
+              <a:rPr lang="en-US" dirty="0"/>
+              <a:t>Limitations</a:t>
+            </a:r>
+          </a:p>
+        </p:txBody>
+      </p:sp>
+      <p:sp>
+        <p:nvSpPr>
+          <p:cNvPr id="3" name="Content Placeholder 2">
+            <a:extLst>
+              <a:ext uri="{FF2B5EF4-FFF2-40B4-BE49-F238E27FC236}">
+                <a16:creationId xmlns:a16="http://schemas.microsoft.com/office/drawing/2014/main" id="{05B2D151-F957-3A45-93CF-2AD431A574D0}"/>
+              </a:ext>
+            </a:extLst>
+          </p:cNvPr>
+          <p:cNvSpPr>
+            <a:spLocks noGrp="1"/>
+          </p:cNvSpPr>
+          <p:nvPr>
+            <p:ph idx="1"/>
+          </p:nvPr>
+        </p:nvSpPr>
+        <p:spPr/>
+        <p:txBody>
+          <a:bodyPr>
+            <a:normAutofit fontScale="70000" lnSpcReduction="20000"/>
+          </a:bodyPr>
+          <a:lstStyle/>
+          <a:p>
+            <a:pPr marL="514350" indent="-514350">
+              <a:buFont typeface="+mj-lt"/>
+              <a:buAutoNum type="arabicPeriod"/>
+            </a:pPr>
+            <a:r>
+              <a:rPr lang="en-US" dirty="0"/>
+              <a:t>No guarantee of monotonicity</a:t>
+            </a:r>
+          </a:p>
+          <a:p>
+            <a:pPr marL="971550" lvl="1" indent="-514350">
+              <a:buFont typeface="+mj-lt"/>
+              <a:buAutoNum type="alphaLcParenR"/>
+            </a:pPr>
+            <a:r>
+              <a:rPr lang="en-US" dirty="0"/>
+              <a:t>Manually adjust bins</a:t>
+            </a:r>
+          </a:p>
+          <a:p>
+            <a:pPr marL="971550" lvl="1" indent="-514350">
+              <a:buFont typeface="+mj-lt"/>
+              <a:buAutoNum type="alphaLcParenR"/>
+            </a:pPr>
+            <a:r>
+              <a:rPr lang="en-US" dirty="0"/>
+              <a:t>Enforce monotonicity where domain expertise suggests this</a:t>
+            </a:r>
+          </a:p>
+          <a:p>
+            <a:pPr marL="514350" indent="-514350">
+              <a:buFont typeface="+mj-lt"/>
+              <a:buAutoNum type="arabicPeriod"/>
+            </a:pPr>
+            <a:r>
+              <a:rPr lang="en-US" dirty="0"/>
+              <a:t>Sensitive to hyperparameters</a:t>
+            </a:r>
+          </a:p>
+          <a:p>
+            <a:pPr marL="971550" lvl="1" indent="-514350">
+              <a:buFont typeface="+mj-lt"/>
+              <a:buAutoNum type="alphaLcParenR"/>
+            </a:pPr>
+            <a:r>
+              <a:rPr lang="en-US" dirty="0"/>
+              <a:t>These can be tuned, for example using random search, Bayesian hyperparameter tuning or recursive feature elimination</a:t>
+            </a:r>
+          </a:p>
+          <a:p>
+            <a:pPr marL="514350" indent="-514350">
+              <a:buFont typeface="+mj-lt"/>
+              <a:buAutoNum type="arabicPeriod"/>
+            </a:pPr>
+            <a:r>
+              <a:rPr lang="en-US" dirty="0"/>
+              <a:t>Some loss in interpretability</a:t>
+            </a:r>
+          </a:p>
+          <a:p>
+            <a:pPr marL="971550" lvl="1" indent="-514350">
+              <a:buFont typeface="+mj-lt"/>
+              <a:buAutoNum type="alphaLcParenR"/>
+            </a:pPr>
+            <a:r>
+              <a:rPr lang="en-US" dirty="0"/>
+              <a:t>Plot weight of evidence bins to understand model</a:t>
+            </a:r>
+          </a:p>
+          <a:p>
+            <a:pPr marL="971550" lvl="1" indent="-514350">
+              <a:buFont typeface="+mj-lt"/>
+              <a:buAutoNum type="alphaLcParenR"/>
+            </a:pPr>
+            <a:r>
+              <a:rPr lang="en-US" dirty="0"/>
+              <a:t>Perform feature selection, favoring sparse models, without highly correlated features</a:t>
+            </a:r>
+          </a:p>
+          <a:p>
+            <a:pPr marL="514350" indent="-514350">
+              <a:buFont typeface="+mj-lt"/>
+              <a:buAutoNum type="arabicPeriod"/>
+            </a:pPr>
+            <a:r>
+              <a:rPr lang="en-US" dirty="0"/>
+              <a:t>Instability with high-cardinality Categorical features</a:t>
+            </a:r>
+          </a:p>
+          <a:p>
+            <a:pPr marL="971550" lvl="1" indent="-514350">
+              <a:buFont typeface="+mj-lt"/>
+              <a:buAutoNum type="alphaLcParenR"/>
+            </a:pPr>
+            <a:r>
+              <a:rPr lang="en-US" dirty="0"/>
+              <a:t>‘</a:t>
+            </a:r>
+            <a:r>
+              <a:rPr lang="en-US" dirty="0" err="1"/>
+              <a:t>Otherise</a:t>
+            </a:r>
+            <a:r>
+              <a:rPr lang="en-US" dirty="0"/>
+              <a:t>’ low-frequency categories</a:t>
+            </a:r>
+          </a:p>
+          <a:p>
+            <a:pPr marL="971550" lvl="1" indent="-514350">
+              <a:buFont typeface="+mj-lt"/>
+              <a:buAutoNum type="alphaLcParenR"/>
+            </a:pPr>
+            <a:r>
+              <a:rPr lang="en-US" dirty="0"/>
+              <a:t>Map to lower cardinality, using domain expertise, or similarity metrics, such as string distance.</a:t>
+            </a:r>
+          </a:p>
+          <a:p>
+            <a:pPr marL="514350" indent="-514350">
+              <a:buFont typeface="+mj-lt"/>
+              <a:buAutoNum type="arabicPeriod"/>
+            </a:pPr>
+            <a:r>
+              <a:rPr lang="en-US" dirty="0"/>
+              <a:t>Does not model interactions</a:t>
+            </a:r>
+          </a:p>
+          <a:p>
+            <a:pPr marL="971550" lvl="1" indent="-514350">
+              <a:buFont typeface="+mj-lt"/>
+              <a:buAutoNum type="alphaLcParenR"/>
+            </a:pPr>
+            <a:r>
+              <a:rPr lang="en-US" dirty="0"/>
+              <a:t>Can manually encode interactions</a:t>
+            </a:r>
+          </a:p>
+          <a:p>
+            <a:pPr marL="971550" lvl="1" indent="-514350">
+              <a:buFont typeface="+mj-lt"/>
+              <a:buAutoNum type="alphaLcParenR"/>
+            </a:pPr>
+            <a:r>
+              <a:rPr lang="en-US" dirty="0"/>
+              <a:t>Benchmark vs. more flexible modelling tree ensemble methods</a:t>
+            </a:r>
+          </a:p>
+          <a:p>
+            <a:pPr marL="457200" lvl="1" indent="0">
+              <a:buNone/>
+            </a:pPr>
+            <a:endParaRPr lang="en-US" dirty="0"/>
+          </a:p>
+          <a:p>
+            <a:pPr marL="514350" indent="-514350">
+              <a:buFont typeface="+mj-lt"/>
+              <a:buAutoNum type="arabicPeriod"/>
+            </a:pPr>
+            <a:endParaRPr lang="en-US" dirty="0"/>
+          </a:p>
+        </p:txBody>
+      </p:sp>
+    </p:spTree>
+    <p:extLst>
+      <p:ext uri="{BB962C8B-B14F-4D97-AF65-F5344CB8AC3E}">
+        <p14:creationId xmlns:p14="http://schemas.microsoft.com/office/powerpoint/2010/main" val="1008840824"/>
+      </p:ext>
+    </p:extLst>
+  </p:cSld>
+  <p:clrMapOvr>
+    <a:masterClrMapping/>
+  </p:clrMapOvr>
+</p:sld>
+</file>
+
+<file path=ppt/slides/slide11.xml><?xml version="1.0" encoding="utf-8"?>
+<p:sld xmlns:a="http://schemas.openxmlformats.org/drawingml/2006/main" xmlns:r="http://schemas.openxmlformats.org/officeDocument/2006/relationships" xmlns:p="http://schemas.openxmlformats.org/presentationml/2006/main">
+  <p:cSld>
+    <p:spTree>
+      <p:nvGrpSpPr>
+        <p:cNvPr id="1" name=""/>
+        <p:cNvGrpSpPr/>
+        <p:nvPr/>
+      </p:nvGrpSpPr>
+      <p:grpSpPr>
+        <a:xfrm>
+          <a:off x="0" y="0"/>
+          <a:ext cx="0" cy="0"/>
+          <a:chOff x="0" y="0"/>
+          <a:chExt cx="0" cy="0"/>
+        </a:xfrm>
+      </p:grpSpPr>
+      <p:sp>
+        <p:nvSpPr>
+          <p:cNvPr id="2" name="Title 1">
+            <a:extLst>
+              <a:ext uri="{FF2B5EF4-FFF2-40B4-BE49-F238E27FC236}">
                 <a16:creationId xmlns:a16="http://schemas.microsoft.com/office/drawing/2014/main" id="{D7987899-1EB9-7E44-8AC2-45BE9869FABB}"/>
               </a:ext>
             </a:extLst>
@@ -3613,7 +3857,7 @@
           <a:p>
             <a:r>
               <a:rPr lang="en-US" dirty="0"/>
-              <a:t>Overview</a:t>
+              <a:t>Summary</a:t>
             </a:r>
           </a:p>
         </p:txBody>
@@ -3641,45 +3885,31 @@
           <a:p>
             <a:r>
               <a:rPr lang="en-US" dirty="0"/>
-              <a:t>Linearity assumption of Logistic Regression</a:t>
+              <a:t>Recap - Linearity assumption of Logistic Regression</a:t>
             </a:r>
           </a:p>
           <a:p>
             <a:r>
               <a:rPr lang="en-US" dirty="0"/>
-              <a:t>Examples of when this will break down</a:t>
+              <a:t>Overview – Weight of evidence binning</a:t>
             </a:r>
           </a:p>
           <a:p>
             <a:r>
               <a:rPr lang="en-US" dirty="0"/>
-              <a:t>How weight of evidence binning accounts for non-linearity</a:t>
+              <a:t>Automated binning - single-variable decision trees</a:t>
             </a:r>
           </a:p>
           <a:p>
             <a:r>
               <a:rPr lang="en-US" dirty="0"/>
-              <a:t>Implementation Example</a:t>
+              <a:t>Demonstration – Python implementation</a:t>
             </a:r>
           </a:p>
           <a:p>
             <a:r>
               <a:rPr lang="en-US" dirty="0"/>
-              <a:t>Real world test – performance on </a:t>
-            </a:r>
-            <a:r>
-              <a:rPr lang="en-US" dirty="0" err="1"/>
-              <a:t>Homecredit</a:t>
-            </a:r>
-            <a:r>
-              <a:rPr lang="en-US" dirty="0"/>
-              <a:t> dataset</a:t>
-            </a:r>
-          </a:p>
-          <a:p>
-            <a:r>
-              <a:rPr lang="en-US" dirty="0"/>
-              <a:t>Limitations </a:t>
+              <a:t>Limitations and mitigation strategies</a:t>
             </a:r>
           </a:p>
         </p:txBody>
@@ -3866,7 +4096,7 @@
           <a:p>
             <a:r>
               <a:rPr lang="en-US" dirty="0"/>
-              <a:t>Logistic Regression – Assumption of linearity </a:t>
+              <a:t>Logistic approximation – linearity in log-odds space</a:t>
             </a:r>
           </a:p>
         </p:txBody>
@@ -3895,7 +4125,7 @@
         </p:spPr>
         <p:txBody>
           <a:bodyPr>
-            <a:normAutofit fontScale="85000" lnSpcReduction="20000"/>
+            <a:normAutofit fontScale="62500" lnSpcReduction="20000"/>
           </a:bodyPr>
           <a:lstStyle/>
           <a:p>
@@ -3917,29 +4147,7 @@
             </a:r>
             <a:r>
               <a:rPr lang="en-US" dirty="0"/>
-              <a:t> is linear combination of features * regression coefficients</a:t>
-            </a:r>
-          </a:p>
-          <a:p>
-            <a:pPr marL="457200" indent="-457200">
-              <a:buFont typeface="+mj-lt"/>
-              <a:buAutoNum type="arabicPeriod"/>
-            </a:pPr>
-            <a:r>
-              <a:rPr lang="en-US" dirty="0"/>
-              <a:t> </a:t>
-            </a:r>
-            <a:r>
-              <a:rPr lang="en-US" dirty="0">
-                <a:solidFill>
-                  <a:srgbClr val="FF0000"/>
-                </a:solidFill>
-              </a:rPr>
-              <a:t>Score</a:t>
-            </a:r>
-            <a:r>
-              <a:rPr lang="en-US" dirty="0"/>
-              <a:t> mapped to </a:t>
+              <a:t> is linear combination of features * coefficients, mapped to </a:t>
             </a:r>
             <a:r>
               <a:rPr lang="en-US" dirty="0">
@@ -4092,12 +4300,33 @@
           </a:p>
           <a:p>
             <a:pPr lvl="1"/>
+            <a:endParaRPr lang="en-US" dirty="0">
+              <a:sym typeface="Wingdings" pitchFamily="2" charset="2"/>
+            </a:endParaRPr>
+          </a:p>
+          <a:p>
+            <a:pPr marL="514350" indent="-514350">
+              <a:buFont typeface="+mj-lt"/>
+              <a:buAutoNum type="arabicPeriod"/>
+            </a:pPr>
             <a:r>
               <a:rPr lang="en-US" dirty="0">
                 <a:sym typeface="Wingdings" pitchFamily="2" charset="2"/>
               </a:rPr>
-              <a:t>Example, if increase in company age from 10  20 years increases </a:t>
-            </a:r>
+              <a:t>Example: company age increases default risk</a:t>
+            </a:r>
+          </a:p>
+          <a:p>
+            <a:pPr lvl="1"/>
+            <a:r>
+              <a:rPr lang="en-US" dirty="0">
+                <a:sym typeface="Wingdings" pitchFamily="2" charset="2"/>
+              </a:rPr>
+              <a:t>age from 10  20 years</a:t>
+            </a:r>
+          </a:p>
+          <a:p>
+            <a:pPr lvl="1"/>
             <a:r>
               <a:rPr lang="en-US" dirty="0">
                 <a:solidFill>
@@ -4105,14 +4334,44 @@
                 </a:solidFill>
                 <a:sym typeface="Wingdings" pitchFamily="2" charset="2"/>
               </a:rPr>
-              <a:t>score</a:t>
-            </a:r>
+              <a:t>log-odds  0  0.5</a:t>
+            </a:r>
+          </a:p>
+          <a:p>
+            <a:pPr lvl="1"/>
+            <a:r>
+              <a:rPr lang="en-US" dirty="0">
+                <a:solidFill>
+                  <a:schemeClr val="accent6"/>
+                </a:solidFill>
+                <a:sym typeface="Wingdings" pitchFamily="2" charset="2"/>
+              </a:rPr>
+              <a:t>default prob. 50.0%  62.2%</a:t>
+            </a:r>
+          </a:p>
+          <a:p>
+            <a:pPr lvl="2"/>
+            <a:endParaRPr lang="en-US" dirty="0">
+              <a:sym typeface="Wingdings" pitchFamily="2" charset="2"/>
+            </a:endParaRPr>
+          </a:p>
+          <a:p>
+            <a:pPr lvl="2"/>
+            <a:endParaRPr lang="en-US" dirty="0">
+              <a:sym typeface="Wingdings" pitchFamily="2" charset="2"/>
+            </a:endParaRPr>
+          </a:p>
+          <a:p>
+            <a:pPr lvl="1"/>
             <a:r>
               <a:rPr lang="en-US" dirty="0">
                 <a:sym typeface="Wingdings" pitchFamily="2" charset="2"/>
               </a:rPr>
-              <a:t> from </a:t>
-            </a:r>
+              <a:t>age from 10  30 years</a:t>
+            </a:r>
+          </a:p>
+          <a:p>
+            <a:pPr lvl="1"/>
             <a:r>
               <a:rPr lang="en-US" dirty="0">
                 <a:solidFill>
@@ -4120,44 +4379,11 @@
                 </a:solidFill>
                 <a:sym typeface="Wingdings" pitchFamily="2" charset="2"/>
               </a:rPr>
-              <a:t>0</a:t>
-            </a:r>
-            <a:r>
-              <a:rPr lang="en-US" dirty="0">
-                <a:sym typeface="Wingdings" pitchFamily="2" charset="2"/>
-              </a:rPr>
-              <a:t>  </a:t>
-            </a:r>
-            <a:r>
-              <a:rPr lang="en-US" dirty="0">
-                <a:solidFill>
-                  <a:srgbClr val="FF0000"/>
-                </a:solidFill>
-                <a:sym typeface="Wingdings" pitchFamily="2" charset="2"/>
-              </a:rPr>
-              <a:t>0.5</a:t>
-            </a:r>
-            <a:r>
-              <a:rPr lang="en-US" dirty="0">
-                <a:sym typeface="Wingdings" pitchFamily="2" charset="2"/>
-              </a:rPr>
-              <a:t>, increase in company age to 30 years must increase score to </a:t>
-            </a:r>
-            <a:r>
-              <a:rPr lang="en-US" dirty="0">
-                <a:solidFill>
-                  <a:srgbClr val="FF0000"/>
-                </a:solidFill>
-                <a:sym typeface="Wingdings" pitchFamily="2" charset="2"/>
-              </a:rPr>
-              <a:t>1</a:t>
-            </a:r>
-            <a:r>
-              <a:rPr lang="en-US" dirty="0">
-                <a:sym typeface="Wingdings" pitchFamily="2" charset="2"/>
-              </a:rPr>
-              <a:t> (probabilities </a:t>
-            </a:r>
+              <a:t>log-odds  0  0.1</a:t>
+            </a:r>
+          </a:p>
+          <a:p>
+            <a:pPr lvl="1"/>
             <a:r>
               <a:rPr lang="en-US" dirty="0">
                 <a:solidFill>
@@ -4165,37 +4391,7 @@
                 </a:solidFill>
                 <a:sym typeface="Wingdings" pitchFamily="2" charset="2"/>
               </a:rPr>
-              <a:t>50.0%</a:t>
-            </a:r>
-            <a:r>
-              <a:rPr lang="en-US" dirty="0">
-                <a:sym typeface="Wingdings" pitchFamily="2" charset="2"/>
-              </a:rPr>
-              <a:t>, </a:t>
-            </a:r>
-            <a:r>
-              <a:rPr lang="en-US" dirty="0">
-                <a:solidFill>
-                  <a:schemeClr val="accent6"/>
-                </a:solidFill>
-                <a:sym typeface="Wingdings" pitchFamily="2" charset="2"/>
-              </a:rPr>
-              <a:t>62.2%</a:t>
-            </a:r>
-            <a:r>
-              <a:rPr lang="en-US" dirty="0">
-                <a:sym typeface="Wingdings" pitchFamily="2" charset="2"/>
-              </a:rPr>
-              <a:t> &amp; </a:t>
-            </a:r>
-            <a:r>
-              <a:rPr lang="en-US" dirty="0">
-                <a:solidFill>
-                  <a:schemeClr val="accent6"/>
-                </a:solidFill>
-                <a:sym typeface="Wingdings" pitchFamily="2" charset="2"/>
-              </a:rPr>
-              <a:t>73.1%)</a:t>
+              <a:t>default prob. 50.0%  73.1%</a:t>
             </a:r>
             <a:endParaRPr lang="en-US" dirty="0">
               <a:solidFill>
@@ -4288,112 +4484,71 @@
           <a:p>
             <a:r>
               <a:rPr lang="en-US" dirty="0"/>
-              <a:t>Logistic Regression – when this assumption breaks down</a:t>
-            </a:r>
-          </a:p>
-        </p:txBody>
-      </p:sp>
-      <p:sp>
-        <p:nvSpPr>
-          <p:cNvPr id="3" name="Content Placeholder 2">
-            <a:extLst>
-              <a:ext uri="{FF2B5EF4-FFF2-40B4-BE49-F238E27FC236}">
-                <a16:creationId xmlns:a16="http://schemas.microsoft.com/office/drawing/2014/main" id="{18131BE9-14C4-CC4C-A193-B8361867983F}"/>
-              </a:ext>
-            </a:extLst>
-          </p:cNvPr>
-          <p:cNvSpPr>
-            <a:spLocks noGrp="1"/>
-          </p:cNvSpPr>
-          <p:nvPr>
-            <p:ph idx="1"/>
-          </p:nvPr>
-        </p:nvSpPr>
-        <p:spPr/>
-        <p:txBody>
-          <a:bodyPr/>
-          <a:lstStyle/>
-          <a:p>
-            <a:pPr marL="514350" indent="-514350">
-              <a:buFont typeface="+mj-lt"/>
-              <a:buAutoNum type="arabicPeriod"/>
-            </a:pPr>
-            <a:r>
-              <a:rPr lang="en-US" dirty="0"/>
-              <a:t>Variable may have non-linear impact on target probability</a:t>
-            </a:r>
-          </a:p>
-          <a:p>
-            <a:pPr marL="914400" lvl="1" indent="-457200">
-              <a:buFont typeface="+mj-lt"/>
-              <a:buAutoNum type="alphaLcParenR"/>
-            </a:pPr>
-            <a:r>
-              <a:rPr lang="en-US" b="1" dirty="0"/>
-              <a:t>Non-linearity </a:t>
-            </a:r>
-            <a:r>
-              <a:rPr lang="en-US" dirty="0"/>
-              <a:t>Very young/old companies might have high/low probability of defaulting, but medium age companies all have medium credit risk</a:t>
-            </a:r>
-          </a:p>
-          <a:p>
-            <a:pPr marL="914400" lvl="1" indent="-457200">
-              <a:buFont typeface="+mj-lt"/>
-              <a:buAutoNum type="alphaLcParenR"/>
-            </a:pPr>
-            <a:r>
-              <a:rPr lang="en-US" b="1" dirty="0"/>
-              <a:t>Non-monotonicity </a:t>
-            </a:r>
-            <a:r>
-              <a:rPr lang="en-US" dirty="0"/>
-              <a:t>Very young &amp; old companies might have high probability of defaulting, while medium age companies have lower credit risk</a:t>
-            </a:r>
-          </a:p>
-          <a:p>
-            <a:pPr marL="457200" lvl="1" indent="0">
-              <a:buNone/>
-            </a:pPr>
-            <a:r>
-              <a:rPr lang="en-US" dirty="0"/>
-              <a:t>Linear model without strategy for dealing with non-linearities will be sub-optimal for (a), and may fail completely for (b).</a:t>
-            </a:r>
-          </a:p>
-          <a:p>
-            <a:pPr marL="457200" indent="-457200">
-              <a:buFont typeface="+mj-lt"/>
-              <a:buAutoNum type="arabicPeriod"/>
-            </a:pPr>
-            <a:r>
-              <a:rPr lang="en-US" dirty="0"/>
-              <a:t>Variable interactions may impact on target probability</a:t>
-            </a:r>
-          </a:p>
-          <a:p>
-            <a:pPr marL="914400" lvl="1" indent="-457200">
-              <a:buFont typeface="+mj-lt"/>
-              <a:buAutoNum type="alphaLcParenR"/>
-            </a:pPr>
-            <a:r>
-              <a:rPr lang="en-US" dirty="0"/>
-              <a:t>Weight of evidence binning doesn’t directly address this issue</a:t>
-            </a:r>
-          </a:p>
-          <a:p>
-            <a:endParaRPr lang="en-US" dirty="0"/>
-          </a:p>
-          <a:p>
-            <a:endParaRPr lang="en-US" dirty="0"/>
-          </a:p>
-          <a:p>
-            <a:endParaRPr lang="en-US" dirty="0"/>
-          </a:p>
-          <a:p>
-            <a:endParaRPr lang="en-US" dirty="0"/>
-          </a:p>
-        </p:txBody>
-      </p:sp>
+              <a:t>Logistic Regression – when this breaks down</a:t>
+            </a:r>
+          </a:p>
+        </p:txBody>
+      </p:sp>
+      <p:pic>
+        <p:nvPicPr>
+          <p:cNvPr id="5" name="Picture 4">
+            <a:extLst>
+              <a:ext uri="{FF2B5EF4-FFF2-40B4-BE49-F238E27FC236}">
+                <a16:creationId xmlns:a16="http://schemas.microsoft.com/office/drawing/2014/main" id="{B4C99DB2-42D6-8D48-8EB5-815AA43263CF}"/>
+              </a:ext>
+            </a:extLst>
+          </p:cNvPr>
+          <p:cNvPicPr>
+            <a:picLocks noChangeAspect="1"/>
+          </p:cNvPicPr>
+          <p:nvPr/>
+        </p:nvPicPr>
+        <p:blipFill>
+          <a:blip r:embed="rId2"/>
+          <a:stretch>
+            <a:fillRect/>
+          </a:stretch>
+        </p:blipFill>
+        <p:spPr>
+          <a:xfrm>
+            <a:off x="6096001" y="2267038"/>
+            <a:ext cx="5562600" cy="3879354"/>
+          </a:xfrm>
+          <a:prstGeom prst="rect">
+            <a:avLst/>
+          </a:prstGeom>
+        </p:spPr>
+      </p:pic>
+      <p:pic>
+        <p:nvPicPr>
+          <p:cNvPr id="7" name="Picture 6">
+            <a:extLst>
+              <a:ext uri="{FF2B5EF4-FFF2-40B4-BE49-F238E27FC236}">
+                <a16:creationId xmlns:a16="http://schemas.microsoft.com/office/drawing/2014/main" id="{4DB48C55-BA4B-E845-AAEF-6EB5E90C6E5F}"/>
+              </a:ext>
+            </a:extLst>
+          </p:cNvPr>
+          <p:cNvPicPr>
+            <a:picLocks noChangeAspect="1"/>
+          </p:cNvPicPr>
+          <p:nvPr/>
+        </p:nvPicPr>
+        <p:blipFill>
+          <a:blip r:embed="rId3"/>
+          <a:stretch>
+            <a:fillRect/>
+          </a:stretch>
+        </p:blipFill>
+        <p:spPr>
+          <a:xfrm>
+            <a:off x="533399" y="2267038"/>
+            <a:ext cx="5562601" cy="3879355"/>
+          </a:xfrm>
+          <a:prstGeom prst="rect">
+            <a:avLst/>
+          </a:prstGeom>
+        </p:spPr>
+      </p:pic>
     </p:spTree>
     <p:extLst>
       <p:ext uri="{BB962C8B-B14F-4D97-AF65-F5344CB8AC3E}">
@@ -4452,106 +4607,632 @@
           </a:p>
         </p:txBody>
       </p:sp>
-      <p:sp>
-        <p:nvSpPr>
-          <p:cNvPr id="3" name="Content Placeholder 2">
-            <a:extLst>
-              <a:ext uri="{FF2B5EF4-FFF2-40B4-BE49-F238E27FC236}">
-                <a16:creationId xmlns:a16="http://schemas.microsoft.com/office/drawing/2014/main" id="{6CC93872-6DB0-B543-894D-AF5C45EBF18A}"/>
-              </a:ext>
-            </a:extLst>
-          </p:cNvPr>
-          <p:cNvSpPr>
-            <a:spLocks noGrp="1"/>
-          </p:cNvSpPr>
-          <p:nvPr>
-            <p:ph idx="1"/>
-          </p:nvPr>
-        </p:nvSpPr>
-        <p:spPr/>
-        <p:txBody>
-          <a:bodyPr/>
+      <mc:AlternateContent xmlns:mc="http://schemas.openxmlformats.org/markup-compatibility/2006">
+        <mc:Choice xmlns:a14="http://schemas.microsoft.com/office/drawing/2010/main" Requires="a14">
+          <p:sp>
+            <p:nvSpPr>
+              <p:cNvPr id="3" name="Content Placeholder 2">
+                <a:extLst>
+                  <a:ext uri="{FF2B5EF4-FFF2-40B4-BE49-F238E27FC236}">
+                    <a16:creationId xmlns:a16="http://schemas.microsoft.com/office/drawing/2014/main" id="{6CC93872-6DB0-B543-894D-AF5C45EBF18A}"/>
+                  </a:ext>
+                </a:extLst>
+              </p:cNvPr>
+              <p:cNvSpPr>
+                <a:spLocks noGrp="1"/>
+              </p:cNvSpPr>
+              <p:nvPr>
+                <p:ph idx="1"/>
+              </p:nvPr>
+            </p:nvSpPr>
+            <p:spPr>
+              <a:xfrm>
+                <a:off x="838200" y="1825625"/>
+                <a:ext cx="5257800" cy="4351338"/>
+              </a:xfrm>
+            </p:spPr>
+            <p:txBody>
+              <a:bodyPr>
+                <a:normAutofit lnSpcReduction="10000"/>
+              </a:bodyPr>
+              <a:lstStyle/>
+              <a:p>
+                <a:pPr marL="514350" indent="-514350">
+                  <a:buFont typeface="+mj-lt"/>
+                  <a:buAutoNum type="arabicPeriod"/>
+                </a:pPr>
+                <a:r>
+                  <a:rPr lang="en-US" dirty="0"/>
+                  <a:t>Bin numeric variables</a:t>
+                </a:r>
+              </a:p>
+              <a:p>
+                <a:pPr lvl="1"/>
+                <a:r>
+                  <a:rPr lang="en-US" dirty="0"/>
+                  <a:t>Can be grouped by manually inspecting plots, and choosing groups with similar target rates</a:t>
+                </a:r>
+              </a:p>
+              <a:p>
+                <a:pPr lvl="1"/>
+                <a:r>
+                  <a:rPr lang="en-US" dirty="0"/>
+                  <a:t>Can be automated by fitting single-feature decision trees, and extracting leaf node thresholds</a:t>
+                </a:r>
+              </a:p>
+              <a:p>
+                <a:pPr marL="514350" indent="-514350">
+                  <a:buFont typeface="+mj-lt"/>
+                  <a:buAutoNum type="arabicPeriod"/>
+                </a:pPr>
+                <a:r>
+                  <a:rPr lang="en-US" dirty="0"/>
+                  <a:t>Map to log-odds space</a:t>
+                </a:r>
+              </a:p>
+              <a:p>
+                <a:pPr lvl="1"/>
+                <a:r>
+                  <a:rPr lang="en-US" dirty="0"/>
+                  <a:t>Calculate </a:t>
+                </a:r>
+                <a14:m>
+                  <m:oMath xmlns:m="http://schemas.openxmlformats.org/officeDocument/2006/math">
+                    <m:acc>
+                      <m:accPr>
+                        <m:chr m:val="̅"/>
+                        <m:ctrlPr>
+                          <a:rPr lang="en-US" i="1" smtClean="0">
+                            <a:latin typeface="Cambria Math" panose="02040503050406030204" pitchFamily="18" charset="0"/>
+                          </a:rPr>
+                        </m:ctrlPr>
+                      </m:accPr>
+                      <m:e>
+                        <m:r>
+                          <a:rPr lang="en-GB" b="0" i="1" smtClean="0">
+                            <a:latin typeface="Cambria Math" panose="02040503050406030204" pitchFamily="18" charset="0"/>
+                          </a:rPr>
+                          <m:t>𝑝</m:t>
+                        </m:r>
+                      </m:e>
+                    </m:acc>
+                    <m:r>
+                      <a:rPr lang="en-GB" b="0" i="1" smtClean="0">
+                        <a:latin typeface="Cambria Math" panose="02040503050406030204" pitchFamily="18" charset="0"/>
+                      </a:rPr>
+                      <m:t>,</m:t>
+                    </m:r>
+                  </m:oMath>
+                </a14:m>
+                <a:r>
+                  <a:rPr lang="en-US" dirty="0"/>
+                  <a:t> target frequency for each group </a:t>
+                </a:r>
+              </a:p>
+              <a:p>
+                <a:pPr lvl="1"/>
+                <a:r>
+                  <a:rPr lang="en-US" dirty="0"/>
+                  <a:t>Mapping </a:t>
+                </a:r>
+                <a:r>
+                  <a:rPr lang="en-US" sz="2200" dirty="0"/>
+                  <a:t> </a:t>
+                </a:r>
+                <a14:m>
+                  <m:oMath xmlns:m="http://schemas.openxmlformats.org/officeDocument/2006/math">
+                    <m:sSub>
+                      <m:sSubPr>
+                        <m:ctrlPr>
+                          <a:rPr lang="en-US" sz="2200" i="1" smtClean="0">
+                            <a:latin typeface="Cambria Math" panose="02040503050406030204" pitchFamily="18" charset="0"/>
+                          </a:rPr>
+                        </m:ctrlPr>
+                      </m:sSubPr>
+                      <m:e>
+                        <m:r>
+                          <a:rPr lang="en-GB" sz="2200" b="0" i="1" smtClean="0">
+                            <a:latin typeface="Cambria Math" panose="02040503050406030204" pitchFamily="18" charset="0"/>
+                          </a:rPr>
+                          <m:t>𝑋</m:t>
+                        </m:r>
+                      </m:e>
+                      <m:sub>
+                        <m:r>
+                          <a:rPr lang="en-GB" sz="2200" b="0" i="1" smtClean="0">
+                            <a:latin typeface="Cambria Math" panose="02040503050406030204" pitchFamily="18" charset="0"/>
+                          </a:rPr>
+                          <m:t>𝑙𝑜𝑔𝑖𝑡</m:t>
+                        </m:r>
+                      </m:sub>
+                    </m:sSub>
+                    <m:r>
+                      <a:rPr lang="en-GB" sz="2200" b="0" i="1" smtClean="0">
+                        <a:latin typeface="Cambria Math" panose="02040503050406030204" pitchFamily="18" charset="0"/>
+                      </a:rPr>
+                      <m:t>= </m:t>
+                    </m:r>
+                    <m:func>
+                      <m:funcPr>
+                        <m:ctrlPr>
+                          <a:rPr lang="en-GB" sz="2200" b="0" i="1" smtClean="0">
+                            <a:latin typeface="Cambria Math" panose="02040503050406030204" pitchFamily="18" charset="0"/>
+                          </a:rPr>
+                        </m:ctrlPr>
+                      </m:funcPr>
+                      <m:fName>
+                        <m:r>
+                          <m:rPr>
+                            <m:sty m:val="p"/>
+                          </m:rPr>
+                          <a:rPr lang="en-GB" sz="2200" b="0" i="0" smtClean="0">
+                            <a:latin typeface="Cambria Math" panose="02040503050406030204" pitchFamily="18" charset="0"/>
+                          </a:rPr>
+                          <m:t>log</m:t>
+                        </m:r>
+                      </m:fName>
+                      <m:e>
+                        <m:f>
+                          <m:fPr>
+                            <m:ctrlPr>
+                              <a:rPr lang="en-GB" sz="2200" b="0" i="1" smtClean="0">
+                                <a:latin typeface="Cambria Math" panose="02040503050406030204" pitchFamily="18" charset="0"/>
+                              </a:rPr>
+                            </m:ctrlPr>
+                          </m:fPr>
+                          <m:num>
+                            <m:sSub>
+                              <m:sSubPr>
+                                <m:ctrlPr>
+                                  <a:rPr lang="en-GB" sz="2200" b="0" i="1" smtClean="0">
+                                    <a:latin typeface="Cambria Math" panose="02040503050406030204" pitchFamily="18" charset="0"/>
+                                  </a:rPr>
+                                </m:ctrlPr>
+                              </m:sSubPr>
+                              <m:e>
+                                <m:acc>
+                                  <m:accPr>
+                                    <m:chr m:val="̅"/>
+                                    <m:ctrlPr>
+                                      <a:rPr lang="en-GB" sz="2200" b="0" i="1" smtClean="0">
+                                        <a:latin typeface="Cambria Math" panose="02040503050406030204" pitchFamily="18" charset="0"/>
+                                      </a:rPr>
+                                    </m:ctrlPr>
+                                  </m:accPr>
+                                  <m:e>
+                                    <m:r>
+                                      <a:rPr lang="en-GB" sz="2200" b="0" i="1" smtClean="0">
+                                        <a:latin typeface="Cambria Math" panose="02040503050406030204" pitchFamily="18" charset="0"/>
+                                      </a:rPr>
+                                      <m:t>𝑝</m:t>
+                                    </m:r>
+                                  </m:e>
+                                </m:acc>
+                              </m:e>
+                              <m:sub>
+                                <m:r>
+                                  <a:rPr lang="en-GB" sz="2200" b="0" i="1" smtClean="0">
+                                    <a:latin typeface="Cambria Math" panose="02040503050406030204" pitchFamily="18" charset="0"/>
+                                  </a:rPr>
+                                  <m:t>𝑔𝑟𝑜𝑢𝑝</m:t>
+                                </m:r>
+                              </m:sub>
+                            </m:sSub>
+                          </m:num>
+                          <m:den>
+                            <m:r>
+                              <a:rPr lang="en-GB" sz="2200" b="0" i="1" smtClean="0">
+                                <a:latin typeface="Cambria Math" panose="02040503050406030204" pitchFamily="18" charset="0"/>
+                              </a:rPr>
+                              <m:t>1 − </m:t>
+                            </m:r>
+                            <m:sSub>
+                              <m:sSubPr>
+                                <m:ctrlPr>
+                                  <a:rPr lang="en-GB" sz="2200" b="0" i="1" smtClean="0">
+                                    <a:latin typeface="Cambria Math" panose="02040503050406030204" pitchFamily="18" charset="0"/>
+                                  </a:rPr>
+                                </m:ctrlPr>
+                              </m:sSubPr>
+                              <m:e>
+                                <m:acc>
+                                  <m:accPr>
+                                    <m:chr m:val="̅"/>
+                                    <m:ctrlPr>
+                                      <a:rPr lang="en-GB" sz="2200" b="0" i="1" smtClean="0">
+                                        <a:latin typeface="Cambria Math" panose="02040503050406030204" pitchFamily="18" charset="0"/>
+                                      </a:rPr>
+                                    </m:ctrlPr>
+                                  </m:accPr>
+                                  <m:e>
+                                    <m:r>
+                                      <a:rPr lang="en-GB" sz="2200" b="0" i="1" smtClean="0">
+                                        <a:latin typeface="Cambria Math" panose="02040503050406030204" pitchFamily="18" charset="0"/>
+                                      </a:rPr>
+                                      <m:t>𝑝</m:t>
+                                    </m:r>
+                                  </m:e>
+                                </m:acc>
+                              </m:e>
+                              <m:sub>
+                                <m:r>
+                                  <a:rPr lang="en-GB" sz="2200" b="0" i="1" smtClean="0">
+                                    <a:latin typeface="Cambria Math" panose="02040503050406030204" pitchFamily="18" charset="0"/>
+                                  </a:rPr>
+                                  <m:t>𝑔𝑟𝑜𝑢𝑝</m:t>
+                                </m:r>
+                              </m:sub>
+                            </m:sSub>
+                          </m:den>
+                        </m:f>
+                      </m:e>
+                    </m:func>
+                  </m:oMath>
+                </a14:m>
+                <a:endParaRPr lang="en-US" sz="2200" dirty="0"/>
+              </a:p>
+              <a:p>
+                <a:pPr marL="514350" indent="-514350">
+                  <a:buFont typeface="+mj-lt"/>
+                  <a:buAutoNum type="arabicPeriod"/>
+                </a:pPr>
+                <a:endParaRPr lang="en-US" dirty="0"/>
+              </a:p>
+            </p:txBody>
+          </p:sp>
+        </mc:Choice>
+        <mc:Fallback>
+          <p:sp>
+            <p:nvSpPr>
+              <p:cNvPr id="3" name="Content Placeholder 2">
+                <a:extLst>
+                  <a:ext uri="{FF2B5EF4-FFF2-40B4-BE49-F238E27FC236}">
+                    <a16:creationId xmlns:a16="http://schemas.microsoft.com/office/drawing/2014/main" id="{6CC93872-6DB0-B543-894D-AF5C45EBF18A}"/>
+                  </a:ext>
+                </a:extLst>
+              </p:cNvPr>
+              <p:cNvSpPr>
+                <a:spLocks noGrp="1" noRot="1" noChangeAspect="1" noMove="1" noResize="1" noEditPoints="1" noAdjustHandles="1" noChangeArrowheads="1" noChangeShapeType="1" noTextEdit="1"/>
+              </p:cNvSpPr>
+              <p:nvPr>
+                <p:ph idx="1"/>
+              </p:nvPr>
+            </p:nvSpPr>
+            <p:spPr>
+              <a:xfrm>
+                <a:off x="838200" y="1825625"/>
+                <a:ext cx="5257800" cy="4351338"/>
+              </a:xfrm>
+              <a:blipFill>
+                <a:blip r:embed="rId2"/>
+                <a:stretch>
+                  <a:fillRect l="-2169" t="-3801" r="-482"/>
+                </a:stretch>
+              </a:blipFill>
+            </p:spPr>
+            <p:txBody>
+              <a:bodyPr/>
+              <a:lstStyle/>
+              <a:p>
+                <a:r>
+                  <a:rPr lang="en-US">
+                    <a:noFill/>
+                  </a:rPr>
+                  <a:t> </a:t>
+                </a:r>
+              </a:p>
+            </p:txBody>
+          </p:sp>
+        </mc:Fallback>
+      </mc:AlternateContent>
+      <p:sp>
+        <p:nvSpPr>
+          <p:cNvPr id="4" name="Rectangle 3">
+            <a:extLst>
+              <a:ext uri="{FF2B5EF4-FFF2-40B4-BE49-F238E27FC236}">
+                <a16:creationId xmlns:a16="http://schemas.microsoft.com/office/drawing/2014/main" id="{6F595932-BCDF-8848-A1AD-9A5283B9D763}"/>
+              </a:ext>
+            </a:extLst>
+          </p:cNvPr>
+          <p:cNvSpPr/>
+          <p:nvPr/>
+        </p:nvSpPr>
+        <p:spPr>
+          <a:xfrm>
+            <a:off x="7167561" y="1690688"/>
+            <a:ext cx="1843088" cy="2870993"/>
+          </a:xfrm>
+          <a:prstGeom prst="rect">
+            <a:avLst/>
+          </a:prstGeom>
+        </p:spPr>
+        <p:style>
+          <a:lnRef idx="2">
+            <a:schemeClr val="accent1">
+              <a:shade val="50000"/>
+            </a:schemeClr>
+          </a:lnRef>
+          <a:fillRef idx="1">
+            <a:schemeClr val="accent1"/>
+          </a:fillRef>
+          <a:effectRef idx="0">
+            <a:schemeClr val="accent1"/>
+          </a:effectRef>
+          <a:fontRef idx="minor">
+            <a:schemeClr val="lt1"/>
+          </a:fontRef>
+        </p:style>
+        <p:txBody>
+          <a:bodyPr rtlCol="0" anchor="ctr"/>
           <a:lstStyle/>
           <a:p>
-            <a:pPr marL="514350" indent="-514350">
-              <a:buFont typeface="+mj-lt"/>
-              <a:buAutoNum type="arabicPeriod"/>
-            </a:pPr>
+            <a:pPr algn="ctr"/>
             <a:r>
               <a:rPr lang="en-US" dirty="0"/>
-              <a:t>‘Bin’ variables into groups with similar default rates</a:t>
-            </a:r>
-          </a:p>
-          <a:p>
-            <a:pPr lvl="1"/>
+              <a:t>Categorical</a:t>
+            </a:r>
+          </a:p>
+        </p:txBody>
+      </p:sp>
+      <p:sp>
+        <p:nvSpPr>
+          <p:cNvPr id="5" name="Rectangle 4">
+            <a:extLst>
+              <a:ext uri="{FF2B5EF4-FFF2-40B4-BE49-F238E27FC236}">
+                <a16:creationId xmlns:a16="http://schemas.microsoft.com/office/drawing/2014/main" id="{5E6D24B9-E97C-4A4C-A070-33E4A1D1B64B}"/>
+              </a:ext>
+            </a:extLst>
+          </p:cNvPr>
+          <p:cNvSpPr/>
+          <p:nvPr/>
+        </p:nvSpPr>
+        <p:spPr>
+          <a:xfrm>
+            <a:off x="9310687" y="1690688"/>
+            <a:ext cx="1843088" cy="872334"/>
+          </a:xfrm>
+          <a:prstGeom prst="rect">
+            <a:avLst/>
+          </a:prstGeom>
+        </p:spPr>
+        <p:style>
+          <a:lnRef idx="2">
+            <a:schemeClr val="accent1">
+              <a:shade val="50000"/>
+            </a:schemeClr>
+          </a:lnRef>
+          <a:fillRef idx="1">
+            <a:schemeClr val="accent1"/>
+          </a:fillRef>
+          <a:effectRef idx="0">
+            <a:schemeClr val="accent1"/>
+          </a:effectRef>
+          <a:fontRef idx="minor">
+            <a:schemeClr val="lt1"/>
+          </a:fontRef>
+        </p:style>
+        <p:txBody>
+          <a:bodyPr rtlCol="0" anchor="ctr"/>
+          <a:lstStyle/>
+          <a:p>
+            <a:pPr algn="ctr"/>
             <a:r>
               <a:rPr lang="en-US" dirty="0"/>
-              <a:t>Example – fit univariate decision trees, maximizing ‘Gini decrease’ </a:t>
-            </a:r>
-          </a:p>
-          <a:p>
-            <a:pPr marL="514350" indent="-514350">
-              <a:buFont typeface="+mj-lt"/>
-              <a:buAutoNum type="arabicPeriod"/>
-            </a:pPr>
+              <a:t>Numeric</a:t>
+            </a:r>
+          </a:p>
+        </p:txBody>
+      </p:sp>
+      <p:sp>
+        <p:nvSpPr>
+          <p:cNvPr id="8" name="Rectangle 7">
+            <a:extLst>
+              <a:ext uri="{FF2B5EF4-FFF2-40B4-BE49-F238E27FC236}">
+                <a16:creationId xmlns:a16="http://schemas.microsoft.com/office/drawing/2014/main" id="{75AC99BD-203E-3E44-99D3-88BD4FACECAB}"/>
+              </a:ext>
+            </a:extLst>
+          </p:cNvPr>
+          <p:cNvSpPr/>
+          <p:nvPr/>
+        </p:nvSpPr>
+        <p:spPr>
+          <a:xfrm>
+            <a:off x="9310687" y="3424238"/>
+            <a:ext cx="1843088" cy="1137443"/>
+          </a:xfrm>
+          <a:prstGeom prst="rect">
+            <a:avLst/>
+          </a:prstGeom>
+        </p:spPr>
+        <p:style>
+          <a:lnRef idx="2">
+            <a:schemeClr val="accent1">
+              <a:shade val="50000"/>
+            </a:schemeClr>
+          </a:lnRef>
+          <a:fillRef idx="1">
+            <a:schemeClr val="accent1"/>
+          </a:fillRef>
+          <a:effectRef idx="0">
+            <a:schemeClr val="accent1"/>
+          </a:effectRef>
+          <a:fontRef idx="minor">
+            <a:schemeClr val="lt1"/>
+          </a:fontRef>
+        </p:style>
+        <p:txBody>
+          <a:bodyPr rtlCol="0" anchor="ctr"/>
+          <a:lstStyle/>
+          <a:p>
+            <a:pPr algn="ctr"/>
             <a:r>
               <a:rPr lang="en-US" dirty="0"/>
-              <a:t>Map to log-odds space</a:t>
-            </a:r>
-          </a:p>
-          <a:p>
-            <a:pPr lvl="1"/>
+              <a:t>Categorical - binned</a:t>
+            </a:r>
+          </a:p>
+        </p:txBody>
+      </p:sp>
+      <p:sp>
+        <p:nvSpPr>
+          <p:cNvPr id="9" name="Down Arrow 8">
+            <a:extLst>
+              <a:ext uri="{FF2B5EF4-FFF2-40B4-BE49-F238E27FC236}">
+                <a16:creationId xmlns:a16="http://schemas.microsoft.com/office/drawing/2014/main" id="{90A4125A-8FC9-ED4A-837A-D6FE0F621E96}"/>
+              </a:ext>
+            </a:extLst>
+          </p:cNvPr>
+          <p:cNvSpPr/>
+          <p:nvPr/>
+        </p:nvSpPr>
+        <p:spPr>
+          <a:xfrm>
+            <a:off x="9210674" y="2697164"/>
+            <a:ext cx="2043113" cy="638174"/>
+          </a:xfrm>
+          <a:prstGeom prst="downArrow">
+            <a:avLst/>
+          </a:prstGeom>
+          <a:solidFill>
+            <a:schemeClr val="bg2"/>
+          </a:solidFill>
+        </p:spPr>
+        <p:style>
+          <a:lnRef idx="2">
+            <a:schemeClr val="accent1">
+              <a:shade val="50000"/>
+            </a:schemeClr>
+          </a:lnRef>
+          <a:fillRef idx="1">
+            <a:schemeClr val="accent1"/>
+          </a:fillRef>
+          <a:effectRef idx="0">
+            <a:schemeClr val="accent1"/>
+          </a:effectRef>
+          <a:fontRef idx="minor">
+            <a:schemeClr val="lt1"/>
+          </a:fontRef>
+        </p:style>
+        <p:txBody>
+          <a:bodyPr rtlCol="0" anchor="ctr"/>
+          <a:lstStyle/>
+          <a:p>
+            <a:pPr algn="ctr"/>
+            <a:r>
+              <a:rPr lang="en-US" dirty="0">
+                <a:solidFill>
+                  <a:schemeClr val="tx1"/>
+                </a:solidFill>
+              </a:rPr>
+              <a:t>Binning</a:t>
+            </a:r>
+          </a:p>
+        </p:txBody>
+      </p:sp>
+      <p:sp>
+        <p:nvSpPr>
+          <p:cNvPr id="12" name="Rectangle 11">
+            <a:extLst>
+              <a:ext uri="{FF2B5EF4-FFF2-40B4-BE49-F238E27FC236}">
+                <a16:creationId xmlns:a16="http://schemas.microsoft.com/office/drawing/2014/main" id="{C44F3089-A4EE-3546-9BC1-02FDBE2AE3AC}"/>
+              </a:ext>
+            </a:extLst>
+          </p:cNvPr>
+          <p:cNvSpPr/>
+          <p:nvPr/>
+        </p:nvSpPr>
+        <p:spPr>
+          <a:xfrm>
+            <a:off x="8289129" y="5645548"/>
+            <a:ext cx="1843088" cy="847327"/>
+          </a:xfrm>
+          <a:prstGeom prst="rect">
+            <a:avLst/>
+          </a:prstGeom>
+        </p:spPr>
+        <p:style>
+          <a:lnRef idx="2">
+            <a:schemeClr val="accent1">
+              <a:shade val="50000"/>
+            </a:schemeClr>
+          </a:lnRef>
+          <a:fillRef idx="1">
+            <a:schemeClr val="accent1"/>
+          </a:fillRef>
+          <a:effectRef idx="0">
+            <a:schemeClr val="accent1"/>
+          </a:effectRef>
+          <a:fontRef idx="minor">
+            <a:schemeClr val="lt1"/>
+          </a:fontRef>
+        </p:style>
+        <p:txBody>
+          <a:bodyPr rtlCol="0" anchor="ctr"/>
+          <a:lstStyle/>
+          <a:p>
+            <a:pPr algn="ctr"/>
             <a:r>
               <a:rPr lang="en-US" dirty="0"/>
-              <a:t>Calculate target % for each bin, p.</a:t>
-            </a:r>
-          </a:p>
-          <a:p>
-            <a:pPr lvl="1"/>
-            <a:r>
-              <a:rPr lang="en-US" dirty="0"/>
-              <a:t>Map to log-odds space using log(p/1-p)</a:t>
-            </a:r>
-          </a:p>
-          <a:p>
-            <a:pPr lvl="1"/>
-            <a:r>
-              <a:rPr lang="en-US" dirty="0"/>
-              <a:t>Opposite to logistic function , by construction linear in log odds</a:t>
-            </a:r>
-          </a:p>
-          <a:p>
-            <a:pPr lvl="2"/>
-            <a:endParaRPr lang="en-US" dirty="0"/>
-          </a:p>
-          <a:p>
-            <a:pPr marL="514350" indent="-514350">
-              <a:buFont typeface="+mj-lt"/>
-              <a:buAutoNum type="arabicPeriod"/>
-            </a:pPr>
-            <a:r>
-              <a:rPr lang="en-US" dirty="0"/>
-              <a:t>Standardize</a:t>
-            </a:r>
-          </a:p>
-          <a:p>
-            <a:pPr lvl="1"/>
-            <a:r>
-              <a:rPr lang="en-US" dirty="0"/>
-              <a:t>Traditional to use log(population p/ 1- population p)</a:t>
-            </a:r>
-          </a:p>
-          <a:p>
-            <a:pPr lvl="1"/>
-            <a:r>
-              <a:rPr lang="en-US" dirty="0"/>
-              <a:t>In this example I use standard-scalar </a:t>
-            </a:r>
-            <a:r>
-              <a:rPr lang="en-GB" dirty="0"/>
-              <a:t>z = (x - u) / s</a:t>
-            </a:r>
-            <a:endParaRPr lang="en-US" dirty="0"/>
+              <a:t>Numeric – Woe Scaled</a:t>
+            </a:r>
+          </a:p>
+        </p:txBody>
+      </p:sp>
+      <p:sp>
+        <p:nvSpPr>
+          <p:cNvPr id="13" name="Down Arrow 12">
+            <a:extLst>
+              <a:ext uri="{FF2B5EF4-FFF2-40B4-BE49-F238E27FC236}">
+                <a16:creationId xmlns:a16="http://schemas.microsoft.com/office/drawing/2014/main" id="{33A34AF7-3B7D-634C-9562-11AFEAFEF93C}"/>
+              </a:ext>
+            </a:extLst>
+          </p:cNvPr>
+          <p:cNvSpPr/>
+          <p:nvPr/>
+        </p:nvSpPr>
+        <p:spPr>
+          <a:xfrm>
+            <a:off x="7725962" y="4784527"/>
+            <a:ext cx="2969421" cy="638174"/>
+          </a:xfrm>
+          <a:prstGeom prst="downArrow">
+            <a:avLst>
+              <a:gd name="adj1" fmla="val 50000"/>
+              <a:gd name="adj2" fmla="val 45522"/>
+            </a:avLst>
+          </a:prstGeom>
+          <a:solidFill>
+            <a:schemeClr val="bg2"/>
+          </a:solidFill>
+        </p:spPr>
+        <p:style>
+          <a:lnRef idx="2">
+            <a:schemeClr val="accent1">
+              <a:shade val="50000"/>
+            </a:schemeClr>
+          </a:lnRef>
+          <a:fillRef idx="1">
+            <a:schemeClr val="accent1"/>
+          </a:fillRef>
+          <a:effectRef idx="0">
+            <a:schemeClr val="accent1"/>
+          </a:effectRef>
+          <a:fontRef idx="minor">
+            <a:schemeClr val="lt1"/>
+          </a:fontRef>
+        </p:style>
+        <p:txBody>
+          <a:bodyPr rtlCol="0" anchor="ctr"/>
+          <a:lstStyle/>
+          <a:p>
+            <a:pPr algn="ctr"/>
+            <a:r>
+              <a:rPr lang="en-US" dirty="0">
+                <a:solidFill>
+                  <a:schemeClr val="tx1"/>
+                </a:solidFill>
+              </a:rPr>
+              <a:t>Weight of Evidence</a:t>
+            </a:r>
           </a:p>
         </p:txBody>
       </p:sp>
@@ -4608,159 +5289,207 @@
           <a:p>
             <a:r>
               <a:rPr lang="en-US" dirty="0"/>
-              <a:t>Tree binning using Single-variable decision trees</a:t>
-            </a:r>
-          </a:p>
-        </p:txBody>
-      </p:sp>
-      <p:sp>
-        <p:nvSpPr>
-          <p:cNvPr id="3" name="Content Placeholder 2">
-            <a:extLst>
-              <a:ext uri="{FF2B5EF4-FFF2-40B4-BE49-F238E27FC236}">
-                <a16:creationId xmlns:a16="http://schemas.microsoft.com/office/drawing/2014/main" id="{FCD6FA9D-A4E3-D749-9F75-0171A861F1F2}"/>
-              </a:ext>
-            </a:extLst>
-          </p:cNvPr>
-          <p:cNvSpPr>
-            <a:spLocks noGrp="1"/>
-          </p:cNvSpPr>
-          <p:nvPr>
-            <p:ph idx="1"/>
-          </p:nvPr>
-        </p:nvSpPr>
-        <p:spPr/>
-        <p:txBody>
-          <a:bodyPr>
-            <a:normAutofit fontScale="85000" lnSpcReduction="20000"/>
-          </a:bodyPr>
-          <a:lstStyle/>
-          <a:p>
-            <a:r>
-              <a:rPr lang="en-GB" dirty="0"/>
-              <a:t>Gini impurity = probability of a being wrongly classified when labelling proportionate to labels in the subset. </a:t>
-            </a:r>
-          </a:p>
-          <a:p>
-            <a:pPr lvl="1"/>
-            <a:r>
-              <a:rPr lang="en-GB" dirty="0"/>
-              <a:t>Formula 1 – P_0^2 – (1-p_0)^2</a:t>
-            </a:r>
-          </a:p>
-          <a:p>
-            <a:pPr lvl="1"/>
-            <a:r>
-              <a:rPr lang="en-GB" dirty="0"/>
-              <a:t>Gini of 0 </a:t>
-            </a:r>
-            <a:r>
-              <a:rPr lang="en-GB" dirty="0">
-                <a:sym typeface="Wingdings" pitchFamily="2" charset="2"/>
-              </a:rPr>
-              <a:t> 100% of 0/1 class (lowest possible)</a:t>
-            </a:r>
-          </a:p>
-          <a:p>
-            <a:pPr lvl="1"/>
-            <a:r>
-              <a:rPr lang="en-GB" dirty="0">
-                <a:sym typeface="Wingdings" pitchFamily="2" charset="2"/>
-              </a:rPr>
-              <a:t>Gini </a:t>
-            </a:r>
-            <a:r>
-              <a:rPr lang="en-GB" dirty="0"/>
-              <a:t>of 1 </a:t>
-            </a:r>
-            <a:r>
-              <a:rPr lang="en-GB" dirty="0">
-                <a:sym typeface="Wingdings" pitchFamily="2" charset="2"/>
-              </a:rPr>
-              <a:t> 50% of 0/1 class (highest possible)</a:t>
-            </a:r>
-          </a:p>
-          <a:p>
-            <a:pPr lvl="1"/>
-            <a:r>
-              <a:rPr lang="en-GB" dirty="0">
-                <a:sym typeface="Wingdings" pitchFamily="2" charset="2"/>
-              </a:rPr>
-              <a:t>Objective of decision tree is to split at points maximising Gini increase (want leaf nodes with lowest impurity).</a:t>
-            </a:r>
-          </a:p>
-          <a:p>
-            <a:pPr lvl="1"/>
-            <a:endParaRPr lang="en-US" dirty="0"/>
-          </a:p>
-          <a:p>
-            <a:r>
-              <a:rPr lang="en-US"/>
-              <a:t>Logic </a:t>
-            </a:r>
-            <a:r>
-              <a:rPr lang="en-US" dirty="0"/>
-              <a:t>for greedy single-variable decision tree</a:t>
-            </a:r>
-          </a:p>
-          <a:p>
-            <a:pPr marL="914400" lvl="1" indent="-457200">
-              <a:buFont typeface="+mj-lt"/>
-              <a:buAutoNum type="alphaLcParenR"/>
-            </a:pPr>
-            <a:r>
-              <a:rPr lang="en-US" dirty="0"/>
-              <a:t>Calculate Gini decrease @ every possible split – weighted average of left &amp; right </a:t>
-            </a:r>
-            <a:r>
-              <a:rPr lang="en-US" dirty="0" err="1"/>
-              <a:t>Ginis</a:t>
-            </a:r>
-            <a:r>
-              <a:rPr lang="en-US" dirty="0"/>
-              <a:t>’</a:t>
-            </a:r>
-          </a:p>
-          <a:p>
-            <a:pPr marL="914400" lvl="1" indent="-457200">
-              <a:buFont typeface="+mj-lt"/>
-              <a:buAutoNum type="alphaLcParenR"/>
-            </a:pPr>
-            <a:r>
-              <a:rPr lang="en-US" dirty="0"/>
-              <a:t>Split @ point that </a:t>
-            </a:r>
-            <a:r>
-              <a:rPr lang="en-US" dirty="0" err="1"/>
-              <a:t>maximises</a:t>
-            </a:r>
-            <a:r>
-              <a:rPr lang="en-US" dirty="0"/>
-              <a:t> Gini decrease, and repeat process on left &amp; right nodes</a:t>
-            </a:r>
-          </a:p>
-          <a:p>
-            <a:pPr marL="914400" lvl="1" indent="-457200">
-              <a:buFont typeface="+mj-lt"/>
-              <a:buAutoNum type="alphaLcParenR"/>
-            </a:pPr>
-            <a:r>
-              <a:rPr lang="en-US" dirty="0"/>
-              <a:t>Stop when maximum depth reached, and don’t use splits not achieving minimum Gini decrease, and with minimum number of entries in left/right Node</a:t>
-            </a:r>
-          </a:p>
-          <a:p>
-            <a:pPr marL="914400" lvl="1" indent="-457200">
-              <a:buFont typeface="+mj-lt"/>
-              <a:buAutoNum type="alphaLcParenR"/>
-            </a:pPr>
-            <a:r>
-              <a:rPr lang="en-US" dirty="0"/>
-              <a:t>Leaf nodes are thresholds for bin</a:t>
-            </a:r>
-          </a:p>
-        </p:txBody>
-      </p:sp>
+              <a:t>Decision trees Variable binning using (1)</a:t>
+            </a:r>
+          </a:p>
+        </p:txBody>
+      </p:sp>
+      <mc:AlternateContent xmlns:mc="http://schemas.openxmlformats.org/markup-compatibility/2006">
+        <mc:Choice xmlns:a14="http://schemas.microsoft.com/office/drawing/2010/main" Requires="a14">
+          <p:sp>
+            <p:nvSpPr>
+              <p:cNvPr id="3" name="Content Placeholder 2">
+                <a:extLst>
+                  <a:ext uri="{FF2B5EF4-FFF2-40B4-BE49-F238E27FC236}">
+                    <a16:creationId xmlns:a16="http://schemas.microsoft.com/office/drawing/2014/main" id="{FCD6FA9D-A4E3-D749-9F75-0171A861F1F2}"/>
+                  </a:ext>
+                </a:extLst>
+              </p:cNvPr>
+              <p:cNvSpPr>
+                <a:spLocks noGrp="1"/>
+              </p:cNvSpPr>
+              <p:nvPr>
+                <p:ph idx="1"/>
+              </p:nvPr>
+            </p:nvSpPr>
+            <p:spPr>
+              <a:xfrm>
+                <a:off x="838200" y="1825625"/>
+                <a:ext cx="5257800" cy="4351338"/>
+              </a:xfrm>
+            </p:spPr>
+            <p:txBody>
+              <a:bodyPr>
+                <a:normAutofit fontScale="92500" lnSpcReduction="10000"/>
+              </a:bodyPr>
+              <a:lstStyle/>
+              <a:p>
+                <a:r>
+                  <a:rPr lang="en-GB" dirty="0"/>
+                  <a:t>Gini impurity = prob. of a being wrongly classified when labelling proportionate to frequency</a:t>
+                </a:r>
+              </a:p>
+              <a:p>
+                <a:r>
+                  <a:rPr lang="en-GB" dirty="0"/>
+                  <a:t>Formula: </a:t>
+                </a:r>
+                <a14:m>
+                  <m:oMath xmlns:m="http://schemas.openxmlformats.org/officeDocument/2006/math">
+                    <m:r>
+                      <a:rPr lang="en-GB" b="0" i="1" smtClean="0">
+                        <a:latin typeface="Cambria Math" panose="02040503050406030204" pitchFamily="18" charset="0"/>
+                      </a:rPr>
+                      <m:t>𝐺</m:t>
+                    </m:r>
+                    <m:r>
+                      <a:rPr lang="en-GB" b="0" i="1" smtClean="0">
+                        <a:latin typeface="Cambria Math" panose="02040503050406030204" pitchFamily="18" charset="0"/>
+                      </a:rPr>
+                      <m:t>=1 − </m:t>
+                    </m:r>
+                    <m:nary>
+                      <m:naryPr>
+                        <m:chr m:val="∑"/>
+                        <m:ctrlPr>
+                          <a:rPr lang="en-GB" b="0" i="1" smtClean="0">
+                            <a:latin typeface="Cambria Math" panose="02040503050406030204" pitchFamily="18" charset="0"/>
+                          </a:rPr>
+                        </m:ctrlPr>
+                      </m:naryPr>
+                      <m:sub>
+                        <m:r>
+                          <m:rPr>
+                            <m:brk m:alnAt="23"/>
+                          </m:rPr>
+                          <a:rPr lang="en-GB" b="0" i="1" smtClean="0">
+                            <a:latin typeface="Cambria Math" panose="02040503050406030204" pitchFamily="18" charset="0"/>
+                          </a:rPr>
+                          <m:t>𝑘</m:t>
+                        </m:r>
+                        <m:r>
+                          <a:rPr lang="en-GB" b="0" i="1" smtClean="0">
+                            <a:latin typeface="Cambria Math" panose="02040503050406030204" pitchFamily="18" charset="0"/>
+                          </a:rPr>
+                          <m:t>=1</m:t>
+                        </m:r>
+                      </m:sub>
+                      <m:sup>
+                        <m:r>
+                          <a:rPr lang="en-GB" b="0" i="1" smtClean="0">
+                            <a:latin typeface="Cambria Math" panose="02040503050406030204" pitchFamily="18" charset="0"/>
+                          </a:rPr>
+                          <m:t>𝑛</m:t>
+                        </m:r>
+                      </m:sup>
+                      <m:e>
+                        <m:sSubSup>
+                          <m:sSubSupPr>
+                            <m:ctrlPr>
+                              <a:rPr lang="en-GB" b="0" i="1" smtClean="0">
+                                <a:latin typeface="Cambria Math" panose="02040503050406030204" pitchFamily="18" charset="0"/>
+                              </a:rPr>
+                            </m:ctrlPr>
+                          </m:sSubSupPr>
+                          <m:e>
+                            <m:r>
+                              <a:rPr lang="en-GB" b="0" i="1" smtClean="0">
+                                <a:latin typeface="Cambria Math" panose="02040503050406030204" pitchFamily="18" charset="0"/>
+                              </a:rPr>
+                              <m:t>𝑝</m:t>
+                            </m:r>
+                          </m:e>
+                          <m:sub>
+                            <m:r>
+                              <a:rPr lang="en-GB" b="0" i="1" smtClean="0">
+                                <a:latin typeface="Cambria Math" panose="02040503050406030204" pitchFamily="18" charset="0"/>
+                              </a:rPr>
+                              <m:t>𝑘</m:t>
+                            </m:r>
+                          </m:sub>
+                          <m:sup>
+                            <m:r>
+                              <a:rPr lang="en-GB" b="0" i="1" smtClean="0">
+                                <a:latin typeface="Cambria Math" panose="02040503050406030204" pitchFamily="18" charset="0"/>
+                              </a:rPr>
+                              <m:t>2</m:t>
+                            </m:r>
+                          </m:sup>
+                        </m:sSubSup>
+                      </m:e>
+                    </m:nary>
+                  </m:oMath>
+                </a14:m>
+                <a:endParaRPr lang="en-GB" dirty="0"/>
+              </a:p>
+              <a:p>
+                <a:r>
+                  <a:rPr lang="en-GB" dirty="0"/>
+                  <a:t>In binary case, ranges from 0 (100% 1 class), to 0.5 (50:50 split of classes).</a:t>
+                </a:r>
+                <a:endParaRPr lang="en-GB" dirty="0">
+                  <a:sym typeface="Wingdings" pitchFamily="2" charset="2"/>
+                </a:endParaRPr>
+              </a:p>
+              <a:p>
+                <a:r>
+                  <a:rPr lang="en-GB" dirty="0">
+                    <a:sym typeface="Wingdings" pitchFamily="2" charset="2"/>
+                  </a:rPr>
+                  <a:t>Objective of decision tree is to split at point maximising Gini decrease, weighted by population - want child nodes with lowest impurity.</a:t>
+                </a:r>
+              </a:p>
+              <a:p>
+                <a:pPr lvl="1"/>
+                <a:endParaRPr lang="en-US" dirty="0"/>
+              </a:p>
+            </p:txBody>
+          </p:sp>
+        </mc:Choice>
+        <mc:Fallback>
+          <p:sp>
+            <p:nvSpPr>
+              <p:cNvPr id="3" name="Content Placeholder 2">
+                <a:extLst>
+                  <a:ext uri="{FF2B5EF4-FFF2-40B4-BE49-F238E27FC236}">
+                    <a16:creationId xmlns:a16="http://schemas.microsoft.com/office/drawing/2014/main" id="{FCD6FA9D-A4E3-D749-9F75-0171A861F1F2}"/>
+                  </a:ext>
+                </a:extLst>
+              </p:cNvPr>
+              <p:cNvSpPr>
+                <a:spLocks noGrp="1" noRot="1" noChangeAspect="1" noMove="1" noResize="1" noEditPoints="1" noAdjustHandles="1" noChangeArrowheads="1" noChangeShapeType="1" noTextEdit="1"/>
+              </p:cNvSpPr>
+              <p:nvPr>
+                <p:ph idx="1"/>
+              </p:nvPr>
+            </p:nvSpPr>
+            <p:spPr>
+              <a:xfrm>
+                <a:off x="838200" y="1825625"/>
+                <a:ext cx="5257800" cy="4351338"/>
+              </a:xfrm>
+              <a:blipFill>
+                <a:blip r:embed="rId2"/>
+                <a:stretch>
+                  <a:fillRect l="-1687" t="-2924" r="-2651"/>
+                </a:stretch>
+              </a:blipFill>
+            </p:spPr>
+            <p:txBody>
+              <a:bodyPr/>
+              <a:lstStyle/>
+              <a:p>
+                <a:r>
+                  <a:rPr lang="en-US">
+                    <a:noFill/>
+                  </a:rPr>
+                  <a:t> </a:t>
+                </a:r>
+              </a:p>
+            </p:txBody>
+          </p:sp>
+        </mc:Fallback>
+      </mc:AlternateContent>
     </p:spTree>
     <p:extLst>
       <p:ext uri="{BB962C8B-B14F-4D97-AF65-F5344CB8AC3E}">
@@ -4796,7 +5525,7 @@
           <p:cNvPr id="2" name="Title 1">
             <a:extLst>
               <a:ext uri="{FF2B5EF4-FFF2-40B4-BE49-F238E27FC236}">
-                <a16:creationId xmlns:a16="http://schemas.microsoft.com/office/drawing/2014/main" id="{ADAF68A2-97DF-8746-8EBC-FA076FBE67A6}"/>
+                <a16:creationId xmlns:a16="http://schemas.microsoft.com/office/drawing/2014/main" id="{3112CA34-5377-484C-BFA8-58850CEF94B0}"/>
               </a:ext>
             </a:extLst>
           </p:cNvPr>
@@ -4814,7 +5543,7 @@
           <a:p>
             <a:r>
               <a:rPr lang="en-US" dirty="0"/>
-              <a:t>Log Odds transformation Example</a:t>
+              <a:t>Variable binning using Decision trees (2)</a:t>
             </a:r>
           </a:p>
         </p:txBody>
@@ -4824,7 +5553,7 @@
           <p:cNvPr id="3" name="Content Placeholder 2">
             <a:extLst>
               <a:ext uri="{FF2B5EF4-FFF2-40B4-BE49-F238E27FC236}">
-                <a16:creationId xmlns:a16="http://schemas.microsoft.com/office/drawing/2014/main" id="{EAC52204-03D2-624B-9578-EF4F86662A5B}"/>
+                <a16:creationId xmlns:a16="http://schemas.microsoft.com/office/drawing/2014/main" id="{EDE0D1B6-91AE-794A-8DD3-AFF04F40666D}"/>
               </a:ext>
             </a:extLst>
           </p:cNvPr>
@@ -4837,127 +5566,678 @@
         </p:nvSpPr>
         <p:spPr>
           <a:xfrm>
-            <a:off x="641350" y="1690688"/>
-            <a:ext cx="4448175" cy="4351338"/>
+            <a:off x="838200" y="1825625"/>
+            <a:ext cx="5257800" cy="4351338"/>
           </a:xfrm>
         </p:spPr>
         <p:txBody>
           <a:bodyPr>
-            <a:normAutofit fontScale="77500" lnSpcReduction="20000"/>
+            <a:normAutofit fontScale="92500" lnSpcReduction="10000"/>
           </a:bodyPr>
           <a:lstStyle/>
           <a:p>
             <a:r>
               <a:rPr lang="en-US" dirty="0"/>
-              <a:t>X = Log (p / 1-p) </a:t>
-            </a:r>
-          </a:p>
-          <a:p>
+              <a:t>Logic for greedy single-variable decision tree</a:t>
+            </a:r>
+          </a:p>
+          <a:p>
+            <a:pPr marL="914400" lvl="1" indent="-457200">
+              <a:buFont typeface="+mj-lt"/>
+              <a:buAutoNum type="alphaLcParenR"/>
+            </a:pPr>
             <a:r>
               <a:rPr lang="en-US" dirty="0"/>
-              <a:t>Inverse of 1/(1+e(-x))</a:t>
-            </a:r>
-          </a:p>
-          <a:p>
-            <a:pPr lvl="1"/>
+              <a:t>Calculate Gini decrease @ every possible split – weighted average of left &amp; right </a:t>
+            </a:r>
+            <a:r>
+              <a:rPr lang="en-US" dirty="0" err="1"/>
+              <a:t>Ginis</a:t>
+            </a:r>
             <a:r>
               <a:rPr lang="en-US" dirty="0"/>
-              <a:t>88.1% </a:t>
-            </a:r>
-            <a:r>
-              <a:rPr lang="en-US" dirty="0">
-                <a:sym typeface="Wingdings" pitchFamily="2" charset="2"/>
-              </a:rPr>
-              <a:t> </a:t>
-            </a:r>
+              <a:t>’</a:t>
+            </a:r>
+          </a:p>
+          <a:p>
+            <a:pPr marL="914400" lvl="1" indent="-457200">
+              <a:buFont typeface="+mj-lt"/>
+              <a:buAutoNum type="alphaLcParenR"/>
+            </a:pPr>
             <a:r>
               <a:rPr lang="en-US" dirty="0"/>
-              <a:t>4</a:t>
-            </a:r>
-          </a:p>
-          <a:p>
-            <a:pPr lvl="1"/>
-            <a:r>
-              <a:rPr lang="en-US" dirty="0">
-                <a:sym typeface="Wingdings" pitchFamily="2" charset="2"/>
-              </a:rPr>
-              <a:t>50.0%  0</a:t>
-            </a:r>
-          </a:p>
-          <a:p>
-            <a:pPr lvl="1"/>
-            <a:r>
-              <a:rPr lang="en-US" dirty="0">
-                <a:sym typeface="Wingdings" pitchFamily="2" charset="2"/>
-              </a:rPr>
-              <a:t>4.7%   -5</a:t>
-            </a:r>
-          </a:p>
-          <a:p>
-            <a:r>
-              <a:rPr lang="en-US" dirty="0">
-                <a:sym typeface="Wingdings" pitchFamily="2" charset="2"/>
-              </a:rPr>
-              <a:t>By construction, data is linear in log-odds of bad rate</a:t>
-            </a:r>
+              <a:t>Split @ point that maximizes Gini decrease, and repeat process on left &amp; right nodes</a:t>
+            </a:r>
+          </a:p>
+          <a:p>
+            <a:pPr marL="914400" lvl="1" indent="-457200">
+              <a:buFont typeface="+mj-lt"/>
+              <a:buAutoNum type="alphaLcParenR"/>
+            </a:pPr>
+            <a:r>
+              <a:rPr lang="en-US" dirty="0"/>
+              <a:t>Stop when maximum depth reached, and don’t use splits not achieving minimum Gini decrease, and with minimum number of entries in left/right Node</a:t>
+            </a:r>
+          </a:p>
+          <a:p>
+            <a:pPr marL="914400" lvl="1" indent="-457200">
+              <a:buFont typeface="+mj-lt"/>
+              <a:buAutoNum type="alphaLcParenR"/>
+            </a:pPr>
+            <a:r>
+              <a:rPr lang="en-US" dirty="0"/>
+              <a:t>Leaf nodes are thresholds for bin</a:t>
+            </a:r>
+          </a:p>
+          <a:p>
             <a:endParaRPr lang="en-US" dirty="0"/>
           </a:p>
-          <a:p>
-            <a:r>
-              <a:rPr lang="en-GB" dirty="0"/>
-              <a:t>Standardisation </a:t>
-            </a:r>
-          </a:p>
-          <a:p>
-            <a:pPr lvl="1"/>
-            <a:r>
-              <a:rPr lang="en-GB" dirty="0"/>
-              <a:t>Traditional </a:t>
-            </a:r>
+        </p:txBody>
+      </p:sp>
+    </p:spTree>
+    <p:extLst>
+      <p:ext uri="{BB962C8B-B14F-4D97-AF65-F5344CB8AC3E}">
+        <p14:creationId xmlns:p14="http://schemas.microsoft.com/office/powerpoint/2010/main" val="1146959628"/>
+      </p:ext>
+    </p:extLst>
+  </p:cSld>
+  <p:clrMapOvr>
+    <a:masterClrMapping/>
+  </p:clrMapOvr>
+</p:sld>
+</file>
+
+<file path=ppt/slides/slide9.xml><?xml version="1.0" encoding="utf-8"?>
+<p:sld xmlns:a="http://schemas.openxmlformats.org/drawingml/2006/main" xmlns:r="http://schemas.openxmlformats.org/officeDocument/2006/relationships" xmlns:p="http://schemas.openxmlformats.org/presentationml/2006/main">
+  <p:cSld>
+    <p:spTree>
+      <p:nvGrpSpPr>
+        <p:cNvPr id="1" name=""/>
+        <p:cNvGrpSpPr/>
+        <p:nvPr/>
+      </p:nvGrpSpPr>
+      <p:grpSpPr>
+        <a:xfrm>
+          <a:off x="0" y="0"/>
+          <a:ext cx="0" cy="0"/>
+          <a:chOff x="0" y="0"/>
+          <a:chExt cx="0" cy="0"/>
+        </a:xfrm>
+      </p:grpSpPr>
+      <p:sp>
+        <p:nvSpPr>
+          <p:cNvPr id="2" name="Title 1">
+            <a:extLst>
+              <a:ext uri="{FF2B5EF4-FFF2-40B4-BE49-F238E27FC236}">
+                <a16:creationId xmlns:a16="http://schemas.microsoft.com/office/drawing/2014/main" id="{ADAF68A2-97DF-8746-8EBC-FA076FBE67A6}"/>
+              </a:ext>
+            </a:extLst>
+          </p:cNvPr>
+          <p:cNvSpPr>
+            <a:spLocks noGrp="1"/>
+          </p:cNvSpPr>
+          <p:nvPr>
+            <p:ph type="title"/>
+          </p:nvPr>
+        </p:nvSpPr>
+        <p:spPr/>
+        <p:txBody>
+          <a:bodyPr/>
+          <a:lstStyle/>
+          <a:p>
             <a:r>
               <a:rPr lang="en-US" dirty="0"/>
-              <a:t>Log (</a:t>
-            </a:r>
-            <a:r>
-              <a:rPr lang="en-US" dirty="0" err="1"/>
-              <a:t>p_bin</a:t>
-            </a:r>
-            <a:r>
-              <a:rPr lang="en-US" dirty="0"/>
-              <a:t> / 1-p_bin) – log(</a:t>
-            </a:r>
-            <a:r>
-              <a:rPr lang="en-US" dirty="0" err="1"/>
-              <a:t>p_total</a:t>
-            </a:r>
-            <a:r>
-              <a:rPr lang="en-US" dirty="0"/>
-              <a:t>/ 1-p_total) </a:t>
-            </a:r>
-            <a:endParaRPr lang="en-GB" dirty="0"/>
-          </a:p>
-          <a:p>
-            <a:pPr lvl="1"/>
-            <a:r>
-              <a:rPr lang="en-GB" dirty="0"/>
-              <a:t>Standard scaler z = (x - u) / s</a:t>
-            </a:r>
-            <a:endParaRPr lang="en-US" dirty="0"/>
-          </a:p>
-          <a:p>
-            <a:pPr lvl="1"/>
-            <a:r>
-              <a:rPr lang="en-US" dirty="0"/>
-              <a:t>Linear transformations don’t change model, but can increase interpretability of regression coefficients, and helps </a:t>
-            </a:r>
-            <a:r>
-              <a:rPr lang="en-US" dirty="0" err="1"/>
-              <a:t>regularisation</a:t>
-            </a:r>
-            <a:endParaRPr lang="en-GB" dirty="0"/>
-          </a:p>
-        </p:txBody>
-      </p:sp>
+              <a:t>Log Odds transformation</a:t>
+            </a:r>
+          </a:p>
+        </p:txBody>
+      </p:sp>
+      <mc:AlternateContent xmlns:mc="http://schemas.openxmlformats.org/markup-compatibility/2006">
+        <mc:Choice xmlns:a14="http://schemas.microsoft.com/office/drawing/2010/main" Requires="a14">
+          <p:sp>
+            <p:nvSpPr>
+              <p:cNvPr id="3" name="Content Placeholder 2">
+                <a:extLst>
+                  <a:ext uri="{FF2B5EF4-FFF2-40B4-BE49-F238E27FC236}">
+                    <a16:creationId xmlns:a16="http://schemas.microsoft.com/office/drawing/2014/main" id="{EAC52204-03D2-624B-9578-EF4F86662A5B}"/>
+                  </a:ext>
+                </a:extLst>
+              </p:cNvPr>
+              <p:cNvSpPr>
+                <a:spLocks noGrp="1"/>
+              </p:cNvSpPr>
+              <p:nvPr>
+                <p:ph idx="1"/>
+              </p:nvPr>
+            </p:nvSpPr>
+            <p:spPr>
+              <a:xfrm>
+                <a:off x="641350" y="1690688"/>
+                <a:ext cx="5245100" cy="4351338"/>
+              </a:xfrm>
+            </p:spPr>
+            <p:txBody>
+              <a:bodyPr>
+                <a:normAutofit fontScale="77500" lnSpcReduction="20000"/>
+              </a:bodyPr>
+              <a:lstStyle/>
+              <a:p>
+                <a:r>
+                  <a:rPr lang="en-US" dirty="0"/>
+                  <a:t>Transformation: </a:t>
+                </a:r>
+                <a14:m>
+                  <m:oMath xmlns:m="http://schemas.openxmlformats.org/officeDocument/2006/math">
+                    <m:sSub>
+                      <m:sSubPr>
+                        <m:ctrlPr>
+                          <a:rPr lang="en-US" i="1" smtClean="0">
+                            <a:latin typeface="Cambria Math" panose="02040503050406030204" pitchFamily="18" charset="0"/>
+                          </a:rPr>
+                        </m:ctrlPr>
+                      </m:sSubPr>
+                      <m:e>
+                        <m:r>
+                          <a:rPr lang="en-GB" b="0" i="1" smtClean="0">
+                            <a:latin typeface="Cambria Math" panose="02040503050406030204" pitchFamily="18" charset="0"/>
+                          </a:rPr>
+                          <m:t>𝑋</m:t>
+                        </m:r>
+                      </m:e>
+                      <m:sub>
+                        <m:r>
+                          <a:rPr lang="en-GB" b="0" i="1" smtClean="0">
+                            <a:latin typeface="Cambria Math" panose="02040503050406030204" pitchFamily="18" charset="0"/>
+                          </a:rPr>
+                          <m:t>𝑙𝑜𝑔𝑖𝑡</m:t>
+                        </m:r>
+                      </m:sub>
+                    </m:sSub>
+                    <m:r>
+                      <a:rPr lang="en-GB" b="0" i="1" smtClean="0">
+                        <a:latin typeface="Cambria Math" panose="02040503050406030204" pitchFamily="18" charset="0"/>
+                      </a:rPr>
+                      <m:t>= </m:t>
+                    </m:r>
+                    <m:func>
+                      <m:funcPr>
+                        <m:ctrlPr>
+                          <a:rPr lang="en-GB" b="0" i="1" smtClean="0">
+                            <a:latin typeface="Cambria Math" panose="02040503050406030204" pitchFamily="18" charset="0"/>
+                          </a:rPr>
+                        </m:ctrlPr>
+                      </m:funcPr>
+                      <m:fName>
+                        <m:r>
+                          <m:rPr>
+                            <m:sty m:val="p"/>
+                          </m:rPr>
+                          <a:rPr lang="en-GB" b="0" i="0" smtClean="0">
+                            <a:latin typeface="Cambria Math" panose="02040503050406030204" pitchFamily="18" charset="0"/>
+                          </a:rPr>
+                          <m:t>log</m:t>
+                        </m:r>
+                      </m:fName>
+                      <m:e>
+                        <m:f>
+                          <m:fPr>
+                            <m:ctrlPr>
+                              <a:rPr lang="en-GB" b="0" i="1" smtClean="0">
+                                <a:latin typeface="Cambria Math" panose="02040503050406030204" pitchFamily="18" charset="0"/>
+                              </a:rPr>
+                            </m:ctrlPr>
+                          </m:fPr>
+                          <m:num>
+                            <m:sSub>
+                              <m:sSubPr>
+                                <m:ctrlPr>
+                                  <a:rPr lang="en-GB" b="0" i="1" smtClean="0">
+                                    <a:latin typeface="Cambria Math" panose="02040503050406030204" pitchFamily="18" charset="0"/>
+                                  </a:rPr>
+                                </m:ctrlPr>
+                              </m:sSubPr>
+                              <m:e>
+                                <m:r>
+                                  <a:rPr lang="en-GB" b="0" i="1" smtClean="0">
+                                    <a:latin typeface="Cambria Math" panose="02040503050406030204" pitchFamily="18" charset="0"/>
+                                  </a:rPr>
+                                  <m:t>𝑝</m:t>
+                                </m:r>
+                              </m:e>
+                              <m:sub>
+                                <m:r>
+                                  <a:rPr lang="en-GB" b="0" i="1" smtClean="0">
+                                    <a:latin typeface="Cambria Math" panose="02040503050406030204" pitchFamily="18" charset="0"/>
+                                  </a:rPr>
+                                  <m:t>𝑔𝑟𝑜𝑢𝑝</m:t>
+                                </m:r>
+                              </m:sub>
+                            </m:sSub>
+                          </m:num>
+                          <m:den>
+                            <m:r>
+                              <a:rPr lang="en-GB" b="0" i="1" smtClean="0">
+                                <a:latin typeface="Cambria Math" panose="02040503050406030204" pitchFamily="18" charset="0"/>
+                              </a:rPr>
+                              <m:t>1 − </m:t>
+                            </m:r>
+                            <m:sSub>
+                              <m:sSubPr>
+                                <m:ctrlPr>
+                                  <a:rPr lang="en-GB" b="0" i="1" smtClean="0">
+                                    <a:latin typeface="Cambria Math" panose="02040503050406030204" pitchFamily="18" charset="0"/>
+                                  </a:rPr>
+                                </m:ctrlPr>
+                              </m:sSubPr>
+                              <m:e>
+                                <m:r>
+                                  <a:rPr lang="en-GB" b="0" i="1" smtClean="0">
+                                    <a:latin typeface="Cambria Math" panose="02040503050406030204" pitchFamily="18" charset="0"/>
+                                  </a:rPr>
+                                  <m:t>𝑝</m:t>
+                                </m:r>
+                              </m:e>
+                              <m:sub>
+                                <m:r>
+                                  <a:rPr lang="en-GB" b="0" i="1" smtClean="0">
+                                    <a:latin typeface="Cambria Math" panose="02040503050406030204" pitchFamily="18" charset="0"/>
+                                  </a:rPr>
+                                  <m:t>𝑔𝑟𝑜𝑢𝑝</m:t>
+                                </m:r>
+                              </m:sub>
+                            </m:sSub>
+                          </m:den>
+                        </m:f>
+                      </m:e>
+                    </m:func>
+                  </m:oMath>
+                </a14:m>
+                <a:endParaRPr lang="en-US" dirty="0"/>
+              </a:p>
+              <a:p>
+                <a:pPr marL="0" indent="0">
+                  <a:buNone/>
+                </a:pPr>
+                <a:endParaRPr lang="en-US" dirty="0"/>
+              </a:p>
+              <a:p>
+                <a:pPr lvl="1"/>
+                <a:r>
+                  <a:rPr lang="en-US" dirty="0"/>
+                  <a:t>88.1% </a:t>
+                </a:r>
+                <a:r>
+                  <a:rPr lang="en-US" dirty="0">
+                    <a:sym typeface="Wingdings" pitchFamily="2" charset="2"/>
+                  </a:rPr>
+                  <a:t> </a:t>
+                </a:r>
+                <a:r>
+                  <a:rPr lang="en-US" dirty="0"/>
+                  <a:t>4</a:t>
+                </a:r>
+              </a:p>
+              <a:p>
+                <a:pPr lvl="1"/>
+                <a:r>
+                  <a:rPr lang="en-US" dirty="0">
+                    <a:sym typeface="Wingdings" pitchFamily="2" charset="2"/>
+                  </a:rPr>
+                  <a:t>50.0%  0</a:t>
+                </a:r>
+              </a:p>
+              <a:p>
+                <a:pPr lvl="1"/>
+                <a:r>
+                  <a:rPr lang="en-US" dirty="0">
+                    <a:sym typeface="Wingdings" pitchFamily="2" charset="2"/>
+                  </a:rPr>
+                  <a:t>4.7%   -5</a:t>
+                </a:r>
+              </a:p>
+              <a:p>
+                <a:pPr marL="0" indent="0">
+                  <a:buNone/>
+                </a:pPr>
+                <a:endParaRPr lang="en-US" dirty="0"/>
+              </a:p>
+              <a:p>
+                <a:r>
+                  <a:rPr lang="en-US" dirty="0"/>
+                  <a:t>Can be applied to categorical feature, or binned numeric features</a:t>
+                </a:r>
+              </a:p>
+              <a:p>
+                <a:pPr lvl="1"/>
+                <a:endParaRPr lang="en-US" dirty="0">
+                  <a:sym typeface="Wingdings" pitchFamily="2" charset="2"/>
+                </a:endParaRPr>
+              </a:p>
+              <a:p>
+                <a:r>
+                  <a:rPr lang="en-GB" dirty="0"/>
+                  <a:t>Standardisation: </a:t>
+                </a:r>
+              </a:p>
+              <a:p>
+                <a:pPr lvl="1"/>
+                <a:r>
+                  <a:rPr lang="en-GB" dirty="0"/>
+                  <a:t>Traditional - subtract population log odds from all bins, </a:t>
+                </a:r>
+                <a14:m>
+                  <m:oMath xmlns:m="http://schemas.openxmlformats.org/officeDocument/2006/math">
+                    <m:func>
+                      <m:funcPr>
+                        <m:ctrlPr>
+                          <a:rPr lang="en-GB" b="0" i="1" smtClean="0">
+                            <a:latin typeface="Cambria Math" panose="02040503050406030204" pitchFamily="18" charset="0"/>
+                          </a:rPr>
+                        </m:ctrlPr>
+                      </m:funcPr>
+                      <m:fName>
+                        <m:r>
+                          <m:rPr>
+                            <m:sty m:val="p"/>
+                          </m:rPr>
+                          <a:rPr lang="en-GB" b="0" i="0" smtClean="0">
+                            <a:latin typeface="Cambria Math" panose="02040503050406030204" pitchFamily="18" charset="0"/>
+                          </a:rPr>
+                          <m:t>log</m:t>
+                        </m:r>
+                      </m:fName>
+                      <m:e>
+                        <m:f>
+                          <m:fPr>
+                            <m:ctrlPr>
+                              <a:rPr lang="en-GB" b="0" i="1" smtClean="0">
+                                <a:latin typeface="Cambria Math" panose="02040503050406030204" pitchFamily="18" charset="0"/>
+                              </a:rPr>
+                            </m:ctrlPr>
+                          </m:fPr>
+                          <m:num>
+                            <m:sSub>
+                              <m:sSubPr>
+                                <m:ctrlPr>
+                                  <a:rPr lang="en-GB" b="0" i="1" smtClean="0">
+                                    <a:latin typeface="Cambria Math" panose="02040503050406030204" pitchFamily="18" charset="0"/>
+                                  </a:rPr>
+                                </m:ctrlPr>
+                              </m:sSubPr>
+                              <m:e>
+                                <m:r>
+                                  <a:rPr lang="en-GB" b="0" i="1" smtClean="0">
+                                    <a:latin typeface="Cambria Math" panose="02040503050406030204" pitchFamily="18" charset="0"/>
+                                  </a:rPr>
+                                  <m:t>𝑝</m:t>
+                                </m:r>
+                              </m:e>
+                              <m:sub>
+                                <m:r>
+                                  <a:rPr lang="en-GB" b="0" i="1" smtClean="0">
+                                    <a:latin typeface="Cambria Math" panose="02040503050406030204" pitchFamily="18" charset="0"/>
+                                  </a:rPr>
+                                  <m:t>𝑝𝑜𝑝𝑢𝑙𝑎𝑡𝑖𝑜𝑛</m:t>
+                                </m:r>
+                              </m:sub>
+                            </m:sSub>
+                          </m:num>
+                          <m:den>
+                            <m:r>
+                              <a:rPr lang="en-GB" b="0" i="1" smtClean="0">
+                                <a:latin typeface="Cambria Math" panose="02040503050406030204" pitchFamily="18" charset="0"/>
+                              </a:rPr>
+                              <m:t>1 − </m:t>
+                            </m:r>
+                            <m:sSub>
+                              <m:sSubPr>
+                                <m:ctrlPr>
+                                  <a:rPr lang="en-GB" b="0" i="1" smtClean="0">
+                                    <a:latin typeface="Cambria Math" panose="02040503050406030204" pitchFamily="18" charset="0"/>
+                                  </a:rPr>
+                                </m:ctrlPr>
+                              </m:sSubPr>
+                              <m:e>
+                                <m:r>
+                                  <a:rPr lang="en-GB" b="0" i="1" smtClean="0">
+                                    <a:latin typeface="Cambria Math" panose="02040503050406030204" pitchFamily="18" charset="0"/>
+                                  </a:rPr>
+                                  <m:t>𝑝</m:t>
+                                </m:r>
+                              </m:e>
+                              <m:sub>
+                                <m:r>
+                                  <a:rPr lang="en-GB" b="0" i="1" smtClean="0">
+                                    <a:latin typeface="Cambria Math" panose="02040503050406030204" pitchFamily="18" charset="0"/>
+                                  </a:rPr>
+                                  <m:t>𝑝𝑜𝑝𝑢𝑙𝑎𝑡𝑖𝑜𝑛</m:t>
+                                </m:r>
+                              </m:sub>
+                            </m:sSub>
+                          </m:den>
+                        </m:f>
+                      </m:e>
+                    </m:func>
+                  </m:oMath>
+                </a14:m>
+                <a:endParaRPr lang="en-GB" dirty="0"/>
+              </a:p>
+              <a:p>
+                <a:pPr lvl="1"/>
+                <a:r>
+                  <a:rPr lang="en-GB" dirty="0"/>
+                  <a:t>Standard scaler - </a:t>
+                </a:r>
+                <a14:m>
+                  <m:oMath xmlns:m="http://schemas.openxmlformats.org/officeDocument/2006/math">
+                    <m:sSub>
+                      <m:sSubPr>
+                        <m:ctrlPr>
+                          <a:rPr lang="en-GB" b="0" i="1" smtClean="0">
+                            <a:latin typeface="Cambria Math" panose="02040503050406030204" pitchFamily="18" charset="0"/>
+                          </a:rPr>
+                        </m:ctrlPr>
+                      </m:sSubPr>
+                      <m:e>
+                        <m:r>
+                          <a:rPr lang="en-GB" b="0" i="1" smtClean="0">
+                            <a:latin typeface="Cambria Math" panose="02040503050406030204" pitchFamily="18" charset="0"/>
+                          </a:rPr>
+                          <m:t>𝑍</m:t>
+                        </m:r>
+                      </m:e>
+                      <m:sub>
+                        <m:r>
+                          <a:rPr lang="en-GB" b="0" i="1" smtClean="0">
+                            <a:latin typeface="Cambria Math" panose="02040503050406030204" pitchFamily="18" charset="0"/>
+                          </a:rPr>
+                          <m:t>𝑊𝑜𝑒</m:t>
+                        </m:r>
+                      </m:sub>
+                    </m:sSub>
+                    <m:r>
+                      <a:rPr lang="en-GB" b="0" i="1" smtClean="0">
+                        <a:latin typeface="Cambria Math" panose="02040503050406030204" pitchFamily="18" charset="0"/>
+                      </a:rPr>
+                      <m:t>=</m:t>
+                    </m:r>
+                    <m:f>
+                      <m:fPr>
+                        <m:ctrlPr>
+                          <a:rPr lang="en-US" i="1" dirty="0" smtClean="0">
+                            <a:latin typeface="Cambria Math" panose="02040503050406030204" pitchFamily="18" charset="0"/>
+                          </a:rPr>
+                        </m:ctrlPr>
+                      </m:fPr>
+                      <m:num>
+                        <m:sSub>
+                          <m:sSubPr>
+                            <m:ctrlPr>
+                              <a:rPr lang="en-US" i="1" smtClean="0">
+                                <a:latin typeface="Cambria Math" panose="02040503050406030204" pitchFamily="18" charset="0"/>
+                              </a:rPr>
+                            </m:ctrlPr>
+                          </m:sSubPr>
+                          <m:e>
+                            <m:r>
+                              <a:rPr lang="en-GB" b="0" i="1" smtClean="0">
+                                <a:latin typeface="Cambria Math" panose="02040503050406030204" pitchFamily="18" charset="0"/>
+                              </a:rPr>
+                              <m:t>𝑋</m:t>
+                            </m:r>
+                          </m:e>
+                          <m:sub>
+                            <m:r>
+                              <a:rPr lang="en-GB" b="0" i="1" smtClean="0">
+                                <a:latin typeface="Cambria Math" panose="02040503050406030204" pitchFamily="18" charset="0"/>
+                              </a:rPr>
+                              <m:t>𝑊𝑜𝑒</m:t>
+                            </m:r>
+                            <m:r>
+                              <a:rPr lang="en-GB" b="0" i="1" smtClean="0">
+                                <a:latin typeface="Cambria Math" panose="02040503050406030204" pitchFamily="18" charset="0"/>
+                              </a:rPr>
+                              <m:t>  </m:t>
+                            </m:r>
+                          </m:sub>
+                        </m:sSub>
+                        <m:r>
+                          <a:rPr lang="en-GB" b="0" i="1" smtClean="0">
+                            <a:latin typeface="Cambria Math" panose="02040503050406030204" pitchFamily="18" charset="0"/>
+                          </a:rPr>
+                          <m:t>− </m:t>
+                        </m:r>
+                        <m:sSub>
+                          <m:sSubPr>
+                            <m:ctrlPr>
+                              <a:rPr lang="en-GB" b="0" i="1" smtClean="0">
+                                <a:latin typeface="Cambria Math" panose="02040503050406030204" pitchFamily="18" charset="0"/>
+                              </a:rPr>
+                            </m:ctrlPr>
+                          </m:sSubPr>
+                          <m:e>
+                            <m:acc>
+                              <m:accPr>
+                                <m:chr m:val="̅"/>
+                                <m:ctrlPr>
+                                  <a:rPr lang="en-GB" b="0" i="1" smtClean="0">
+                                    <a:latin typeface="Cambria Math" panose="02040503050406030204" pitchFamily="18" charset="0"/>
+                                  </a:rPr>
+                                </m:ctrlPr>
+                              </m:accPr>
+                              <m:e>
+                                <m:r>
+                                  <a:rPr lang="en-GB" b="0" i="1" smtClean="0">
+                                    <a:latin typeface="Cambria Math" panose="02040503050406030204" pitchFamily="18" charset="0"/>
+                                  </a:rPr>
+                                  <m:t>𝑋</m:t>
+                                </m:r>
+                              </m:e>
+                            </m:acc>
+                          </m:e>
+                          <m:sub>
+                            <m:r>
+                              <a:rPr lang="en-GB" b="0" i="1" smtClean="0">
+                                <a:latin typeface="Cambria Math" panose="02040503050406030204" pitchFamily="18" charset="0"/>
+                              </a:rPr>
+                              <m:t>𝑊𝑜𝑒</m:t>
+                            </m:r>
+                          </m:sub>
+                        </m:sSub>
+                        <m:r>
+                          <m:rPr>
+                            <m:nor/>
+                          </m:rPr>
+                          <a:rPr lang="en-US" dirty="0"/>
+                          <m:t> </m:t>
+                        </m:r>
+                      </m:num>
+                      <m:den>
+                        <m:sSub>
+                          <m:sSubPr>
+                            <m:ctrlPr>
+                              <a:rPr lang="en-GB" b="0" i="1" smtClean="0">
+                                <a:latin typeface="Cambria Math" panose="02040503050406030204" pitchFamily="18" charset="0"/>
+                              </a:rPr>
+                            </m:ctrlPr>
+                          </m:sSubPr>
+                          <m:e>
+                            <m:r>
+                              <a:rPr lang="en-GB" b="0" i="1" smtClean="0">
+                                <a:latin typeface="Cambria Math" panose="02040503050406030204" pitchFamily="18" charset="0"/>
+                                <a:ea typeface="Cambria Math" panose="02040503050406030204" pitchFamily="18" charset="0"/>
+                              </a:rPr>
+                              <m:t>𝜎</m:t>
+                            </m:r>
+                            <m:r>
+                              <a:rPr lang="en-GB" b="0" i="1" smtClean="0">
+                                <a:latin typeface="Cambria Math" panose="02040503050406030204" pitchFamily="18" charset="0"/>
+                              </a:rPr>
+                              <m:t>𝑋</m:t>
+                            </m:r>
+                          </m:e>
+                          <m:sub>
+                            <m:r>
+                              <a:rPr lang="en-GB" b="0" i="1" smtClean="0">
+                                <a:latin typeface="Cambria Math" panose="02040503050406030204" pitchFamily="18" charset="0"/>
+                              </a:rPr>
+                              <m:t>𝑊𝑜𝑒</m:t>
+                            </m:r>
+                          </m:sub>
+                        </m:sSub>
+                      </m:den>
+                    </m:f>
+                  </m:oMath>
+                </a14:m>
+                <a:endParaRPr lang="en-US" dirty="0"/>
+              </a:p>
+            </p:txBody>
+          </p:sp>
+        </mc:Choice>
+        <mc:Fallback>
+          <p:sp>
+            <p:nvSpPr>
+              <p:cNvPr id="3" name="Content Placeholder 2">
+                <a:extLst>
+                  <a:ext uri="{FF2B5EF4-FFF2-40B4-BE49-F238E27FC236}">
+                    <a16:creationId xmlns:a16="http://schemas.microsoft.com/office/drawing/2014/main" id="{EAC52204-03D2-624B-9578-EF4F86662A5B}"/>
+                  </a:ext>
+                </a:extLst>
+              </p:cNvPr>
+              <p:cNvSpPr>
+                <a:spLocks noGrp="1" noRot="1" noChangeAspect="1" noMove="1" noResize="1" noEditPoints="1" noAdjustHandles="1" noChangeArrowheads="1" noChangeShapeType="1" noTextEdit="1"/>
+              </p:cNvSpPr>
+              <p:nvPr>
+                <p:ph idx="1"/>
+              </p:nvPr>
+            </p:nvSpPr>
+            <p:spPr>
+              <a:xfrm>
+                <a:off x="641350" y="1690688"/>
+                <a:ext cx="5245100" cy="4351338"/>
+              </a:xfrm>
+              <a:blipFill>
+                <a:blip r:embed="rId2"/>
+                <a:stretch>
+                  <a:fillRect l="-1208" t="-2326"/>
+                </a:stretch>
+              </a:blipFill>
+            </p:spPr>
+            <p:txBody>
+              <a:bodyPr/>
+              <a:lstStyle/>
+              <a:p>
+                <a:r>
+                  <a:rPr lang="en-US">
+                    <a:noFill/>
+                  </a:rPr>
+                  <a:t> </a:t>
+                </a:r>
+              </a:p>
+            </p:txBody>
+          </p:sp>
+        </mc:Fallback>
+      </mc:AlternateContent>
       <p:graphicFrame>
         <p:nvGraphicFramePr>
           <p:cNvPr id="4" name="Table 3">
@@ -4973,14 +6253,14 @@
           <p:nvPr>
             <p:extLst>
               <p:ext uri="{D42A27DB-BD31-4B8C-83A1-F6EECF244321}">
-                <p14:modId xmlns:p14="http://schemas.microsoft.com/office/powerpoint/2010/main" val="808349206"/>
+                <p14:modId xmlns:p14="http://schemas.microsoft.com/office/powerpoint/2010/main" val="2922410021"/>
               </p:ext>
             </p:extLst>
           </p:nvPr>
         </p:nvGraphicFramePr>
         <p:xfrm>
-          <a:off x="5089525" y="1576915"/>
-          <a:ext cx="6773335" cy="4351337"/>
+          <a:off x="6096000" y="1576915"/>
+          <a:ext cx="5766860" cy="4465111"/>
         </p:xfrm>
         <a:graphic>
           <a:graphicData uri="http://schemas.openxmlformats.org/drawingml/2006/table">
@@ -4989,50 +6269,57 @@
                 <a:tableStyleId>{5C22544A-7EE6-4342-B048-85BDC9FD1C3A}</a:tableStyleId>
               </a:tblPr>
               <a:tblGrid>
-                <a:gridCol w="1128889">
+                <a:gridCol w="823837">
                   <a:extLst>
                     <a:ext uri="{9D8B030D-6E8A-4147-A177-3AD203B41FA5}">
                       <a16:colId xmlns:a16="http://schemas.microsoft.com/office/drawing/2014/main" val="708892531"/>
                     </a:ext>
                   </a:extLst>
                 </a:gridCol>
-                <a:gridCol w="1356872">
+                <a:gridCol w="809020">
                   <a:extLst>
                     <a:ext uri="{9D8B030D-6E8A-4147-A177-3AD203B41FA5}">
                       <a16:colId xmlns:a16="http://schemas.microsoft.com/office/drawing/2014/main" val="1739712906"/>
                     </a:ext>
                   </a:extLst>
                 </a:gridCol>
-                <a:gridCol w="900907">
+                <a:gridCol w="838655">
                   <a:extLst>
                     <a:ext uri="{9D8B030D-6E8A-4147-A177-3AD203B41FA5}">
                       <a16:colId xmlns:a16="http://schemas.microsoft.com/office/drawing/2014/main" val="4124493816"/>
                     </a:ext>
                   </a:extLst>
                 </a:gridCol>
-                <a:gridCol w="1128889">
+                <a:gridCol w="823837">
                   <a:extLst>
                     <a:ext uri="{9D8B030D-6E8A-4147-A177-3AD203B41FA5}">
                       <a16:colId xmlns:a16="http://schemas.microsoft.com/office/drawing/2014/main" val="3280785828"/>
                     </a:ext>
                   </a:extLst>
                 </a:gridCol>
-                <a:gridCol w="1128889">
+                <a:gridCol w="823837">
                   <a:extLst>
                     <a:ext uri="{9D8B030D-6E8A-4147-A177-3AD203B41FA5}">
                       <a16:colId xmlns:a16="http://schemas.microsoft.com/office/drawing/2014/main" val="1873288642"/>
                     </a:ext>
                   </a:extLst>
                 </a:gridCol>
-                <a:gridCol w="1128889">
+                <a:gridCol w="823837">
                   <a:extLst>
                     <a:ext uri="{9D8B030D-6E8A-4147-A177-3AD203B41FA5}">
                       <a16:colId xmlns:a16="http://schemas.microsoft.com/office/drawing/2014/main" val="2442782925"/>
                     </a:ext>
                   </a:extLst>
                 </a:gridCol>
+                <a:gridCol w="823837">
+                  <a:extLst>
+                    <a:ext uri="{9D8B030D-6E8A-4147-A177-3AD203B41FA5}">
+                      <a16:colId xmlns:a16="http://schemas.microsoft.com/office/drawing/2014/main" val="793337240"/>
+                    </a:ext>
+                  </a:extLst>
+                </a:gridCol>
               </a:tblGrid>
-              <a:tr h="1215673">
+              <a:tr h="1247459">
                 <a:tc>
                   <a:txBody>
                     <a:bodyPr/>
@@ -5040,7 +6327,7 @@
                     <a:p>
                       <a:r>
                         <a:rPr lang="en-US" dirty="0"/>
-                        <a:t>Company age</a:t>
+                        <a:t>Age</a:t>
                       </a:r>
                     </a:p>
                   </a:txBody>
@@ -5053,7 +6340,7 @@
                     <a:p>
                       <a:r>
                         <a:rPr lang="en-US" dirty="0"/>
-                        <a:t>Observations</a:t>
+                        <a:t>Obs.</a:t>
                       </a:r>
                     </a:p>
                   </a:txBody>
@@ -5111,13 +6398,26 @@
                   </a:txBody>
                   <a:tcPr/>
                 </a:tc>
+                <a:tc>
+                  <a:txBody>
+                    <a:bodyPr/>
+                    <a:lstStyle/>
+                    <a:p>
+                      <a:r>
+                        <a:rPr lang="en-US" dirty="0"/>
+                        <a:t>Standard Scaled</a:t>
+                      </a:r>
+                    </a:p>
+                  </a:txBody>
+                  <a:tcPr/>
+                </a:tc>
                 <a:extLst>
                   <a:ext uri="{0D108BD9-81ED-4DB2-BD59-A6C34878D82A}">
                     <a16:rowId xmlns:a16="http://schemas.microsoft.com/office/drawing/2014/main" val="3053891395"/>
                   </a:ext>
                 </a:extLst>
               </a:tr>
-              <a:tr h="704318">
+              <a:tr h="722734">
                 <a:tc>
                   <a:txBody>
                     <a:bodyPr/>
@@ -5249,13 +6549,48 @@
                   </a:txBody>
                   <a:tcPr/>
                 </a:tc>
+                <a:tc>
+                  <a:txBody>
+                    <a:bodyPr/>
+                    <a:lstStyle/>
+                    <a:p>
+                      <a:pPr marL="0" marR="0" lvl="0" indent="0" algn="l" defTabSz="914400" rtl="0" eaLnBrk="1" fontAlgn="auto" latinLnBrk="0" hangingPunct="1">
+                        <a:lnSpc>
+                          <a:spcPct val="100000"/>
+                        </a:lnSpc>
+                        <a:spcBef>
+                          <a:spcPts val="0"/>
+                        </a:spcBef>
+                        <a:spcAft>
+                          <a:spcPts val="0"/>
+                        </a:spcAft>
+                        <a:buClrTx/>
+                        <a:buSzTx/>
+                        <a:buFontTx/>
+                        <a:buNone/>
+                        <a:tabLst/>
+                        <a:defRPr/>
+                      </a:pPr>
+                      <a:endParaRPr lang="en-GB" sz="1800" kern="1200" dirty="0">
+                        <a:solidFill>
+                          <a:schemeClr val="dk1"/>
+                        </a:solidFill>
+                        <a:effectLst/>
+                        <a:latin typeface="+mn-lt"/>
+                        <a:ea typeface="+mn-ea"/>
+                        <a:cs typeface="+mn-cs"/>
+                      </a:endParaRPr>
+                    </a:p>
+                  </a:txBody>
+                  <a:tcPr/>
+                </a:tc>
                 <a:extLst>
                   <a:ext uri="{0D108BD9-81ED-4DB2-BD59-A6C34878D82A}">
                     <a16:rowId xmlns:a16="http://schemas.microsoft.com/office/drawing/2014/main" val="2587362528"/>
                   </a:ext>
                 </a:extLst>
               </a:tr>
-              <a:tr h="1215673">
+              <a:tr h="1247459">
                 <a:tc>
                   <a:txBody>
                     <a:bodyPr/>
@@ -5263,7 +6598,7 @@
                     <a:p>
                       <a:r>
                         <a:rPr lang="en-US" dirty="0"/>
-                        <a:t>30&lt;=age&lt;78</a:t>
+                        <a:t>30 &lt;= age &lt; 78</a:t>
                       </a:r>
                     </a:p>
                   </a:txBody>
@@ -5390,13 +6725,23 @@
                   </a:txBody>
                   <a:tcPr/>
                 </a:tc>
+                <a:tc>
+                  <a:txBody>
+                    <a:bodyPr/>
+                    <a:lstStyle/>
+                    <a:p>
+                      <a:endParaRPr lang="en-US" dirty="0"/>
+                    </a:p>
+                  </a:txBody>
+                  <a:tcPr/>
+                </a:tc>
                 <a:extLst>
                   <a:ext uri="{0D108BD9-81ED-4DB2-BD59-A6C34878D82A}">
                     <a16:rowId xmlns:a16="http://schemas.microsoft.com/office/drawing/2014/main" val="4113089716"/>
                   </a:ext>
                 </a:extLst>
               </a:tr>
-              <a:tr h="1215673">
+              <a:tr h="1247459">
                 <a:tc>
                   <a:txBody>
                     <a:bodyPr/>
@@ -5404,7 +6749,7 @@
                     <a:p>
                       <a:r>
                         <a:rPr lang="en-US" dirty="0"/>
-                        <a:t>Age &gt;=78</a:t>
+                        <a:t>Age &gt;= 78</a:t>
                       </a:r>
                     </a:p>
                   </a:txBody>
@@ -5559,6 +6904,16 @@
                   </a:txBody>
                   <a:tcPr/>
                 </a:tc>
+                <a:tc>
+                  <a:txBody>
+                    <a:bodyPr/>
+                    <a:lstStyle/>
+                    <a:p>
+                      <a:endParaRPr lang="en-US" dirty="0"/>
+                    </a:p>
+                  </a:txBody>
+                  <a:tcPr/>
+                </a:tc>
                 <a:extLst>
                   <a:ext uri="{0D108BD9-81ED-4DB2-BD59-A6C34878D82A}">
                     <a16:rowId xmlns:a16="http://schemas.microsoft.com/office/drawing/2014/main" val="2213021419"/>
@@ -5573,268 +6928,6 @@
     <p:extLst>
       <p:ext uri="{BB962C8B-B14F-4D97-AF65-F5344CB8AC3E}">
         <p14:creationId xmlns:p14="http://schemas.microsoft.com/office/powerpoint/2010/main" val="204365104"/>
-      </p:ext>
-    </p:extLst>
-  </p:cSld>
-  <p:clrMapOvr>
-    <a:masterClrMapping/>
-  </p:clrMapOvr>
-</p:sld>
-</file>
-
-<file path=ppt/slides/slide9.xml><?xml version="1.0" encoding="utf-8"?>
-<p:sld xmlns:a="http://schemas.openxmlformats.org/drawingml/2006/main" xmlns:r="http://schemas.openxmlformats.org/officeDocument/2006/relationships" xmlns:p="http://schemas.openxmlformats.org/presentationml/2006/main">
-  <p:cSld>
-    <p:spTree>
-      <p:nvGrpSpPr>
-        <p:cNvPr id="1" name=""/>
-        <p:cNvGrpSpPr/>
-        <p:nvPr/>
-      </p:nvGrpSpPr>
-      <p:grpSpPr>
-        <a:xfrm>
-          <a:off x="0" y="0"/>
-          <a:ext cx="0" cy="0"/>
-          <a:chOff x="0" y="0"/>
-          <a:chExt cx="0" cy="0"/>
-        </a:xfrm>
-      </p:grpSpPr>
-      <p:sp>
-        <p:nvSpPr>
-          <p:cNvPr id="2" name="Title 1">
-            <a:extLst>
-              <a:ext uri="{FF2B5EF4-FFF2-40B4-BE49-F238E27FC236}">
-                <a16:creationId xmlns:a16="http://schemas.microsoft.com/office/drawing/2014/main" id="{2FEB2B99-2396-324C-BCAB-AFC0396FAB16}"/>
-              </a:ext>
-            </a:extLst>
-          </p:cNvPr>
-          <p:cNvSpPr>
-            <a:spLocks noGrp="1"/>
-          </p:cNvSpPr>
-          <p:nvPr>
-            <p:ph type="title"/>
-          </p:nvPr>
-        </p:nvSpPr>
-        <p:spPr/>
-        <p:txBody>
-          <a:bodyPr/>
-          <a:lstStyle/>
-          <a:p>
-            <a:r>
-              <a:rPr lang="en-US" dirty="0"/>
-              <a:t>Limitations</a:t>
-            </a:r>
-          </a:p>
-        </p:txBody>
-      </p:sp>
-      <p:sp>
-        <p:nvSpPr>
-          <p:cNvPr id="3" name="Content Placeholder 2">
-            <a:extLst>
-              <a:ext uri="{FF2B5EF4-FFF2-40B4-BE49-F238E27FC236}">
-                <a16:creationId xmlns:a16="http://schemas.microsoft.com/office/drawing/2014/main" id="{05B2D151-F957-3A45-93CF-2AD431A574D0}"/>
-              </a:ext>
-            </a:extLst>
-          </p:cNvPr>
-          <p:cNvSpPr>
-            <a:spLocks noGrp="1"/>
-          </p:cNvSpPr>
-          <p:nvPr>
-            <p:ph idx="1"/>
-          </p:nvPr>
-        </p:nvSpPr>
-        <p:spPr/>
-        <p:txBody>
-          <a:bodyPr>
-            <a:normAutofit fontScale="62500" lnSpcReduction="20000"/>
-          </a:bodyPr>
-          <a:lstStyle/>
-          <a:p>
-            <a:pPr marL="514350" indent="-514350">
-              <a:buFont typeface="+mj-lt"/>
-              <a:buAutoNum type="arabicPeriod"/>
-            </a:pPr>
-            <a:r>
-              <a:rPr lang="en-US" dirty="0"/>
-              <a:t>No guarantee of monotonicity</a:t>
-            </a:r>
-          </a:p>
-          <a:p>
-            <a:pPr marL="971550" lvl="1" indent="-514350">
-              <a:buFont typeface="+mj-lt"/>
-              <a:buAutoNum type="alphaLcParenR"/>
-            </a:pPr>
-            <a:r>
-              <a:rPr lang="en-US" dirty="0"/>
-              <a:t>Manually adjust bins</a:t>
-            </a:r>
-          </a:p>
-          <a:p>
-            <a:pPr marL="971550" lvl="1" indent="-514350">
-              <a:buFont typeface="+mj-lt"/>
-              <a:buAutoNum type="alphaLcParenR"/>
-            </a:pPr>
-            <a:r>
-              <a:rPr lang="en-US" dirty="0"/>
-              <a:t>Enforce monotonicity where domain expertise suggests this</a:t>
-            </a:r>
-          </a:p>
-          <a:p>
-            <a:pPr marL="514350" indent="-514350">
-              <a:buFont typeface="+mj-lt"/>
-              <a:buAutoNum type="arabicPeriod"/>
-            </a:pPr>
-            <a:r>
-              <a:rPr lang="en-US" dirty="0"/>
-              <a:t>Sensitive to hyperparameters</a:t>
-            </a:r>
-          </a:p>
-          <a:p>
-            <a:pPr marL="971550" lvl="1" indent="-514350">
-              <a:buFont typeface="+mj-lt"/>
-              <a:buAutoNum type="alphaLcParenR"/>
-            </a:pPr>
-            <a:r>
-              <a:rPr lang="en-US" dirty="0"/>
-              <a:t>Tree depth, minimum </a:t>
-            </a:r>
-            <a:r>
-              <a:rPr lang="en-US" dirty="0" err="1"/>
-              <a:t>gini</a:t>
-            </a:r>
-            <a:r>
-              <a:rPr lang="en-US" dirty="0"/>
-              <a:t> decrease, minimum observations per node of tree, regularization &amp; features of regression model</a:t>
-            </a:r>
-          </a:p>
-          <a:p>
-            <a:pPr marL="971550" lvl="1" indent="-514350">
-              <a:buFont typeface="+mj-lt"/>
-              <a:buAutoNum type="alphaLcParenR"/>
-            </a:pPr>
-            <a:r>
-              <a:rPr lang="en-US" dirty="0"/>
-              <a:t>Tune, for example using random search, Bayesian hyperparameter tuning or recursive feature elimination</a:t>
-            </a:r>
-          </a:p>
-          <a:p>
-            <a:pPr marL="514350" indent="-514350">
-              <a:buFont typeface="+mj-lt"/>
-              <a:buAutoNum type="arabicPeriod"/>
-            </a:pPr>
-            <a:r>
-              <a:rPr lang="en-US" dirty="0"/>
-              <a:t>Some loss in interpretability</a:t>
-            </a:r>
-          </a:p>
-          <a:p>
-            <a:pPr marL="971550" lvl="1" indent="-514350">
-              <a:buFont typeface="+mj-lt"/>
-              <a:buAutoNum type="alphaLcParenR"/>
-            </a:pPr>
-            <a:r>
-              <a:rPr lang="en-US" dirty="0"/>
-              <a:t>Plot weight of evidence bins to understand model</a:t>
-            </a:r>
-          </a:p>
-          <a:p>
-            <a:pPr marL="971550" lvl="1" indent="-514350">
-              <a:buFont typeface="+mj-lt"/>
-              <a:buAutoNum type="alphaLcParenR"/>
-            </a:pPr>
-            <a:r>
-              <a:rPr lang="en-US" dirty="0"/>
-              <a:t>Favor more sparse models, and models without highly correlated features</a:t>
-            </a:r>
-          </a:p>
-          <a:p>
-            <a:pPr marL="514350" indent="-514350">
-              <a:buFont typeface="+mj-lt"/>
-              <a:buAutoNum type="arabicPeriod"/>
-            </a:pPr>
-            <a:r>
-              <a:rPr lang="en-US" dirty="0"/>
-              <a:t>Unstable with high-cardinality Categorical </a:t>
-            </a:r>
-          </a:p>
-          <a:p>
-            <a:pPr marL="971550" lvl="1" indent="-514350">
-              <a:buFont typeface="+mj-lt"/>
-              <a:buAutoNum type="alphaLcParenR"/>
-            </a:pPr>
-            <a:r>
-              <a:rPr lang="en-US" dirty="0"/>
-              <a:t>‘</a:t>
-            </a:r>
-            <a:r>
-              <a:rPr lang="en-US" dirty="0" err="1"/>
-              <a:t>Otherise</a:t>
-            </a:r>
-            <a:r>
-              <a:rPr lang="en-US" dirty="0"/>
-              <a:t>’ low-frequency categories</a:t>
-            </a:r>
-          </a:p>
-          <a:p>
-            <a:pPr marL="971550" lvl="1" indent="-514350">
-              <a:buFont typeface="+mj-lt"/>
-              <a:buAutoNum type="alphaLcParenR"/>
-            </a:pPr>
-            <a:r>
-              <a:rPr lang="en-US" dirty="0"/>
-              <a:t>Map to lower cardinality, using domain expertise, or similarity method, e.g. string distance.</a:t>
-            </a:r>
-          </a:p>
-          <a:p>
-            <a:pPr marL="514350" indent="-514350">
-              <a:buFont typeface="+mj-lt"/>
-              <a:buAutoNum type="arabicPeriod"/>
-            </a:pPr>
-            <a:r>
-              <a:rPr lang="en-US" dirty="0"/>
-              <a:t>Does not model interactions</a:t>
-            </a:r>
-          </a:p>
-          <a:p>
-            <a:pPr marL="971550" lvl="1" indent="-514350">
-              <a:buFont typeface="+mj-lt"/>
-              <a:buAutoNum type="alphaLcParenR"/>
-            </a:pPr>
-            <a:r>
-              <a:rPr lang="en-US" dirty="0"/>
-              <a:t>Benchmark vs tree ensemble methods</a:t>
-            </a:r>
-          </a:p>
-          <a:p>
-            <a:pPr marL="971550" lvl="1" indent="-514350">
-              <a:buFont typeface="+mj-lt"/>
-              <a:buAutoNum type="alphaLcParenR"/>
-            </a:pPr>
-            <a:r>
-              <a:rPr lang="en-US" dirty="0"/>
-              <a:t>Can manually add some interactions, but may be that modern machine  methods will perform better if interactions very important</a:t>
-            </a:r>
-          </a:p>
-          <a:p>
-            <a:pPr marL="971550" lvl="1" indent="-514350">
-              <a:buFont typeface="+mj-lt"/>
-              <a:buAutoNum type="alphaLcParenR"/>
-            </a:pPr>
-            <a:endParaRPr lang="en-US" dirty="0"/>
-          </a:p>
-          <a:p>
-            <a:pPr marL="514350" indent="-514350">
-              <a:buFont typeface="+mj-lt"/>
-              <a:buAutoNum type="arabicPeriod"/>
-            </a:pPr>
-            <a:endParaRPr lang="en-US" dirty="0"/>
-          </a:p>
-        </p:txBody>
-      </p:sp>
-    </p:spTree>
-    <p:extLst>
-      <p:ext uri="{BB962C8B-B14F-4D97-AF65-F5344CB8AC3E}">
-        <p14:creationId xmlns:p14="http://schemas.microsoft.com/office/powerpoint/2010/main" val="1008840824"/>
       </p:ext>
     </p:extLst>
   </p:cSld>

--- a/Presentation.pptx
+++ b/Presentation.pptx
@@ -114,6 +114,11 @@
       </a:defRPr>
     </a:lvl9pPr>
   </p:defaultTextStyle>
+  <p:extLst>
+    <p:ext uri="{EFAFB233-063F-42B5-8137-9DF3F51BA10A}">
+      <p15:sldGuideLst xmlns:p15="http://schemas.microsoft.com/office/powerpoint/2012/main"/>
+    </p:ext>
+  </p:extLst>
 </p:presentation>
 </file>
 
@@ -266,7 +271,7 @@
           <a:p>
             <a:fld id="{D25B2EC4-3656-394D-AC6E-268B3C468A16}" type="datetimeFigureOut">
               <a:rPr lang="en-US" smtClean="0"/>
-              <a:t>12/28/19</a:t>
+              <a:t>1/2/20</a:t>
             </a:fld>
             <a:endParaRPr lang="en-US"/>
           </a:p>
@@ -466,7 +471,7 @@
           <a:p>
             <a:fld id="{D25B2EC4-3656-394D-AC6E-268B3C468A16}" type="datetimeFigureOut">
               <a:rPr lang="en-US" smtClean="0"/>
-              <a:t>12/28/19</a:t>
+              <a:t>1/2/20</a:t>
             </a:fld>
             <a:endParaRPr lang="en-US"/>
           </a:p>
@@ -676,7 +681,7 @@
           <a:p>
             <a:fld id="{D25B2EC4-3656-394D-AC6E-268B3C468A16}" type="datetimeFigureOut">
               <a:rPr lang="en-US" smtClean="0"/>
-              <a:t>12/28/19</a:t>
+              <a:t>1/2/20</a:t>
             </a:fld>
             <a:endParaRPr lang="en-US"/>
           </a:p>
@@ -876,7 +881,7 @@
           <a:p>
             <a:fld id="{D25B2EC4-3656-394D-AC6E-268B3C468A16}" type="datetimeFigureOut">
               <a:rPr lang="en-US" smtClean="0"/>
-              <a:t>12/28/19</a:t>
+              <a:t>1/2/20</a:t>
             </a:fld>
             <a:endParaRPr lang="en-US"/>
           </a:p>
@@ -1152,7 +1157,7 @@
           <a:p>
             <a:fld id="{D25B2EC4-3656-394D-AC6E-268B3C468A16}" type="datetimeFigureOut">
               <a:rPr lang="en-US" smtClean="0"/>
-              <a:t>12/28/19</a:t>
+              <a:t>1/2/20</a:t>
             </a:fld>
             <a:endParaRPr lang="en-US"/>
           </a:p>
@@ -1420,7 +1425,7 @@
           <a:p>
             <a:fld id="{D25B2EC4-3656-394D-AC6E-268B3C468A16}" type="datetimeFigureOut">
               <a:rPr lang="en-US" smtClean="0"/>
-              <a:t>12/28/19</a:t>
+              <a:t>1/2/20</a:t>
             </a:fld>
             <a:endParaRPr lang="en-US"/>
           </a:p>
@@ -1835,7 +1840,7 @@
           <a:p>
             <a:fld id="{D25B2EC4-3656-394D-AC6E-268B3C468A16}" type="datetimeFigureOut">
               <a:rPr lang="en-US" smtClean="0"/>
-              <a:t>12/28/19</a:t>
+              <a:t>1/2/20</a:t>
             </a:fld>
             <a:endParaRPr lang="en-US"/>
           </a:p>
@@ -1977,7 +1982,7 @@
           <a:p>
             <a:fld id="{D25B2EC4-3656-394D-AC6E-268B3C468A16}" type="datetimeFigureOut">
               <a:rPr lang="en-US" smtClean="0"/>
-              <a:t>12/28/19</a:t>
+              <a:t>1/2/20</a:t>
             </a:fld>
             <a:endParaRPr lang="en-US"/>
           </a:p>
@@ -2090,7 +2095,7 @@
           <a:p>
             <a:fld id="{D25B2EC4-3656-394D-AC6E-268B3C468A16}" type="datetimeFigureOut">
               <a:rPr lang="en-US" smtClean="0"/>
-              <a:t>12/28/19</a:t>
+              <a:t>1/2/20</a:t>
             </a:fld>
             <a:endParaRPr lang="en-US"/>
           </a:p>
@@ -2403,7 +2408,7 @@
           <a:p>
             <a:fld id="{D25B2EC4-3656-394D-AC6E-268B3C468A16}" type="datetimeFigureOut">
               <a:rPr lang="en-US" smtClean="0"/>
-              <a:t>12/28/19</a:t>
+              <a:t>1/2/20</a:t>
             </a:fld>
             <a:endParaRPr lang="en-US"/>
           </a:p>
@@ -2692,7 +2697,7 @@
           <a:p>
             <a:fld id="{D25B2EC4-3656-394D-AC6E-268B3C468A16}" type="datetimeFigureOut">
               <a:rPr lang="en-US" smtClean="0"/>
-              <a:t>12/28/19</a:t>
+              <a:t>1/2/20</a:t>
             </a:fld>
             <a:endParaRPr lang="en-US"/>
           </a:p>
@@ -2935,7 +2940,7 @@
           <a:p>
             <a:fld id="{D25B2EC4-3656-394D-AC6E-268B3C468A16}" type="datetimeFigureOut">
               <a:rPr lang="en-US" smtClean="0"/>
-              <a:t>12/28/19</a:t>
+              <a:t>1/2/20</a:t>
             </a:fld>
             <a:endParaRPr lang="en-US"/>
           </a:p>
@@ -3885,25 +3890,30 @@
           <a:p>
             <a:r>
               <a:rPr lang="en-US" dirty="0"/>
-              <a:t>Recap - Linearity assumption of Logistic Regression</a:t>
+              <a:t>Linearity assumptions of Logistic Regression</a:t>
             </a:r>
           </a:p>
           <a:p>
             <a:r>
               <a:rPr lang="en-US" dirty="0"/>
-              <a:t>Overview – Weight of evidence binning</a:t>
+              <a:t>How  weight of evidence binning works</a:t>
             </a:r>
           </a:p>
           <a:p>
             <a:r>
               <a:rPr lang="en-US" dirty="0"/>
-              <a:t>Automated binning - single-variable decision trees</a:t>
-            </a:r>
+              <a:t>Using decision trees to automatically choose </a:t>
+            </a:r>
+            <a:r>
+              <a:rPr lang="en-US"/>
+              <a:t>bin thresholds</a:t>
+            </a:r>
+            <a:endParaRPr lang="en-US" dirty="0"/>
           </a:p>
           <a:p>
             <a:r>
               <a:rPr lang="en-US" dirty="0"/>
-              <a:t>Demonstration – Python implementation</a:t>
+              <a:t>Demonstration of Python implementation</a:t>
             </a:r>
           </a:p>
           <a:p>
@@ -4627,13 +4637,13 @@
             </p:nvSpPr>
             <p:spPr>
               <a:xfrm>
-                <a:off x="838200" y="1825625"/>
-                <a:ext cx="5257800" cy="4351338"/>
+                <a:off x="838199" y="1825625"/>
+                <a:ext cx="5434013" cy="4351338"/>
               </a:xfrm>
             </p:spPr>
             <p:txBody>
               <a:bodyPr>
-                <a:normAutofit lnSpcReduction="10000"/>
+                <a:normAutofit fontScale="92500" lnSpcReduction="10000"/>
               </a:bodyPr>
               <a:lstStyle/>
               <a:p>
@@ -4872,11 +4882,11 @@
                 <a:endParaRPr lang="en-US" sz="2200" dirty="0"/>
               </a:p>
               <a:p>
-                <a:pPr marL="514350" indent="-514350">
-                  <a:buFont typeface="+mj-lt"/>
-                  <a:buAutoNum type="arabicPeriod"/>
-                </a:pPr>
-                <a:endParaRPr lang="en-US" dirty="0"/>
+                <a:pPr lvl="1"/>
+                <a:r>
+                  <a:rPr lang="en-US" sz="2200" dirty="0"/>
+                  <a:t>Traditional to normalize</a:t>
+                </a:r>
               </a:p>
             </p:txBody>
           </p:sp>
@@ -4900,13 +4910,13 @@
             </p:nvSpPr>
             <p:spPr>
               <a:xfrm>
-                <a:off x="838200" y="1825625"/>
-                <a:ext cx="5257800" cy="4351338"/>
+                <a:off x="838199" y="1825625"/>
+                <a:ext cx="5434013" cy="4351338"/>
               </a:xfrm>
               <a:blipFill>
                 <a:blip r:embed="rId2"/>
                 <a:stretch>
-                  <a:fillRect l="-2169" t="-3801" r="-482"/>
+                  <a:fillRect l="-1865" t="-3509" r="-233"/>
                 </a:stretch>
               </a:blipFill>
             </p:spPr>
@@ -5142,7 +5152,7 @@
         </p:nvSpPr>
         <p:spPr>
           <a:xfrm>
-            <a:off x="8289129" y="5645548"/>
+            <a:off x="8289128" y="5734449"/>
             <a:ext cx="1843088" cy="847327"/>
           </a:xfrm>
           <a:prstGeom prst="rect">
@@ -5191,8 +5201,8 @@
         </p:nvSpPr>
         <p:spPr>
           <a:xfrm>
-            <a:off x="7725962" y="4784527"/>
-            <a:ext cx="2969421" cy="638174"/>
+            <a:off x="7725962" y="4650582"/>
+            <a:ext cx="2969421" cy="994966"/>
           </a:xfrm>
           <a:prstGeom prst="downArrow">
             <a:avLst>
@@ -5231,7 +5241,7 @@
                   <a:schemeClr val="tx1"/>
                 </a:solidFill>
               </a:rPr>
-              <a:t>Weight of Evidence</a:t>
+              <a:t>Weight of Evidence Scaling</a:t>
             </a:r>
           </a:p>
         </p:txBody>
@@ -5282,20 +5292,25 @@
             <p:ph type="title"/>
           </p:nvPr>
         </p:nvSpPr>
-        <p:spPr/>
+        <p:spPr>
+          <a:xfrm>
+            <a:off x="838200" y="490408"/>
+            <a:ext cx="10515600" cy="1325563"/>
+          </a:xfrm>
+        </p:spPr>
         <p:txBody>
           <a:bodyPr/>
           <a:lstStyle/>
           <a:p>
             <a:r>
               <a:rPr lang="en-US" dirty="0"/>
-              <a:t>Decision trees Variable binning using (1)</a:t>
-            </a:r>
-          </a:p>
-        </p:txBody>
-      </p:sp>
-      <mc:AlternateContent xmlns:mc="http://schemas.openxmlformats.org/markup-compatibility/2006">
-        <mc:Choice xmlns:a14="http://schemas.microsoft.com/office/drawing/2010/main" Requires="a14">
+              <a:t>Decision Trees Variable Binning (1)</a:t>
+            </a:r>
+          </a:p>
+        </p:txBody>
+      </p:sp>
+      <mc:AlternateContent xmlns:mc="http://schemas.openxmlformats.org/markup-compatibility/2006" xmlns:a14="http://schemas.microsoft.com/office/drawing/2010/main">
+        <mc:Choice Requires="a14">
           <p:sp>
             <p:nvSpPr>
               <p:cNvPr id="3" name="Content Placeholder 2">
@@ -5446,7 +5461,7 @@
             </p:txBody>
           </p:sp>
         </mc:Choice>
-        <mc:Fallback>
+        <mc:Fallback xmlns="">
           <p:sp>
             <p:nvSpPr>
               <p:cNvPr id="3" name="Content Placeholder 2">
@@ -5469,7 +5484,7 @@
                 <a:ext cx="5257800" cy="4351338"/>
               </a:xfrm>
               <a:blipFill>
-                <a:blip r:embed="rId2"/>
+                <a:blip r:embed="rId3"/>
                 <a:stretch>
                   <a:fillRect l="-1687" t="-2924" r="-2651"/>
                 </a:stretch>
@@ -5490,6 +5505,434 @@
           </p:sp>
         </mc:Fallback>
       </mc:AlternateContent>
+      <p:sp>
+        <p:nvSpPr>
+          <p:cNvPr id="6" name="Content Placeholder 2">
+            <a:extLst>
+              <a:ext uri="{FF2B5EF4-FFF2-40B4-BE49-F238E27FC236}">
+                <a16:creationId xmlns:a16="http://schemas.microsoft.com/office/drawing/2014/main" id="{5A18FB6A-4EFC-2C49-B6AD-1B79AE674014}"/>
+              </a:ext>
+            </a:extLst>
+          </p:cNvPr>
+          <p:cNvSpPr txBox="1">
+            <a:spLocks/>
+          </p:cNvSpPr>
+          <p:nvPr/>
+        </p:nvSpPr>
+        <p:spPr>
+          <a:xfrm>
+            <a:off x="6248400" y="1825625"/>
+            <a:ext cx="5257800" cy="4351338"/>
+          </a:xfrm>
+          <a:prstGeom prst="rect">
+            <a:avLst/>
+          </a:prstGeom>
+        </p:spPr>
+        <p:txBody>
+          <a:bodyPr vert="horz" lIns="91440" tIns="45720" rIns="91440" bIns="45720" rtlCol="0">
+            <a:normAutofit/>
+          </a:bodyPr>
+          <a:lstStyle>
+            <a:lvl1pPr marL="228600" indent="-228600" algn="l" defTabSz="914400" rtl="0" eaLnBrk="1" latinLnBrk="0" hangingPunct="1">
+              <a:lnSpc>
+                <a:spcPct val="90000"/>
+              </a:lnSpc>
+              <a:spcBef>
+                <a:spcPts val="1000"/>
+              </a:spcBef>
+              <a:buFont typeface="Arial" panose="020B0604020202020204" pitchFamily="34" charset="0"/>
+              <a:buChar char="•"/>
+              <a:defRPr sz="2800" kern="1200">
+                <a:solidFill>
+                  <a:schemeClr val="tx1"/>
+                </a:solidFill>
+                <a:latin typeface="+mn-lt"/>
+                <a:ea typeface="+mn-ea"/>
+                <a:cs typeface="+mn-cs"/>
+              </a:defRPr>
+            </a:lvl1pPr>
+            <a:lvl2pPr marL="685800" indent="-228600" algn="l" defTabSz="914400" rtl="0" eaLnBrk="1" latinLnBrk="0" hangingPunct="1">
+              <a:lnSpc>
+                <a:spcPct val="90000"/>
+              </a:lnSpc>
+              <a:spcBef>
+                <a:spcPts val="500"/>
+              </a:spcBef>
+              <a:buFont typeface="Arial" panose="020B0604020202020204" pitchFamily="34" charset="0"/>
+              <a:buChar char="•"/>
+              <a:defRPr sz="2400" kern="1200">
+                <a:solidFill>
+                  <a:schemeClr val="tx1"/>
+                </a:solidFill>
+                <a:latin typeface="+mn-lt"/>
+                <a:ea typeface="+mn-ea"/>
+                <a:cs typeface="+mn-cs"/>
+              </a:defRPr>
+            </a:lvl2pPr>
+            <a:lvl3pPr marL="1143000" indent="-228600" algn="l" defTabSz="914400" rtl="0" eaLnBrk="1" latinLnBrk="0" hangingPunct="1">
+              <a:lnSpc>
+                <a:spcPct val="90000"/>
+              </a:lnSpc>
+              <a:spcBef>
+                <a:spcPts val="500"/>
+              </a:spcBef>
+              <a:buFont typeface="Arial" panose="020B0604020202020204" pitchFamily="34" charset="0"/>
+              <a:buChar char="•"/>
+              <a:defRPr sz="2000" kern="1200">
+                <a:solidFill>
+                  <a:schemeClr val="tx1"/>
+                </a:solidFill>
+                <a:latin typeface="+mn-lt"/>
+                <a:ea typeface="+mn-ea"/>
+                <a:cs typeface="+mn-cs"/>
+              </a:defRPr>
+            </a:lvl3pPr>
+            <a:lvl4pPr marL="1600200" indent="-228600" algn="l" defTabSz="914400" rtl="0" eaLnBrk="1" latinLnBrk="0" hangingPunct="1">
+              <a:lnSpc>
+                <a:spcPct val="90000"/>
+              </a:lnSpc>
+              <a:spcBef>
+                <a:spcPts val="500"/>
+              </a:spcBef>
+              <a:buFont typeface="Arial" panose="020B0604020202020204" pitchFamily="34" charset="0"/>
+              <a:buChar char="•"/>
+              <a:defRPr sz="1800" kern="1200">
+                <a:solidFill>
+                  <a:schemeClr val="tx1"/>
+                </a:solidFill>
+                <a:latin typeface="+mn-lt"/>
+                <a:ea typeface="+mn-ea"/>
+                <a:cs typeface="+mn-cs"/>
+              </a:defRPr>
+            </a:lvl4pPr>
+            <a:lvl5pPr marL="2057400" indent="-228600" algn="l" defTabSz="914400" rtl="0" eaLnBrk="1" latinLnBrk="0" hangingPunct="1">
+              <a:lnSpc>
+                <a:spcPct val="90000"/>
+              </a:lnSpc>
+              <a:spcBef>
+                <a:spcPts val="500"/>
+              </a:spcBef>
+              <a:buFont typeface="Arial" panose="020B0604020202020204" pitchFamily="34" charset="0"/>
+              <a:buChar char="•"/>
+              <a:defRPr sz="1800" kern="1200">
+                <a:solidFill>
+                  <a:schemeClr val="tx1"/>
+                </a:solidFill>
+                <a:latin typeface="+mn-lt"/>
+                <a:ea typeface="+mn-ea"/>
+                <a:cs typeface="+mn-cs"/>
+              </a:defRPr>
+            </a:lvl5pPr>
+            <a:lvl6pPr marL="2514600" indent="-228600" algn="l" defTabSz="914400" rtl="0" eaLnBrk="1" latinLnBrk="0" hangingPunct="1">
+              <a:lnSpc>
+                <a:spcPct val="90000"/>
+              </a:lnSpc>
+              <a:spcBef>
+                <a:spcPts val="500"/>
+              </a:spcBef>
+              <a:buFont typeface="Arial" panose="020B0604020202020204" pitchFamily="34" charset="0"/>
+              <a:buChar char="•"/>
+              <a:defRPr sz="1800" kern="1200">
+                <a:solidFill>
+                  <a:schemeClr val="tx1"/>
+                </a:solidFill>
+                <a:latin typeface="+mn-lt"/>
+                <a:ea typeface="+mn-ea"/>
+                <a:cs typeface="+mn-cs"/>
+              </a:defRPr>
+            </a:lvl6pPr>
+            <a:lvl7pPr marL="2971800" indent="-228600" algn="l" defTabSz="914400" rtl="0" eaLnBrk="1" latinLnBrk="0" hangingPunct="1">
+              <a:lnSpc>
+                <a:spcPct val="90000"/>
+              </a:lnSpc>
+              <a:spcBef>
+                <a:spcPts val="500"/>
+              </a:spcBef>
+              <a:buFont typeface="Arial" panose="020B0604020202020204" pitchFamily="34" charset="0"/>
+              <a:buChar char="•"/>
+              <a:defRPr sz="1800" kern="1200">
+                <a:solidFill>
+                  <a:schemeClr val="tx1"/>
+                </a:solidFill>
+                <a:latin typeface="+mn-lt"/>
+                <a:ea typeface="+mn-ea"/>
+                <a:cs typeface="+mn-cs"/>
+              </a:defRPr>
+            </a:lvl7pPr>
+            <a:lvl8pPr marL="3429000" indent="-228600" algn="l" defTabSz="914400" rtl="0" eaLnBrk="1" latinLnBrk="0" hangingPunct="1">
+              <a:lnSpc>
+                <a:spcPct val="90000"/>
+              </a:lnSpc>
+              <a:spcBef>
+                <a:spcPts val="500"/>
+              </a:spcBef>
+              <a:buFont typeface="Arial" panose="020B0604020202020204" pitchFamily="34" charset="0"/>
+              <a:buChar char="•"/>
+              <a:defRPr sz="1800" kern="1200">
+                <a:solidFill>
+                  <a:schemeClr val="tx1"/>
+                </a:solidFill>
+                <a:latin typeface="+mn-lt"/>
+                <a:ea typeface="+mn-ea"/>
+                <a:cs typeface="+mn-cs"/>
+              </a:defRPr>
+            </a:lvl8pPr>
+            <a:lvl9pPr marL="3886200" indent="-228600" algn="l" defTabSz="914400" rtl="0" eaLnBrk="1" latinLnBrk="0" hangingPunct="1">
+              <a:lnSpc>
+                <a:spcPct val="90000"/>
+              </a:lnSpc>
+              <a:spcBef>
+                <a:spcPts val="500"/>
+              </a:spcBef>
+              <a:buFont typeface="Arial" panose="020B0604020202020204" pitchFamily="34" charset="0"/>
+              <a:buChar char="•"/>
+              <a:defRPr sz="1800" kern="1200">
+                <a:solidFill>
+                  <a:schemeClr val="tx1"/>
+                </a:solidFill>
+                <a:latin typeface="+mn-lt"/>
+                <a:ea typeface="+mn-ea"/>
+                <a:cs typeface="+mn-cs"/>
+              </a:defRPr>
+            </a:lvl9pPr>
+          </a:lstStyle>
+          <a:p>
+            <a:pPr marL="457200" lvl="1" indent="0">
+              <a:buNone/>
+            </a:pPr>
+            <a:endParaRPr lang="en-US" dirty="0"/>
+          </a:p>
+        </p:txBody>
+      </p:sp>
+      <p:sp>
+        <p:nvSpPr>
+          <p:cNvPr id="7" name="Content Placeholder 2">
+            <a:extLst>
+              <a:ext uri="{FF2B5EF4-FFF2-40B4-BE49-F238E27FC236}">
+                <a16:creationId xmlns:a16="http://schemas.microsoft.com/office/drawing/2014/main" id="{27512780-D258-ED48-8D73-B6D74EBDFE14}"/>
+              </a:ext>
+            </a:extLst>
+          </p:cNvPr>
+          <p:cNvSpPr txBox="1">
+            <a:spLocks/>
+          </p:cNvSpPr>
+          <p:nvPr/>
+        </p:nvSpPr>
+        <p:spPr>
+          <a:xfrm>
+            <a:off x="6096000" y="1835279"/>
+            <a:ext cx="5257800" cy="4351338"/>
+          </a:xfrm>
+          <a:prstGeom prst="rect">
+            <a:avLst/>
+          </a:prstGeom>
+        </p:spPr>
+        <p:txBody>
+          <a:bodyPr vert="horz" lIns="91440" tIns="45720" rIns="91440" bIns="45720" rtlCol="0">
+            <a:normAutofit/>
+          </a:bodyPr>
+          <a:lstStyle>
+            <a:lvl1pPr marL="228600" indent="-228600" algn="l" defTabSz="914400" rtl="0" eaLnBrk="1" latinLnBrk="0" hangingPunct="1">
+              <a:lnSpc>
+                <a:spcPct val="90000"/>
+              </a:lnSpc>
+              <a:spcBef>
+                <a:spcPts val="1000"/>
+              </a:spcBef>
+              <a:buFont typeface="Arial" panose="020B0604020202020204" pitchFamily="34" charset="0"/>
+              <a:buChar char="•"/>
+              <a:defRPr sz="2800" kern="1200">
+                <a:solidFill>
+                  <a:schemeClr val="tx1"/>
+                </a:solidFill>
+                <a:latin typeface="+mn-lt"/>
+                <a:ea typeface="+mn-ea"/>
+                <a:cs typeface="+mn-cs"/>
+              </a:defRPr>
+            </a:lvl1pPr>
+            <a:lvl2pPr marL="685800" indent="-228600" algn="l" defTabSz="914400" rtl="0" eaLnBrk="1" latinLnBrk="0" hangingPunct="1">
+              <a:lnSpc>
+                <a:spcPct val="90000"/>
+              </a:lnSpc>
+              <a:spcBef>
+                <a:spcPts val="500"/>
+              </a:spcBef>
+              <a:buFont typeface="Arial" panose="020B0604020202020204" pitchFamily="34" charset="0"/>
+              <a:buChar char="•"/>
+              <a:defRPr sz="2400" kern="1200">
+                <a:solidFill>
+                  <a:schemeClr val="tx1"/>
+                </a:solidFill>
+                <a:latin typeface="+mn-lt"/>
+                <a:ea typeface="+mn-ea"/>
+                <a:cs typeface="+mn-cs"/>
+              </a:defRPr>
+            </a:lvl2pPr>
+            <a:lvl3pPr marL="1143000" indent="-228600" algn="l" defTabSz="914400" rtl="0" eaLnBrk="1" latinLnBrk="0" hangingPunct="1">
+              <a:lnSpc>
+                <a:spcPct val="90000"/>
+              </a:lnSpc>
+              <a:spcBef>
+                <a:spcPts val="500"/>
+              </a:spcBef>
+              <a:buFont typeface="Arial" panose="020B0604020202020204" pitchFamily="34" charset="0"/>
+              <a:buChar char="•"/>
+              <a:defRPr sz="2000" kern="1200">
+                <a:solidFill>
+                  <a:schemeClr val="tx1"/>
+                </a:solidFill>
+                <a:latin typeface="+mn-lt"/>
+                <a:ea typeface="+mn-ea"/>
+                <a:cs typeface="+mn-cs"/>
+              </a:defRPr>
+            </a:lvl3pPr>
+            <a:lvl4pPr marL="1600200" indent="-228600" algn="l" defTabSz="914400" rtl="0" eaLnBrk="1" latinLnBrk="0" hangingPunct="1">
+              <a:lnSpc>
+                <a:spcPct val="90000"/>
+              </a:lnSpc>
+              <a:spcBef>
+                <a:spcPts val="500"/>
+              </a:spcBef>
+              <a:buFont typeface="Arial" panose="020B0604020202020204" pitchFamily="34" charset="0"/>
+              <a:buChar char="•"/>
+              <a:defRPr sz="1800" kern="1200">
+                <a:solidFill>
+                  <a:schemeClr val="tx1"/>
+                </a:solidFill>
+                <a:latin typeface="+mn-lt"/>
+                <a:ea typeface="+mn-ea"/>
+                <a:cs typeface="+mn-cs"/>
+              </a:defRPr>
+            </a:lvl4pPr>
+            <a:lvl5pPr marL="2057400" indent="-228600" algn="l" defTabSz="914400" rtl="0" eaLnBrk="1" latinLnBrk="0" hangingPunct="1">
+              <a:lnSpc>
+                <a:spcPct val="90000"/>
+              </a:lnSpc>
+              <a:spcBef>
+                <a:spcPts val="500"/>
+              </a:spcBef>
+              <a:buFont typeface="Arial" panose="020B0604020202020204" pitchFamily="34" charset="0"/>
+              <a:buChar char="•"/>
+              <a:defRPr sz="1800" kern="1200">
+                <a:solidFill>
+                  <a:schemeClr val="tx1"/>
+                </a:solidFill>
+                <a:latin typeface="+mn-lt"/>
+                <a:ea typeface="+mn-ea"/>
+                <a:cs typeface="+mn-cs"/>
+              </a:defRPr>
+            </a:lvl5pPr>
+            <a:lvl6pPr marL="2514600" indent="-228600" algn="l" defTabSz="914400" rtl="0" eaLnBrk="1" latinLnBrk="0" hangingPunct="1">
+              <a:lnSpc>
+                <a:spcPct val="90000"/>
+              </a:lnSpc>
+              <a:spcBef>
+                <a:spcPts val="500"/>
+              </a:spcBef>
+              <a:buFont typeface="Arial" panose="020B0604020202020204" pitchFamily="34" charset="0"/>
+              <a:buChar char="•"/>
+              <a:defRPr sz="1800" kern="1200">
+                <a:solidFill>
+                  <a:schemeClr val="tx1"/>
+                </a:solidFill>
+                <a:latin typeface="+mn-lt"/>
+                <a:ea typeface="+mn-ea"/>
+                <a:cs typeface="+mn-cs"/>
+              </a:defRPr>
+            </a:lvl6pPr>
+            <a:lvl7pPr marL="2971800" indent="-228600" algn="l" defTabSz="914400" rtl="0" eaLnBrk="1" latinLnBrk="0" hangingPunct="1">
+              <a:lnSpc>
+                <a:spcPct val="90000"/>
+              </a:lnSpc>
+              <a:spcBef>
+                <a:spcPts val="500"/>
+              </a:spcBef>
+              <a:buFont typeface="Arial" panose="020B0604020202020204" pitchFamily="34" charset="0"/>
+              <a:buChar char="•"/>
+              <a:defRPr sz="1800" kern="1200">
+                <a:solidFill>
+                  <a:schemeClr val="tx1"/>
+                </a:solidFill>
+                <a:latin typeface="+mn-lt"/>
+                <a:ea typeface="+mn-ea"/>
+                <a:cs typeface="+mn-cs"/>
+              </a:defRPr>
+            </a:lvl7pPr>
+            <a:lvl8pPr marL="3429000" indent="-228600" algn="l" defTabSz="914400" rtl="0" eaLnBrk="1" latinLnBrk="0" hangingPunct="1">
+              <a:lnSpc>
+                <a:spcPct val="90000"/>
+              </a:lnSpc>
+              <a:spcBef>
+                <a:spcPts val="500"/>
+              </a:spcBef>
+              <a:buFont typeface="Arial" panose="020B0604020202020204" pitchFamily="34" charset="0"/>
+              <a:buChar char="•"/>
+              <a:defRPr sz="1800" kern="1200">
+                <a:solidFill>
+                  <a:schemeClr val="tx1"/>
+                </a:solidFill>
+                <a:latin typeface="+mn-lt"/>
+                <a:ea typeface="+mn-ea"/>
+                <a:cs typeface="+mn-cs"/>
+              </a:defRPr>
+            </a:lvl8pPr>
+            <a:lvl9pPr marL="3886200" indent="-228600" algn="l" defTabSz="914400" rtl="0" eaLnBrk="1" latinLnBrk="0" hangingPunct="1">
+              <a:lnSpc>
+                <a:spcPct val="90000"/>
+              </a:lnSpc>
+              <a:spcBef>
+                <a:spcPts val="500"/>
+              </a:spcBef>
+              <a:buFont typeface="Arial" panose="020B0604020202020204" pitchFamily="34" charset="0"/>
+              <a:buChar char="•"/>
+              <a:defRPr sz="1800" kern="1200">
+                <a:solidFill>
+                  <a:schemeClr val="tx1"/>
+                </a:solidFill>
+                <a:latin typeface="+mn-lt"/>
+                <a:ea typeface="+mn-ea"/>
+                <a:cs typeface="+mn-cs"/>
+              </a:defRPr>
+            </a:lvl9pPr>
+          </a:lstStyle>
+          <a:p>
+            <a:pPr marL="0" indent="0">
+              <a:buNone/>
+            </a:pPr>
+            <a:endParaRPr lang="en-GB" dirty="0"/>
+          </a:p>
+        </p:txBody>
+      </p:sp>
+      <p:pic>
+        <p:nvPicPr>
+          <p:cNvPr id="5" name="Picture 4" descr="A picture containing screenshot&#10;&#10;Description automatically generated">
+            <a:extLst>
+              <a:ext uri="{FF2B5EF4-FFF2-40B4-BE49-F238E27FC236}">
+                <a16:creationId xmlns:a16="http://schemas.microsoft.com/office/drawing/2014/main" id="{4F1E8F75-A145-3341-93A0-B4FB3FCC7E6D}"/>
+              </a:ext>
+            </a:extLst>
+          </p:cNvPr>
+          <p:cNvPicPr>
+            <a:picLocks noChangeAspect="1"/>
+          </p:cNvPicPr>
+          <p:nvPr/>
+        </p:nvPicPr>
+        <p:blipFill>
+          <a:blip r:embed="rId4"/>
+          <a:stretch>
+            <a:fillRect/>
+          </a:stretch>
+        </p:blipFill>
+        <p:spPr>
+          <a:xfrm>
+            <a:off x="6413500" y="1835279"/>
+            <a:ext cx="5092700" cy="3975100"/>
+          </a:xfrm>
+          <a:prstGeom prst="rect">
+            <a:avLst/>
+          </a:prstGeom>
+        </p:spPr>
+      </p:pic>
     </p:spTree>
     <p:extLst>
       <p:ext uri="{BB962C8B-B14F-4D97-AF65-F5344CB8AC3E}">
@@ -5543,7 +5986,7 @@
           <a:p>
             <a:r>
               <a:rPr lang="en-US" dirty="0"/>
-              <a:t>Variable binning using Decision trees (2)</a:t>
+              <a:t>Decision Tree variable binning (2)</a:t>
             </a:r>
           </a:p>
         </p:txBody>
@@ -5572,13 +6015,13 @@
         </p:spPr>
         <p:txBody>
           <a:bodyPr>
-            <a:normAutofit fontScale="92500" lnSpcReduction="10000"/>
+            <a:normAutofit fontScale="92500" lnSpcReduction="20000"/>
           </a:bodyPr>
           <a:lstStyle/>
           <a:p>
             <a:r>
               <a:rPr lang="en-US" dirty="0"/>
-              <a:t>Logic for greedy single-variable decision tree</a:t>
+              <a:t>Can find thresholds using greedy process </a:t>
             </a:r>
           </a:p>
           <a:p>
@@ -5588,15 +6031,15 @@
             </a:pPr>
             <a:r>
               <a:rPr lang="en-US" dirty="0"/>
-              <a:t>Calculate Gini decrease @ every possible split – weighted average of left &amp; right </a:t>
+              <a:t>Split data @ point that </a:t>
             </a:r>
             <a:r>
               <a:rPr lang="en-US" dirty="0" err="1"/>
-              <a:t>Ginis</a:t>
+              <a:t>maximises</a:t>
             </a:r>
             <a:r>
               <a:rPr lang="en-US" dirty="0"/>
-              <a:t>’</a:t>
+              <a:t> Gini impurity decrease, creating ‘left’ and ‘right’ nodes</a:t>
             </a:r>
           </a:p>
           <a:p>
@@ -5606,7 +6049,15 @@
             </a:pPr>
             <a:r>
               <a:rPr lang="en-US" dirty="0"/>
-              <a:t>Split @ point that maximizes Gini decrease, and repeat process on left &amp; right nodes</a:t>
+              <a:t>Further split both nodes @ point that </a:t>
+            </a:r>
+            <a:r>
+              <a:rPr lang="en-US" dirty="0" err="1"/>
+              <a:t>maximises</a:t>
+            </a:r>
+            <a:r>
+              <a:rPr lang="en-US" dirty="0"/>
+              <a:t> Gini impurity decrease</a:t>
             </a:r>
           </a:p>
           <a:p>
@@ -5616,7 +6067,27 @@
             </a:pPr>
             <a:r>
               <a:rPr lang="en-US" dirty="0"/>
-              <a:t>Stop when maximum depth reached, and don’t use splits not achieving minimum Gini decrease, and with minimum number of entries in left/right Node</a:t>
+              <a:t>Stop when maximum depth reached, and disregard splits not achieving criteria:</a:t>
+            </a:r>
+          </a:p>
+          <a:p>
+            <a:pPr marL="1428750" lvl="2" indent="-514350">
+              <a:buFont typeface="+mj-lt"/>
+              <a:buAutoNum type="romanLcPeriod"/>
+            </a:pPr>
+            <a:r>
+              <a:rPr lang="en-US" dirty="0"/>
+              <a:t>Minimum Gini decrease</a:t>
+            </a:r>
+          </a:p>
+          <a:p>
+            <a:pPr marL="1428750" lvl="2" indent="-514350">
+              <a:buFont typeface="+mj-lt"/>
+              <a:buAutoNum type="romanLcPeriod"/>
+            </a:pPr>
+            <a:r>
+              <a:rPr lang="en-US" dirty="0"/>
+              <a:t>Minimum number of entries in left/right Node</a:t>
             </a:r>
           </a:p>
           <a:p>
@@ -5626,7 +6097,7 @@
             </a:pPr>
             <a:r>
               <a:rPr lang="en-US" dirty="0"/>
-              <a:t>Leaf nodes are thresholds for bin</a:t>
+              <a:t>Leaf nodes of tree are thresholds to bin variables</a:t>
             </a:r>
           </a:p>
           <a:p>
@@ -5634,6 +6105,36 @@
           </a:p>
         </p:txBody>
       </p:sp>
+      <p:pic>
+        <p:nvPicPr>
+          <p:cNvPr id="5" name="Picture 4">
+            <a:extLst>
+              <a:ext uri="{FF2B5EF4-FFF2-40B4-BE49-F238E27FC236}">
+                <a16:creationId xmlns:a16="http://schemas.microsoft.com/office/drawing/2014/main" id="{6875A96B-808E-B747-9193-2EA310671988}"/>
+              </a:ext>
+            </a:extLst>
+          </p:cNvPr>
+          <p:cNvPicPr>
+            <a:picLocks noChangeAspect="1"/>
+          </p:cNvPicPr>
+          <p:nvPr/>
+        </p:nvPicPr>
+        <p:blipFill>
+          <a:blip r:embed="rId2"/>
+          <a:stretch>
+            <a:fillRect/>
+          </a:stretch>
+        </p:blipFill>
+        <p:spPr>
+          <a:xfrm>
+            <a:off x="6619875" y="2172494"/>
+            <a:ext cx="4876800" cy="3657600"/>
+          </a:xfrm>
+          <a:prstGeom prst="rect">
+            <a:avLst/>
+          </a:prstGeom>
+        </p:spPr>
+      </p:pic>
     </p:spTree>
     <p:extLst>
       <p:ext uri="{BB962C8B-B14F-4D97-AF65-F5344CB8AC3E}">
@@ -5687,13 +6188,13 @@
           <a:p>
             <a:r>
               <a:rPr lang="en-US" dirty="0"/>
-              <a:t>Log Odds transformation</a:t>
-            </a:r>
-          </a:p>
-        </p:txBody>
-      </p:sp>
-      <mc:AlternateContent xmlns:mc="http://schemas.openxmlformats.org/markup-compatibility/2006">
-        <mc:Choice xmlns:a14="http://schemas.microsoft.com/office/drawing/2010/main" Requires="a14">
+              <a:t>Log odds transformation</a:t>
+            </a:r>
+          </a:p>
+        </p:txBody>
+      </p:sp>
+      <mc:AlternateContent xmlns:mc="http://schemas.openxmlformats.org/markup-compatibility/2006" xmlns:a14="http://schemas.microsoft.com/office/drawing/2010/main">
+        <mc:Choice Requires="a14">
           <p:sp>
             <p:nvSpPr>
               <p:cNvPr id="3" name="Content Placeholder 2">
@@ -5718,7 +6219,7 @@
             </p:spPr>
             <p:txBody>
               <a:bodyPr>
-                <a:normAutofit fontScale="77500" lnSpcReduction="20000"/>
+                <a:normAutofit fontScale="85000" lnSpcReduction="20000"/>
               </a:bodyPr>
               <a:lstStyle/>
               <a:p>
@@ -5855,12 +6356,6 @@
                 <a:endParaRPr lang="en-US" dirty="0"/>
               </a:p>
               <a:p>
-                <a:pPr marL="0" indent="0">
-                  <a:buNone/>
-                </a:pPr>
-                <a:endParaRPr lang="en-US" dirty="0"/>
-              </a:p>
-              <a:p>
                 <a:pPr lvl="1"/>
                 <a:r>
                   <a:rPr lang="en-US" dirty="0"/>
@@ -5896,9 +6391,16 @@
                 </a:r>
               </a:p>
               <a:p>
-                <a:pPr marL="0" indent="0">
-                  <a:buNone/>
-                </a:pPr>
+                <a:r>
+                  <a:rPr lang="en-US" dirty="0">
+                    <a:sym typeface="Wingdings" pitchFamily="2" charset="2"/>
+                  </a:rPr>
+                  <a:t>Maps 0-1 --&gt; -</a:t>
+                </a:r>
+                <a:r>
+                  <a:rPr lang="en-GB" dirty="0"/>
+                  <a:t>∞, ∞. Inverse of logistic transformation.</a:t>
+                </a:r>
                 <a:endParaRPr lang="en-US" dirty="0"/>
               </a:p>
               <a:p>
@@ -5906,9 +6408,6 @@
                   <a:rPr lang="en-US" dirty="0"/>
                   <a:t>Can be applied to categorical feature, or binned numeric features</a:t>
                 </a:r>
-              </a:p>
-              <a:p>
-                <a:pPr lvl="1"/>
                 <a:endParaRPr lang="en-US" dirty="0">
                   <a:sym typeface="Wingdings" pitchFamily="2" charset="2"/>
                 </a:endParaRPr>
@@ -5916,31 +6415,165 @@
               <a:p>
                 <a:r>
                   <a:rPr lang="en-GB" dirty="0"/>
-                  <a:t>Standardisation: </a:t>
+                  <a:t>Normalisation </a:t>
                 </a:r>
               </a:p>
               <a:p>
                 <a:pPr lvl="1"/>
                 <a:r>
-                  <a:rPr lang="en-GB" dirty="0"/>
-                  <a:t>Traditional - subtract population log odds from all bins, </a:t>
+                  <a:rPr lang="en-GB" b="1" dirty="0"/>
+                  <a:t>Traditional</a:t>
                 </a:r>
                 <a14:m>
                   <m:oMath xmlns:m="http://schemas.openxmlformats.org/officeDocument/2006/math">
+                    <m:sSub>
+                      <m:sSubPr>
+                        <m:ctrlPr>
+                          <a:rPr lang="en-GB" sz="1600" b="0" i="1" smtClean="0">
+                            <a:latin typeface="Cambria Math" panose="02040503050406030204" pitchFamily="18" charset="0"/>
+                          </a:rPr>
+                        </m:ctrlPr>
+                      </m:sSubPr>
+                      <m:e>
+                        <m:r>
+                          <a:rPr lang="en-GB" sz="1600" b="0" i="1" smtClean="0">
+                            <a:latin typeface="Cambria Math" panose="02040503050406030204" pitchFamily="18" charset="0"/>
+                          </a:rPr>
+                          <m:t> </m:t>
+                        </m:r>
+                        <m:r>
+                          <a:rPr lang="en-GB" sz="1600" b="0" i="1" smtClean="0">
+                            <a:latin typeface="Cambria Math" panose="02040503050406030204" pitchFamily="18" charset="0"/>
+                          </a:rPr>
+                          <m:t>𝑋</m:t>
+                        </m:r>
+                      </m:e>
+                      <m:sub>
+                        <m:r>
+                          <a:rPr lang="en-GB" sz="1600" b="0" i="1" smtClean="0">
+                            <a:latin typeface="Cambria Math" panose="02040503050406030204" pitchFamily="18" charset="0"/>
+                          </a:rPr>
+                          <m:t>𝑊𝑜𝑒</m:t>
+                        </m:r>
+                      </m:sub>
+                    </m:sSub>
+                    <m:r>
+                      <a:rPr lang="en-GB" sz="1600" b="0" i="1" smtClean="0">
+                        <a:latin typeface="Cambria Math" panose="02040503050406030204" pitchFamily="18" charset="0"/>
+                      </a:rPr>
+                      <m:t>=</m:t>
+                    </m:r>
                     <m:func>
                       <m:funcPr>
                         <m:ctrlPr>
-                          <a:rPr lang="en-GB" b="0" i="1" smtClean="0">
+                          <a:rPr lang="en-GB" sz="1600" b="0" i="1" smtClean="0">
                             <a:latin typeface="Cambria Math" panose="02040503050406030204" pitchFamily="18" charset="0"/>
                           </a:rPr>
                         </m:ctrlPr>
                       </m:funcPr>
                       <m:fName>
+                        <m:func>
+                          <m:funcPr>
+                            <m:ctrlPr>
+                              <a:rPr lang="en-GB" sz="1600" b="0" i="1" smtClean="0">
+                                <a:latin typeface="Cambria Math" panose="02040503050406030204" pitchFamily="18" charset="0"/>
+                              </a:rPr>
+                            </m:ctrlPr>
+                          </m:funcPr>
+                          <m:fName>
+                            <m:r>
+                              <m:rPr>
+                                <m:sty m:val="p"/>
+                              </m:rPr>
+                              <a:rPr lang="en-GB" sz="1600" b="0" i="0" smtClean="0">
+                                <a:latin typeface="Cambria Math" panose="02040503050406030204" pitchFamily="18" charset="0"/>
+                              </a:rPr>
+                              <m:t>log</m:t>
+                            </m:r>
+                          </m:fName>
+                          <m:e>
+                            <m:f>
+                              <m:fPr>
+                                <m:ctrlPr>
+                                  <a:rPr lang="en-GB" sz="1600" b="0" i="1" smtClean="0">
+                                    <a:latin typeface="Cambria Math" panose="02040503050406030204" pitchFamily="18" charset="0"/>
+                                  </a:rPr>
+                                </m:ctrlPr>
+                              </m:fPr>
+                              <m:num>
+                                <m:sSub>
+                                  <m:sSubPr>
+                                    <m:ctrlPr>
+                                      <a:rPr lang="en-GB" sz="1600" b="0" i="1" smtClean="0">
+                                        <a:latin typeface="Cambria Math" panose="02040503050406030204" pitchFamily="18" charset="0"/>
+                                      </a:rPr>
+                                    </m:ctrlPr>
+                                  </m:sSubPr>
+                                  <m:e>
+                                    <m:r>
+                                      <a:rPr lang="en-GB" sz="1600" b="0" i="1" smtClean="0">
+                                        <a:latin typeface="Cambria Math" panose="02040503050406030204" pitchFamily="18" charset="0"/>
+                                      </a:rPr>
+                                      <m:t>𝑝</m:t>
+                                    </m:r>
+                                  </m:e>
+                                  <m:sub>
+                                    <m:r>
+                                      <a:rPr lang="en-GB" sz="1600" b="0" i="1" smtClean="0">
+                                        <a:latin typeface="Cambria Math" panose="02040503050406030204" pitchFamily="18" charset="0"/>
+                                      </a:rPr>
+                                      <m:t>𝑔𝑟𝑜𝑢𝑝</m:t>
+                                    </m:r>
+                                  </m:sub>
+                                </m:sSub>
+                              </m:num>
+                              <m:den>
+                                <m:r>
+                                  <a:rPr lang="en-GB" sz="1600" b="0" i="1" smtClean="0">
+                                    <a:latin typeface="Cambria Math" panose="02040503050406030204" pitchFamily="18" charset="0"/>
+                                  </a:rPr>
+                                  <m:t>1 − </m:t>
+                                </m:r>
+                                <m:sSub>
+                                  <m:sSubPr>
+                                    <m:ctrlPr>
+                                      <a:rPr lang="en-GB" sz="1600" b="0" i="1" smtClean="0">
+                                        <a:latin typeface="Cambria Math" panose="02040503050406030204" pitchFamily="18" charset="0"/>
+                                      </a:rPr>
+                                    </m:ctrlPr>
+                                  </m:sSubPr>
+                                  <m:e>
+                                    <m:r>
+                                      <a:rPr lang="en-GB" sz="1600" b="0" i="1" smtClean="0">
+                                        <a:latin typeface="Cambria Math" panose="02040503050406030204" pitchFamily="18" charset="0"/>
+                                      </a:rPr>
+                                      <m:t>𝑝</m:t>
+                                    </m:r>
+                                  </m:e>
+                                  <m:sub>
+                                    <m:r>
+                                      <a:rPr lang="en-GB" sz="1600" b="0" i="1" smtClean="0">
+                                        <a:latin typeface="Cambria Math" panose="02040503050406030204" pitchFamily="18" charset="0"/>
+                                      </a:rPr>
+                                      <m:t>𝑔𝑟𝑜𝑢𝑝</m:t>
+                                    </m:r>
+                                  </m:sub>
+                                </m:sSub>
+                              </m:den>
+                            </m:f>
+                          </m:e>
+                        </m:func>
+                        <m:r>
+                          <a:rPr lang="en-GB" sz="1600" b="0" i="0" smtClean="0">
+                            <a:latin typeface="Cambria Math" panose="02040503050406030204" pitchFamily="18" charset="0"/>
+                          </a:rPr>
+                          <m:t>− </m:t>
+                        </m:r>
                         <m:r>
                           <m:rPr>
                             <m:sty m:val="p"/>
                           </m:rPr>
-                          <a:rPr lang="en-GB" b="0" i="0" smtClean="0">
+                          <a:rPr lang="en-GB" sz="1600" b="0" i="0" smtClean="0">
                             <a:latin typeface="Cambria Math" panose="02040503050406030204" pitchFamily="18" charset="0"/>
                           </a:rPr>
                           <m:t>log</m:t>
@@ -5950,7 +6583,7 @@
                         <m:f>
                           <m:fPr>
                             <m:ctrlPr>
-                              <a:rPr lang="en-GB" b="0" i="1" smtClean="0">
+                              <a:rPr lang="en-GB" sz="1600" b="0" i="1" smtClean="0">
                                 <a:latin typeface="Cambria Math" panose="02040503050406030204" pitchFamily="18" charset="0"/>
                               </a:rPr>
                             </m:ctrlPr>
@@ -5959,14 +6592,14 @@
                             <m:sSub>
                               <m:sSubPr>
                                 <m:ctrlPr>
-                                  <a:rPr lang="en-GB" b="0" i="1" smtClean="0">
+                                  <a:rPr lang="en-GB" sz="1600" b="0" i="1" smtClean="0">
                                     <a:latin typeface="Cambria Math" panose="02040503050406030204" pitchFamily="18" charset="0"/>
                                   </a:rPr>
                                 </m:ctrlPr>
                               </m:sSubPr>
                               <m:e>
                                 <m:r>
-                                  <a:rPr lang="en-GB" b="0" i="1" smtClean="0">
+                                  <a:rPr lang="en-GB" sz="1600" b="0" i="1" smtClean="0">
                                     <a:latin typeface="Cambria Math" panose="02040503050406030204" pitchFamily="18" charset="0"/>
                                   </a:rPr>
                                   <m:t>𝑝</m:t>
@@ -5974,7 +6607,7 @@
                               </m:e>
                               <m:sub>
                                 <m:r>
-                                  <a:rPr lang="en-GB" b="0" i="1" smtClean="0">
+                                  <a:rPr lang="en-GB" sz="1600" b="0" i="1" smtClean="0">
                                     <a:latin typeface="Cambria Math" panose="02040503050406030204" pitchFamily="18" charset="0"/>
                                   </a:rPr>
                                   <m:t>𝑝𝑜𝑝𝑢𝑙𝑎𝑡𝑖𝑜𝑛</m:t>
@@ -5984,7 +6617,7 @@
                           </m:num>
                           <m:den>
                             <m:r>
-                              <a:rPr lang="en-GB" b="0" i="1" smtClean="0">
+                              <a:rPr lang="en-GB" sz="1600" b="0" i="1" smtClean="0">
                                 <a:latin typeface="Cambria Math" panose="02040503050406030204" pitchFamily="18" charset="0"/>
                               </a:rPr>
                               <m:t>1 − </m:t>
@@ -5992,14 +6625,14 @@
                             <m:sSub>
                               <m:sSubPr>
                                 <m:ctrlPr>
-                                  <a:rPr lang="en-GB" b="0" i="1" smtClean="0">
+                                  <a:rPr lang="en-GB" sz="1600" b="0" i="1" smtClean="0">
                                     <a:latin typeface="Cambria Math" panose="02040503050406030204" pitchFamily="18" charset="0"/>
                                   </a:rPr>
                                 </m:ctrlPr>
                               </m:sSubPr>
                               <m:e>
                                 <m:r>
-                                  <a:rPr lang="en-GB" b="0" i="1" smtClean="0">
+                                  <a:rPr lang="en-GB" sz="1600" b="0" i="1" smtClean="0">
                                     <a:latin typeface="Cambria Math" panose="02040503050406030204" pitchFamily="18" charset="0"/>
                                   </a:rPr>
                                   <m:t>𝑝</m:t>
@@ -6007,7 +6640,7 @@
                               </m:e>
                               <m:sub>
                                 <m:r>
-                                  <a:rPr lang="en-GB" b="0" i="1" smtClean="0">
+                                  <a:rPr lang="en-GB" sz="1600" b="0" i="1" smtClean="0">
                                     <a:latin typeface="Cambria Math" panose="02040503050406030204" pitchFamily="18" charset="0"/>
                                   </a:rPr>
                                   <m:t>𝑝𝑜𝑝𝑢𝑙𝑎𝑡𝑖𝑜𝑛</m:t>
@@ -6020,35 +6653,39 @@
                     </m:func>
                   </m:oMath>
                 </a14:m>
-                <a:endParaRPr lang="en-GB" dirty="0"/>
+                <a:endParaRPr lang="en-GB" sz="1600" dirty="0"/>
+              </a:p>
+              <a:p>
+                <a:pPr lvl="1"/>
+                <a:endParaRPr lang="en-GB" b="1" dirty="0"/>
               </a:p>
               <a:p>
                 <a:pPr lvl="1"/>
                 <a:r>
-                  <a:rPr lang="en-GB" dirty="0"/>
-                  <a:t>Standard scaler - </a:t>
+                  <a:rPr lang="en-GB" b="1" dirty="0"/>
+                  <a:t>Standard scaler </a:t>
                 </a:r>
                 <a14:m>
                   <m:oMath xmlns:m="http://schemas.openxmlformats.org/officeDocument/2006/math">
                     <m:sSub>
                       <m:sSubPr>
                         <m:ctrlPr>
-                          <a:rPr lang="en-GB" b="0" i="1" smtClean="0">
+                          <a:rPr lang="en-GB" sz="1600" b="0" i="1" smtClean="0">
                             <a:latin typeface="Cambria Math" panose="02040503050406030204" pitchFamily="18" charset="0"/>
                           </a:rPr>
                         </m:ctrlPr>
                       </m:sSubPr>
                       <m:e>
                         <m:r>
-                          <a:rPr lang="en-GB" b="0" i="1" smtClean="0">
+                          <a:rPr lang="en-GB" sz="1600" b="0" i="1" smtClean="0">
                             <a:latin typeface="Cambria Math" panose="02040503050406030204" pitchFamily="18" charset="0"/>
                           </a:rPr>
-                          <m:t>𝑍</m:t>
+                          <m:t>𝑋</m:t>
                         </m:r>
                       </m:e>
                       <m:sub>
                         <m:r>
-                          <a:rPr lang="en-GB" b="0" i="1" smtClean="0">
+                          <a:rPr lang="en-GB" sz="1600" b="0" i="1" smtClean="0">
                             <a:latin typeface="Cambria Math" panose="02040503050406030204" pitchFamily="18" charset="0"/>
                           </a:rPr>
                           <m:t>𝑊𝑜𝑒</m:t>
@@ -6056,7 +6693,7 @@
                       </m:sub>
                     </m:sSub>
                     <m:r>
-                      <a:rPr lang="en-GB" b="0" i="1" smtClean="0">
+                      <a:rPr lang="en-GB" sz="1600" b="0" i="1" smtClean="0">
                         <a:latin typeface="Cambria Math" panose="02040503050406030204" pitchFamily="18" charset="0"/>
                       </a:rPr>
                       <m:t>=</m:t>
@@ -6064,7 +6701,7 @@
                     <m:f>
                       <m:fPr>
                         <m:ctrlPr>
-                          <a:rPr lang="en-US" i="1" dirty="0" smtClean="0">
+                          <a:rPr lang="en-US" sz="1600" i="1" dirty="0" smtClean="0">
                             <a:latin typeface="Cambria Math" panose="02040503050406030204" pitchFamily="18" charset="0"/>
                           </a:rPr>
                         </m:ctrlPr>
@@ -6073,14 +6710,14 @@
                         <m:sSub>
                           <m:sSubPr>
                             <m:ctrlPr>
-                              <a:rPr lang="en-US" i="1" smtClean="0">
+                              <a:rPr lang="en-US" sz="1600" i="1" smtClean="0">
                                 <a:latin typeface="Cambria Math" panose="02040503050406030204" pitchFamily="18" charset="0"/>
                               </a:rPr>
                             </m:ctrlPr>
                           </m:sSubPr>
                           <m:e>
                             <m:r>
-                              <a:rPr lang="en-GB" b="0" i="1" smtClean="0">
+                              <a:rPr lang="en-GB" sz="1600" b="0" i="1" smtClean="0">
                                 <a:latin typeface="Cambria Math" panose="02040503050406030204" pitchFamily="18" charset="0"/>
                               </a:rPr>
                               <m:t>𝑋</m:t>
@@ -6088,13 +6725,13 @@
                           </m:e>
                           <m:sub>
                             <m:r>
-                              <a:rPr lang="en-GB" b="0" i="1" smtClean="0">
+                              <a:rPr lang="en-GB" sz="1600" b="0" i="1" smtClean="0">
                                 <a:latin typeface="Cambria Math" panose="02040503050406030204" pitchFamily="18" charset="0"/>
                               </a:rPr>
-                              <m:t>𝑊𝑜𝑒</m:t>
+                              <m:t>𝑙𝑜𝑔𝑖𝑡</m:t>
                             </m:r>
                             <m:r>
-                              <a:rPr lang="en-GB" b="0" i="1" smtClean="0">
+                              <a:rPr lang="en-GB" sz="1600" b="0" i="1" smtClean="0">
                                 <a:latin typeface="Cambria Math" panose="02040503050406030204" pitchFamily="18" charset="0"/>
                               </a:rPr>
                               <m:t>  </m:t>
@@ -6102,7 +6739,7 @@
                           </m:sub>
                         </m:sSub>
                         <m:r>
-                          <a:rPr lang="en-GB" b="0" i="1" smtClean="0">
+                          <a:rPr lang="en-GB" sz="1600" b="0" i="1" smtClean="0">
                             <a:latin typeface="Cambria Math" panose="02040503050406030204" pitchFamily="18" charset="0"/>
                           </a:rPr>
                           <m:t>− </m:t>
@@ -6110,7 +6747,7 @@
                         <m:sSub>
                           <m:sSubPr>
                             <m:ctrlPr>
-                              <a:rPr lang="en-GB" b="0" i="1" smtClean="0">
+                              <a:rPr lang="en-GB" sz="1600" b="0" i="1" smtClean="0">
                                 <a:latin typeface="Cambria Math" panose="02040503050406030204" pitchFamily="18" charset="0"/>
                               </a:rPr>
                             </m:ctrlPr>
@@ -6120,14 +6757,14 @@
                               <m:accPr>
                                 <m:chr m:val="̅"/>
                                 <m:ctrlPr>
-                                  <a:rPr lang="en-GB" b="0" i="1" smtClean="0">
+                                  <a:rPr lang="en-GB" sz="1600" b="0" i="1" smtClean="0">
                                     <a:latin typeface="Cambria Math" panose="02040503050406030204" pitchFamily="18" charset="0"/>
                                   </a:rPr>
                                 </m:ctrlPr>
                               </m:accPr>
                               <m:e>
                                 <m:r>
-                                  <a:rPr lang="en-GB" b="0" i="1" smtClean="0">
+                                  <a:rPr lang="en-GB" sz="1600" b="0" i="1" smtClean="0">
                                     <a:latin typeface="Cambria Math" panose="02040503050406030204" pitchFamily="18" charset="0"/>
                                   </a:rPr>
                                   <m:t>𝑋</m:t>
@@ -6137,10 +6774,10 @@
                           </m:e>
                           <m:sub>
                             <m:r>
-                              <a:rPr lang="en-GB" b="0" i="1" smtClean="0">
+                              <a:rPr lang="en-GB" sz="1600" b="0" i="1" smtClean="0">
                                 <a:latin typeface="Cambria Math" panose="02040503050406030204" pitchFamily="18" charset="0"/>
                               </a:rPr>
-                              <m:t>𝑊𝑜𝑒</m:t>
+                              <m:t>𝑙𝑜𝑔𝑖𝑡</m:t>
                             </m:r>
                           </m:sub>
                         </m:sSub>
@@ -6148,7 +6785,7 @@
                           <m:rPr>
                             <m:nor/>
                           </m:rPr>
-                          <a:rPr lang="en-US" dirty="0"/>
+                          <a:rPr lang="en-US" sz="1600" dirty="0"/>
                           <m:t> </m:t>
                         </m:r>
                       </m:num>
@@ -6156,21 +6793,21 @@
                         <m:sSub>
                           <m:sSubPr>
                             <m:ctrlPr>
-                              <a:rPr lang="en-GB" b="0" i="1" smtClean="0">
+                              <a:rPr lang="en-GB" sz="1600" b="0" i="1" smtClean="0">
                                 <a:latin typeface="Cambria Math" panose="02040503050406030204" pitchFamily="18" charset="0"/>
                               </a:rPr>
                             </m:ctrlPr>
                           </m:sSubPr>
                           <m:e>
                             <m:r>
-                              <a:rPr lang="en-GB" b="0" i="1" smtClean="0">
+                              <a:rPr lang="en-GB" sz="1600" b="0" i="1" smtClean="0">
                                 <a:latin typeface="Cambria Math" panose="02040503050406030204" pitchFamily="18" charset="0"/>
                                 <a:ea typeface="Cambria Math" panose="02040503050406030204" pitchFamily="18" charset="0"/>
                               </a:rPr>
                               <m:t>𝜎</m:t>
                             </m:r>
                             <m:r>
-                              <a:rPr lang="en-GB" b="0" i="1" smtClean="0">
+                              <a:rPr lang="en-GB" sz="1600" b="0" i="1" smtClean="0">
                                 <a:latin typeface="Cambria Math" panose="02040503050406030204" pitchFamily="18" charset="0"/>
                               </a:rPr>
                               <m:t>𝑋</m:t>
@@ -6178,10 +6815,10 @@
                           </m:e>
                           <m:sub>
                             <m:r>
-                              <a:rPr lang="en-GB" b="0" i="1" smtClean="0">
+                              <a:rPr lang="en-GB" sz="1600" b="0" i="1" smtClean="0">
                                 <a:latin typeface="Cambria Math" panose="02040503050406030204" pitchFamily="18" charset="0"/>
                               </a:rPr>
-                              <m:t>𝑊𝑜𝑒</m:t>
+                              <m:t>𝑙𝑜𝑔𝑖𝑡</m:t>
                             </m:r>
                           </m:sub>
                         </m:sSub>
@@ -6189,12 +6826,12 @@
                     </m:f>
                   </m:oMath>
                 </a14:m>
-                <a:endParaRPr lang="en-US" dirty="0"/>
+                <a:endParaRPr lang="en-US" sz="1600" dirty="0"/>
               </a:p>
             </p:txBody>
           </p:sp>
         </mc:Choice>
-        <mc:Fallback>
+        <mc:Fallback xmlns="">
           <p:sp>
             <p:nvSpPr>
               <p:cNvPr id="3" name="Content Placeholder 2">
@@ -6219,7 +6856,7 @@
               <a:blipFill>
                 <a:blip r:embed="rId2"/>
                 <a:stretch>
-                  <a:fillRect l="-1208" t="-2326"/>
+                  <a:fillRect l="-1449" t="-2035"/>
                 </a:stretch>
               </a:blipFill>
             </p:spPr>
@@ -6240,10 +6877,10 @@
       </mc:AlternateContent>
       <p:graphicFrame>
         <p:nvGraphicFramePr>
-          <p:cNvPr id="4" name="Table 3">
-            <a:extLst>
-              <a:ext uri="{FF2B5EF4-FFF2-40B4-BE49-F238E27FC236}">
-                <a16:creationId xmlns:a16="http://schemas.microsoft.com/office/drawing/2014/main" id="{202C0063-14B4-1642-A6DF-F6225731600C}"/>
+          <p:cNvPr id="5" name="Table 4">
+            <a:extLst>
+              <a:ext uri="{FF2B5EF4-FFF2-40B4-BE49-F238E27FC236}">
+                <a16:creationId xmlns:a16="http://schemas.microsoft.com/office/drawing/2014/main" id="{1C1343EC-F4F8-B740-8C30-858DB2B074DC}"/>
               </a:ext>
             </a:extLst>
           </p:cNvPr>
@@ -6253,670 +6890,543 @@
           <p:nvPr>
             <p:extLst>
               <p:ext uri="{D42A27DB-BD31-4B8C-83A1-F6EECF244321}">
-                <p14:modId xmlns:p14="http://schemas.microsoft.com/office/powerpoint/2010/main" val="2922410021"/>
+                <p14:modId xmlns:p14="http://schemas.microsoft.com/office/powerpoint/2010/main" val="4092160312"/>
               </p:ext>
             </p:extLst>
           </p:nvPr>
         </p:nvGraphicFramePr>
         <p:xfrm>
-          <a:off x="6096000" y="1576915"/>
-          <a:ext cx="5766860" cy="4465111"/>
+          <a:off x="6848477" y="2511424"/>
+          <a:ext cx="4702171" cy="2532065"/>
         </p:xfrm>
         <a:graphic>
           <a:graphicData uri="http://schemas.openxmlformats.org/drawingml/2006/table">
             <a:tbl>
-              <a:tblPr firstRow="1" bandRow="1">
+              <a:tblPr>
                 <a:tableStyleId>{5C22544A-7EE6-4342-B048-85BDC9FD1C3A}</a:tableStyleId>
               </a:tblPr>
               <a:tblGrid>
-                <a:gridCol w="823837">
+                <a:gridCol w="1092563">
                   <a:extLst>
                     <a:ext uri="{9D8B030D-6E8A-4147-A177-3AD203B41FA5}">
-                      <a16:colId xmlns:a16="http://schemas.microsoft.com/office/drawing/2014/main" val="708892531"/>
+                      <a16:colId xmlns:a16="http://schemas.microsoft.com/office/drawing/2014/main" val="892206813"/>
                     </a:ext>
                   </a:extLst>
                 </a:gridCol>
-                <a:gridCol w="809020">
+                <a:gridCol w="902402">
                   <a:extLst>
                     <a:ext uri="{9D8B030D-6E8A-4147-A177-3AD203B41FA5}">
-                      <a16:colId xmlns:a16="http://schemas.microsoft.com/office/drawing/2014/main" val="1739712906"/>
+                      <a16:colId xmlns:a16="http://schemas.microsoft.com/office/drawing/2014/main" val="3371359758"/>
                     </a:ext>
                   </a:extLst>
                 </a:gridCol>
-                <a:gridCol w="838655">
+                <a:gridCol w="902402">
                   <a:extLst>
                     <a:ext uri="{9D8B030D-6E8A-4147-A177-3AD203B41FA5}">
-                      <a16:colId xmlns:a16="http://schemas.microsoft.com/office/drawing/2014/main" val="4124493816"/>
+                      <a16:colId xmlns:a16="http://schemas.microsoft.com/office/drawing/2014/main" val="3634303448"/>
                     </a:ext>
                   </a:extLst>
                 </a:gridCol>
-                <a:gridCol w="823837">
+                <a:gridCol w="902402">
                   <a:extLst>
                     <a:ext uri="{9D8B030D-6E8A-4147-A177-3AD203B41FA5}">
-                      <a16:colId xmlns:a16="http://schemas.microsoft.com/office/drawing/2014/main" val="3280785828"/>
+                      <a16:colId xmlns:a16="http://schemas.microsoft.com/office/drawing/2014/main" val="297352296"/>
                     </a:ext>
                   </a:extLst>
                 </a:gridCol>
-                <a:gridCol w="823837">
+                <a:gridCol w="902402">
                   <a:extLst>
                     <a:ext uri="{9D8B030D-6E8A-4147-A177-3AD203B41FA5}">
-                      <a16:colId xmlns:a16="http://schemas.microsoft.com/office/drawing/2014/main" val="1873288642"/>
-                    </a:ext>
-                  </a:extLst>
-                </a:gridCol>
-                <a:gridCol w="823837">
-                  <a:extLst>
-                    <a:ext uri="{9D8B030D-6E8A-4147-A177-3AD203B41FA5}">
-                      <a16:colId xmlns:a16="http://schemas.microsoft.com/office/drawing/2014/main" val="2442782925"/>
-                    </a:ext>
-                  </a:extLst>
-                </a:gridCol>
-                <a:gridCol w="823837">
-                  <a:extLst>
-                    <a:ext uri="{9D8B030D-6E8A-4147-A177-3AD203B41FA5}">
-                      <a16:colId xmlns:a16="http://schemas.microsoft.com/office/drawing/2014/main" val="793337240"/>
+                      <a16:colId xmlns:a16="http://schemas.microsoft.com/office/drawing/2014/main" val="167918912"/>
                     </a:ext>
                   </a:extLst>
                 </a:gridCol>
               </a:tblGrid>
-              <a:tr h="1247459">
+              <a:tr h="799599">
                 <a:tc>
                   <a:txBody>
                     <a:bodyPr/>
                     <a:lstStyle/>
                     <a:p>
+                      <a:pPr algn="ctr" fontAlgn="ctr"/>
                       <a:r>
-                        <a:rPr lang="en-US" dirty="0"/>
-                        <a:t>Age</a:t>
+                        <a:rPr lang="en-GB" sz="1200" b="1" i="1" u="none" strike="noStrike" dirty="0">
+                          <a:effectLst/>
+                        </a:rPr>
+                        <a:t>Company Age</a:t>
                       </a:r>
+                      <a:endParaRPr lang="en-GB" sz="1200" b="1" i="1" u="none" strike="noStrike" dirty="0">
+                        <a:solidFill>
+                          <a:srgbClr val="000000"/>
+                        </a:solidFill>
+                        <a:effectLst/>
+                        <a:latin typeface="Calibri" panose="020F0502020204030204" pitchFamily="34" charset="0"/>
+                      </a:endParaRPr>
                     </a:p>
                   </a:txBody>
-                  <a:tcPr/>
+                  <a:tcPr marL="9525" marR="9525" marT="9525" marB="0" anchor="ctr"/>
                 </a:tc>
                 <a:tc>
                   <a:txBody>
                     <a:bodyPr/>
                     <a:lstStyle/>
                     <a:p>
+                      <a:pPr algn="ctr" fontAlgn="ctr"/>
                       <a:r>
-                        <a:rPr lang="en-US" dirty="0"/>
+                        <a:rPr lang="en-GB" sz="1200" b="1" i="1" u="none" strike="noStrike" dirty="0">
+                          <a:effectLst/>
+                        </a:rPr>
                         <a:t>Obs.</a:t>
                       </a:r>
+                      <a:endParaRPr lang="en-GB" sz="1200" b="1" i="1" u="none" strike="noStrike" dirty="0">
+                        <a:solidFill>
+                          <a:srgbClr val="000000"/>
+                        </a:solidFill>
+                        <a:effectLst/>
+                        <a:latin typeface="Calibri" panose="020F0502020204030204" pitchFamily="34" charset="0"/>
+                      </a:endParaRPr>
                     </a:p>
                   </a:txBody>
-                  <a:tcPr/>
+                  <a:tcPr marL="9525" marR="9525" marT="9525" marB="0" anchor="ctr"/>
                 </a:tc>
                 <a:tc>
                   <a:txBody>
                     <a:bodyPr/>
                     <a:lstStyle/>
                     <a:p>
+                      <a:pPr algn="ctr" fontAlgn="ctr"/>
                       <a:r>
-                        <a:rPr lang="en-US" dirty="0"/>
-                        <a:t>Defaults</a:t>
+                        <a:rPr lang="en-GB" sz="1200" b="1" i="1" u="none" strike="noStrike" dirty="0">
+                          <a:effectLst/>
+                        </a:rPr>
+                        <a:t>Default count</a:t>
                       </a:r>
+                      <a:endParaRPr lang="en-GB" sz="1200" b="1" i="1" u="none" strike="noStrike" dirty="0">
+                        <a:solidFill>
+                          <a:srgbClr val="000000"/>
+                        </a:solidFill>
+                        <a:effectLst/>
+                        <a:latin typeface="Calibri" panose="020F0502020204030204" pitchFamily="34" charset="0"/>
+                      </a:endParaRPr>
                     </a:p>
                   </a:txBody>
-                  <a:tcPr/>
+                  <a:tcPr marL="9525" marR="9525" marT="9525" marB="0" anchor="ctr"/>
                 </a:tc>
                 <a:tc>
                   <a:txBody>
                     <a:bodyPr/>
                     <a:lstStyle/>
                     <a:p>
+                      <a:pPr algn="ctr" fontAlgn="ctr"/>
                       <a:r>
-                        <a:rPr lang="en-US" dirty="0"/>
-                        <a:t>Default rate %</a:t>
+                        <a:rPr lang="en-GB" sz="1200" b="1" i="1" u="none" strike="noStrike" dirty="0">
+                          <a:effectLst/>
+                        </a:rPr>
+                        <a:t>Default rate</a:t>
                       </a:r>
+                      <a:endParaRPr lang="en-GB" sz="1200" b="1" i="1" u="none" strike="noStrike" dirty="0">
+                        <a:solidFill>
+                          <a:srgbClr val="000000"/>
+                        </a:solidFill>
+                        <a:effectLst/>
+                        <a:latin typeface="Calibri" panose="020F0502020204030204" pitchFamily="34" charset="0"/>
+                      </a:endParaRPr>
                     </a:p>
                   </a:txBody>
-                  <a:tcPr/>
+                  <a:tcPr marL="9525" marR="9525" marT="9525" marB="0" anchor="ctr"/>
                 </a:tc>
                 <a:tc>
                   <a:txBody>
                     <a:bodyPr/>
                     <a:lstStyle/>
                     <a:p>
+                      <a:pPr algn="ctr" fontAlgn="ctr"/>
                       <a:r>
-                        <a:rPr lang="en-US" dirty="0"/>
-                        <a:t>Odds ratio</a:t>
+                        <a:rPr lang="en-GB" sz="1200" b="1" i="1" u="none" strike="noStrike" dirty="0">
+                          <a:effectLst/>
+                        </a:rPr>
+                        <a:t>Logit default</a:t>
                       </a:r>
+                      <a:endParaRPr lang="en-GB" sz="1200" b="1" i="1" u="none" strike="noStrike" dirty="0">
+                        <a:solidFill>
+                          <a:srgbClr val="000000"/>
+                        </a:solidFill>
+                        <a:effectLst/>
+                        <a:latin typeface="Calibri" panose="020F0502020204030204" pitchFamily="34" charset="0"/>
+                      </a:endParaRPr>
                     </a:p>
                   </a:txBody>
-                  <a:tcPr/>
+                  <a:tcPr marL="9525" marR="9525" marT="9525" marB="0" anchor="ctr"/>
+                </a:tc>
+                <a:extLst>
+                  <a:ext uri="{0D108BD9-81ED-4DB2-BD59-A6C34878D82A}">
+                    <a16:rowId xmlns:a16="http://schemas.microsoft.com/office/drawing/2014/main" val="1958584861"/>
+                  </a:ext>
+                </a:extLst>
+              </a:tr>
+              <a:tr h="426453">
+                <a:tc>
+                  <a:txBody>
+                    <a:bodyPr/>
+                    <a:lstStyle/>
+                    <a:p>
+                      <a:pPr algn="ctr" fontAlgn="ctr"/>
+                      <a:r>
+                        <a:rPr lang="en-GB" sz="1200" u="none" strike="noStrike">
+                          <a:effectLst/>
+                        </a:rPr>
+                        <a:t>age &lt; 19</a:t>
+                      </a:r>
+                      <a:endParaRPr lang="en-GB" sz="1200" b="0" i="0" u="none" strike="noStrike">
+                        <a:solidFill>
+                          <a:srgbClr val="000000"/>
+                        </a:solidFill>
+                        <a:effectLst/>
+                        <a:latin typeface="Calibri" panose="020F0502020204030204" pitchFamily="34" charset="0"/>
+                      </a:endParaRPr>
+                    </a:p>
+                  </a:txBody>
+                  <a:tcPr marL="9525" marR="9525" marT="9525" marB="0" anchor="ctr"/>
                 </a:tc>
                 <a:tc>
                   <a:txBody>
                     <a:bodyPr/>
                     <a:lstStyle/>
                     <a:p>
+                      <a:pPr algn="ctr" fontAlgn="ctr"/>
                       <a:r>
-                        <a:rPr lang="en-US" dirty="0"/>
-                        <a:t>Log (Odds Ratio)</a:t>
+                        <a:rPr lang="en-GB" sz="1200" u="none" strike="noStrike">
+                          <a:effectLst/>
+                        </a:rPr>
+                        <a:t>18</a:t>
                       </a:r>
+                      <a:endParaRPr lang="en-GB" sz="1200" b="0" i="0" u="none" strike="noStrike">
+                        <a:solidFill>
+                          <a:srgbClr val="000000"/>
+                        </a:solidFill>
+                        <a:effectLst/>
+                        <a:latin typeface="Calibri" panose="020F0502020204030204" pitchFamily="34" charset="0"/>
+                      </a:endParaRPr>
                     </a:p>
                   </a:txBody>
-                  <a:tcPr/>
+                  <a:tcPr marL="9525" marR="9525" marT="9525" marB="0" anchor="ctr"/>
                 </a:tc>
                 <a:tc>
                   <a:txBody>
                     <a:bodyPr/>
                     <a:lstStyle/>
                     <a:p>
+                      <a:pPr algn="ctr" fontAlgn="ctr"/>
                       <a:r>
-                        <a:rPr lang="en-US" dirty="0"/>
-                        <a:t>Standard Scaled</a:t>
+                        <a:rPr lang="en-GB" sz="1200" u="none" strike="noStrike" dirty="0">
+                          <a:effectLst/>
+                        </a:rPr>
+                        <a:t>5</a:t>
                       </a:r>
+                      <a:endParaRPr lang="en-GB" sz="1200" b="0" i="0" u="none" strike="noStrike" dirty="0">
+                        <a:solidFill>
+                          <a:srgbClr val="000000"/>
+                        </a:solidFill>
+                        <a:effectLst/>
+                        <a:latin typeface="Calibri" panose="020F0502020204030204" pitchFamily="34" charset="0"/>
+                      </a:endParaRPr>
                     </a:p>
                   </a:txBody>
-                  <a:tcPr/>
-                </a:tc>
-                <a:extLst>
-                  <a:ext uri="{0D108BD9-81ED-4DB2-BD59-A6C34878D82A}">
-                    <a16:rowId xmlns:a16="http://schemas.microsoft.com/office/drawing/2014/main" val="3053891395"/>
-                  </a:ext>
-                </a:extLst>
-              </a:tr>
-              <a:tr h="722734">
-                <a:tc>
-                  <a:txBody>
-                    <a:bodyPr/>
-                    <a:lstStyle/>
-                    <a:p>
-                      <a:r>
-                        <a:rPr lang="en-US" dirty="0"/>
-                        <a:t>age&lt;30</a:t>
-                      </a:r>
-                    </a:p>
-                  </a:txBody>
-                  <a:tcPr/>
+                  <a:tcPr marL="9525" marR="9525" marT="9525" marB="0" anchor="ctr"/>
                 </a:tc>
                 <a:tc>
                   <a:txBody>
                     <a:bodyPr/>
                     <a:lstStyle/>
                     <a:p>
+                      <a:pPr algn="ctr" fontAlgn="ctr"/>
                       <a:r>
-                        <a:rPr lang="en-US" dirty="0"/>
-                        <a:t>106</a:t>
+                        <a:rPr lang="en-GB" sz="1200" u="none" strike="noStrike">
+                          <a:effectLst/>
+                        </a:rPr>
+                        <a:t>28%</a:t>
                       </a:r>
+                      <a:endParaRPr lang="en-GB" sz="1200" b="0" i="0" u="none" strike="noStrike">
+                        <a:solidFill>
+                          <a:srgbClr val="000000"/>
+                        </a:solidFill>
+                        <a:effectLst/>
+                        <a:latin typeface="Calibri" panose="020F0502020204030204" pitchFamily="34" charset="0"/>
+                      </a:endParaRPr>
                     </a:p>
                   </a:txBody>
-                  <a:tcPr/>
+                  <a:tcPr marL="9525" marR="9525" marT="9525" marB="0" anchor="ctr"/>
                 </a:tc>
                 <a:tc>
                   <a:txBody>
                     <a:bodyPr/>
                     <a:lstStyle/>
                     <a:p>
+                      <a:pPr algn="ctr" fontAlgn="ctr"/>
                       <a:r>
-                        <a:rPr lang="en-US" dirty="0"/>
-                        <a:t>23</a:t>
+                        <a:rPr lang="en-GB" sz="1200" u="none" strike="noStrike">
+                          <a:effectLst/>
+                        </a:rPr>
+                        <a:t>-0.956</a:t>
                       </a:r>
+                      <a:endParaRPr lang="en-GB" sz="1200" b="0" i="0" u="none" strike="noStrike">
+                        <a:solidFill>
+                          <a:srgbClr val="000000"/>
+                        </a:solidFill>
+                        <a:effectLst/>
+                        <a:latin typeface="Calibri" panose="020F0502020204030204" pitchFamily="34" charset="0"/>
+                      </a:endParaRPr>
                     </a:p>
                   </a:txBody>
-                  <a:tcPr/>
+                  <a:tcPr marL="9525" marR="9525" marT="9525" marB="0" anchor="ctr"/>
+                </a:tc>
+                <a:extLst>
+                  <a:ext uri="{0D108BD9-81ED-4DB2-BD59-A6C34878D82A}">
+                    <a16:rowId xmlns:a16="http://schemas.microsoft.com/office/drawing/2014/main" val="3803869933"/>
+                  </a:ext>
+                </a:extLst>
+              </a:tr>
+              <a:tr h="613027">
+                <a:tc>
+                  <a:txBody>
+                    <a:bodyPr/>
+                    <a:lstStyle/>
+                    <a:p>
+                      <a:pPr algn="ctr" fontAlgn="ctr"/>
+                      <a:r>
+                        <a:rPr lang="en-GB" sz="1200" u="none" strike="noStrike" dirty="0">
+                          <a:effectLst/>
+                        </a:rPr>
+                        <a:t>19 &lt;= age &lt; 79</a:t>
+                      </a:r>
+                      <a:endParaRPr lang="en-GB" sz="1200" b="0" i="0" u="none" strike="noStrike" dirty="0">
+                        <a:solidFill>
+                          <a:srgbClr val="000000"/>
+                        </a:solidFill>
+                        <a:effectLst/>
+                        <a:latin typeface="Calibri" panose="020F0502020204030204" pitchFamily="34" charset="0"/>
+                      </a:endParaRPr>
+                    </a:p>
+                  </a:txBody>
+                  <a:tcPr marL="9525" marR="9525" marT="9525" marB="0" anchor="ctr"/>
                 </a:tc>
                 <a:tc>
                   <a:txBody>
                     <a:bodyPr/>
                     <a:lstStyle/>
                     <a:p>
+                      <a:pPr algn="ctr" fontAlgn="ctr"/>
                       <a:r>
-                        <a:rPr lang="en-US" dirty="0"/>
-                        <a:t>21.7%</a:t>
+                        <a:rPr lang="en-GB" sz="1200" u="none" strike="noStrike" dirty="0">
+                          <a:effectLst/>
+                        </a:rPr>
+                        <a:t>61</a:t>
                       </a:r>
+                      <a:endParaRPr lang="en-GB" sz="1200" b="0" i="0" u="none" strike="noStrike" dirty="0">
+                        <a:solidFill>
+                          <a:srgbClr val="000000"/>
+                        </a:solidFill>
+                        <a:effectLst/>
+                        <a:latin typeface="Calibri" panose="020F0502020204030204" pitchFamily="34" charset="0"/>
+                      </a:endParaRPr>
                     </a:p>
                   </a:txBody>
-                  <a:tcPr/>
+                  <a:tcPr marL="9525" marR="9525" marT="9525" marB="0" anchor="ctr"/>
                 </a:tc>
                 <a:tc>
                   <a:txBody>
                     <a:bodyPr/>
                     <a:lstStyle/>
                     <a:p>
-                      <a:pPr marL="0" marR="0" lvl="0" indent="0" algn="l" defTabSz="914400" rtl="0" eaLnBrk="1" fontAlgn="auto" latinLnBrk="0" hangingPunct="1">
-                        <a:lnSpc>
-                          <a:spcPct val="100000"/>
-                        </a:lnSpc>
-                        <a:spcBef>
-                          <a:spcPts val="0"/>
-                        </a:spcBef>
-                        <a:spcAft>
-                          <a:spcPts val="0"/>
-                        </a:spcAft>
-                        <a:buClrTx/>
-                        <a:buSzTx/>
-                        <a:buFontTx/>
-                        <a:buNone/>
-                        <a:tabLst/>
-                        <a:defRPr/>
-                      </a:pPr>
+                      <a:pPr algn="ctr" fontAlgn="ctr"/>
                       <a:r>
-                        <a:rPr lang="en-GB" sz="1800" kern="1200" dirty="0">
-                          <a:solidFill>
-                            <a:schemeClr val="dk1"/>
-                          </a:solidFill>
+                        <a:rPr lang="en-GB" sz="1200" u="none" strike="noStrike" dirty="0">
                           <a:effectLst/>
-                          <a:latin typeface="+mn-lt"/>
-                          <a:ea typeface="+mn-ea"/>
-                          <a:cs typeface="+mn-cs"/>
                         </a:rPr>
-                        <a:t>0.2771</a:t>
+                        <a:t>50</a:t>
                       </a:r>
-                    </a:p>
-                    <a:p>
-                      <a:endParaRPr lang="en-US" dirty="0"/>
+                      <a:endParaRPr lang="en-GB" sz="1200" b="0" i="0" u="none" strike="noStrike" dirty="0">
+                        <a:solidFill>
+                          <a:srgbClr val="000000"/>
+                        </a:solidFill>
+                        <a:effectLst/>
+                        <a:latin typeface="Calibri" panose="020F0502020204030204" pitchFamily="34" charset="0"/>
+                      </a:endParaRPr>
                     </a:p>
                   </a:txBody>
-                  <a:tcPr/>
+                  <a:tcPr marL="9525" marR="9525" marT="9525" marB="0" anchor="ctr"/>
                 </a:tc>
                 <a:tc>
                   <a:txBody>
                     <a:bodyPr/>
                     <a:lstStyle/>
                     <a:p>
-                      <a:pPr marL="0" marR="0" lvl="0" indent="0" algn="l" defTabSz="914400" rtl="0" eaLnBrk="1" fontAlgn="auto" latinLnBrk="0" hangingPunct="1">
-                        <a:lnSpc>
-                          <a:spcPct val="100000"/>
-                        </a:lnSpc>
-                        <a:spcBef>
-                          <a:spcPts val="0"/>
-                        </a:spcBef>
-                        <a:spcAft>
-                          <a:spcPts val="0"/>
-                        </a:spcAft>
-                        <a:buClrTx/>
-                        <a:buSzTx/>
-                        <a:buFontTx/>
-                        <a:buNone/>
-                        <a:tabLst/>
-                        <a:defRPr/>
-                      </a:pPr>
+                      <a:pPr algn="ctr" fontAlgn="ctr"/>
                       <a:r>
-                        <a:rPr lang="en-GB" sz="1800" kern="1200" dirty="0">
-                          <a:solidFill>
-                            <a:schemeClr val="dk1"/>
-                          </a:solidFill>
+                        <a:rPr lang="en-GB" sz="1200" u="none" strike="noStrike" dirty="0">
                           <a:effectLst/>
-                          <a:latin typeface="+mn-lt"/>
-                          <a:ea typeface="+mn-ea"/>
-                          <a:cs typeface="+mn-cs"/>
                         </a:rPr>
-                        <a:t> -1.283</a:t>
+                        <a:t>82%</a:t>
                       </a:r>
+                      <a:endParaRPr lang="en-GB" sz="1200" b="0" i="0" u="none" strike="noStrike" dirty="0">
+                        <a:solidFill>
+                          <a:srgbClr val="000000"/>
+                        </a:solidFill>
+                        <a:effectLst/>
+                        <a:latin typeface="Calibri" panose="020F0502020204030204" pitchFamily="34" charset="0"/>
+                      </a:endParaRPr>
                     </a:p>
                   </a:txBody>
-                  <a:tcPr/>
+                  <a:tcPr marL="9525" marR="9525" marT="9525" marB="0" anchor="ctr"/>
                 </a:tc>
                 <a:tc>
                   <a:txBody>
                     <a:bodyPr/>
                     <a:lstStyle/>
                     <a:p>
-                      <a:pPr marL="0" marR="0" lvl="0" indent="0" algn="l" defTabSz="914400" rtl="0" eaLnBrk="1" fontAlgn="auto" latinLnBrk="0" hangingPunct="1">
-                        <a:lnSpc>
-                          <a:spcPct val="100000"/>
-                        </a:lnSpc>
-                        <a:spcBef>
-                          <a:spcPts val="0"/>
-                        </a:spcBef>
-                        <a:spcAft>
-                          <a:spcPts val="0"/>
-                        </a:spcAft>
-                        <a:buClrTx/>
-                        <a:buSzTx/>
-                        <a:buFontTx/>
-                        <a:buNone/>
-                        <a:tabLst/>
-                        <a:defRPr/>
-                      </a:pPr>
-                      <a:endParaRPr lang="en-GB" sz="1800" kern="1200" dirty="0">
+                      <a:pPr algn="ctr" fontAlgn="ctr"/>
+                      <a:r>
+                        <a:rPr lang="en-GB" sz="1200" u="none" strike="noStrike">
+                          <a:effectLst/>
+                        </a:rPr>
+                        <a:t>1.514</a:t>
+                      </a:r>
+                      <a:endParaRPr lang="en-GB" sz="1200" b="0" i="0" u="none" strike="noStrike">
                         <a:solidFill>
-                          <a:schemeClr val="dk1"/>
+                          <a:srgbClr val="000000"/>
                         </a:solidFill>
                         <a:effectLst/>
-                        <a:latin typeface="+mn-lt"/>
-                        <a:ea typeface="+mn-ea"/>
-                        <a:cs typeface="+mn-cs"/>
+                        <a:latin typeface="Calibri" panose="020F0502020204030204" pitchFamily="34" charset="0"/>
                       </a:endParaRPr>
                     </a:p>
                   </a:txBody>
-                  <a:tcPr/>
+                  <a:tcPr marL="9525" marR="9525" marT="9525" marB="0" anchor="ctr"/>
                 </a:tc>
                 <a:extLst>
                   <a:ext uri="{0D108BD9-81ED-4DB2-BD59-A6C34878D82A}">
-                    <a16:rowId xmlns:a16="http://schemas.microsoft.com/office/drawing/2014/main" val="2587362528"/>
+                    <a16:rowId xmlns:a16="http://schemas.microsoft.com/office/drawing/2014/main" val="151037885"/>
                   </a:ext>
                 </a:extLst>
               </a:tr>
-              <a:tr h="1247459">
+              <a:tr h="692986">
                 <a:tc>
                   <a:txBody>
                     <a:bodyPr/>
                     <a:lstStyle/>
                     <a:p>
+                      <a:pPr algn="ctr" fontAlgn="ctr"/>
                       <a:r>
-                        <a:rPr lang="en-US" dirty="0"/>
-                        <a:t>30 &lt;= age &lt; 78</a:t>
+                        <a:rPr lang="en-GB" sz="1200" u="none" strike="noStrike">
+                          <a:effectLst/>
+                        </a:rPr>
+                        <a:t>age &gt;= 79</a:t>
                       </a:r>
+                      <a:endParaRPr lang="en-GB" sz="1200" b="0" i="0" u="none" strike="noStrike">
+                        <a:solidFill>
+                          <a:srgbClr val="000000"/>
+                        </a:solidFill>
+                        <a:effectLst/>
+                        <a:latin typeface="Calibri" panose="020F0502020204030204" pitchFamily="34" charset="0"/>
+                      </a:endParaRPr>
                     </a:p>
                   </a:txBody>
-                  <a:tcPr/>
+                  <a:tcPr marL="9525" marR="9525" marT="9525" marB="0" anchor="ctr"/>
                 </a:tc>
                 <a:tc>
                   <a:txBody>
                     <a:bodyPr/>
                     <a:lstStyle/>
                     <a:p>
+                      <a:pPr algn="ctr" fontAlgn="ctr"/>
                       <a:r>
-                        <a:rPr lang="en-US" dirty="0"/>
-                        <a:t>212</a:t>
+                        <a:rPr lang="en-GB" sz="1200" u="none" strike="noStrike">
+                          <a:effectLst/>
+                        </a:rPr>
+                        <a:t>21</a:t>
                       </a:r>
+                      <a:endParaRPr lang="en-GB" sz="1200" b="0" i="0" u="none" strike="noStrike">
+                        <a:solidFill>
+                          <a:srgbClr val="000000"/>
+                        </a:solidFill>
+                        <a:effectLst/>
+                        <a:latin typeface="Calibri" panose="020F0502020204030204" pitchFamily="34" charset="0"/>
+                      </a:endParaRPr>
                     </a:p>
                   </a:txBody>
-                  <a:tcPr/>
+                  <a:tcPr marL="9525" marR="9525" marT="9525" marB="0" anchor="ctr"/>
                 </a:tc>
                 <a:tc>
                   <a:txBody>
                     <a:bodyPr/>
                     <a:lstStyle/>
                     <a:p>
+                      <a:pPr algn="ctr" fontAlgn="ctr"/>
                       <a:r>
-                        <a:rPr lang="en-US" dirty="0"/>
-                        <a:t>166</a:t>
+                        <a:rPr lang="en-GB" sz="1200" u="none" strike="noStrike">
+                          <a:effectLst/>
+                        </a:rPr>
+                        <a:t>7</a:t>
                       </a:r>
+                      <a:endParaRPr lang="en-GB" sz="1200" b="0" i="0" u="none" strike="noStrike">
+                        <a:solidFill>
+                          <a:srgbClr val="000000"/>
+                        </a:solidFill>
+                        <a:effectLst/>
+                        <a:latin typeface="Calibri" panose="020F0502020204030204" pitchFamily="34" charset="0"/>
+                      </a:endParaRPr>
                     </a:p>
                   </a:txBody>
-                  <a:tcPr/>
+                  <a:tcPr marL="9525" marR="9525" marT="9525" marB="0" anchor="ctr"/>
                 </a:tc>
                 <a:tc>
                   <a:txBody>
                     <a:bodyPr/>
                     <a:lstStyle/>
                     <a:p>
+                      <a:pPr algn="ctr" fontAlgn="ctr"/>
                       <a:r>
-                        <a:rPr lang="en-US" dirty="0"/>
-                        <a:t>78.3%</a:t>
+                        <a:rPr lang="en-GB" sz="1200" u="none" strike="noStrike">
+                          <a:effectLst/>
+                        </a:rPr>
+                        <a:t>33%</a:t>
                       </a:r>
+                      <a:endParaRPr lang="en-GB" sz="1200" b="0" i="0" u="none" strike="noStrike">
+                        <a:solidFill>
+                          <a:srgbClr val="000000"/>
+                        </a:solidFill>
+                        <a:effectLst/>
+                        <a:latin typeface="Calibri" panose="020F0502020204030204" pitchFamily="34" charset="0"/>
+                      </a:endParaRPr>
                     </a:p>
                   </a:txBody>
-                  <a:tcPr/>
+                  <a:tcPr marL="9525" marR="9525" marT="9525" marB="0" anchor="ctr"/>
                 </a:tc>
                 <a:tc>
                   <a:txBody>
                     <a:bodyPr/>
                     <a:lstStyle/>
                     <a:p>
-                      <a:pPr marL="0" marR="0" lvl="0" indent="0" algn="l" defTabSz="914400" rtl="0" eaLnBrk="1" fontAlgn="auto" latinLnBrk="0" hangingPunct="1">
-                        <a:lnSpc>
-                          <a:spcPct val="100000"/>
-                        </a:lnSpc>
-                        <a:spcBef>
-                          <a:spcPts val="0"/>
-                        </a:spcBef>
-                        <a:spcAft>
-                          <a:spcPts val="0"/>
-                        </a:spcAft>
-                        <a:buClrTx/>
-                        <a:buSzTx/>
-                        <a:buFontTx/>
-                        <a:buNone/>
-                        <a:tabLst/>
-                        <a:defRPr/>
-                      </a:pPr>
+                      <a:pPr algn="ctr" fontAlgn="ctr"/>
                       <a:r>
-                        <a:rPr lang="en-GB" sz="1800" kern="1200" dirty="0">
-                          <a:solidFill>
-                            <a:schemeClr val="dk1"/>
-                          </a:solidFill>
+                        <a:rPr lang="en-GB" sz="1200" u="none" strike="noStrike" dirty="0">
                           <a:effectLst/>
-                          <a:latin typeface="+mn-lt"/>
-                          <a:ea typeface="+mn-ea"/>
-                          <a:cs typeface="+mn-cs"/>
                         </a:rPr>
-                        <a:t>3.609</a:t>
+                        <a:t>-0.693</a:t>
                       </a:r>
-                    </a:p>
-                    <a:p>
-                      <a:endParaRPr lang="en-US" dirty="0"/>
+                      <a:endParaRPr lang="en-GB" sz="1200" b="0" i="0" u="none" strike="noStrike" dirty="0">
+                        <a:solidFill>
+                          <a:srgbClr val="000000"/>
+                        </a:solidFill>
+                        <a:effectLst/>
+                        <a:latin typeface="Calibri" panose="020F0502020204030204" pitchFamily="34" charset="0"/>
+                      </a:endParaRPr>
                     </a:p>
                   </a:txBody>
-                  <a:tcPr/>
-                </a:tc>
-                <a:tc>
-                  <a:txBody>
-                    <a:bodyPr/>
-                    <a:lstStyle/>
-                    <a:p>
-                      <a:pPr marL="0" marR="0" lvl="0" indent="0" algn="l" defTabSz="914400" rtl="0" eaLnBrk="1" fontAlgn="auto" latinLnBrk="0" hangingPunct="1">
-                        <a:lnSpc>
-                          <a:spcPct val="100000"/>
-                        </a:lnSpc>
-                        <a:spcBef>
-                          <a:spcPts val="0"/>
-                        </a:spcBef>
-                        <a:spcAft>
-                          <a:spcPts val="0"/>
-                        </a:spcAft>
-                        <a:buClrTx/>
-                        <a:buSzTx/>
-                        <a:buFontTx/>
-                        <a:buNone/>
-                        <a:tabLst/>
-                        <a:defRPr/>
-                      </a:pPr>
-                      <a:r>
-                        <a:rPr lang="en-GB" sz="1800" kern="1200" dirty="0">
-                          <a:solidFill>
-                            <a:schemeClr val="dk1"/>
-                          </a:solidFill>
-                          <a:effectLst/>
-                          <a:latin typeface="+mn-lt"/>
-                          <a:ea typeface="+mn-ea"/>
-                          <a:cs typeface="+mn-cs"/>
-                        </a:rPr>
-                        <a:t>1.283</a:t>
-                      </a:r>
-                    </a:p>
-                    <a:p>
-                      <a:endParaRPr lang="en-US" dirty="0"/>
-                    </a:p>
-                  </a:txBody>
-                  <a:tcPr/>
-                </a:tc>
-                <a:tc>
-                  <a:txBody>
-                    <a:bodyPr/>
-                    <a:lstStyle/>
-                    <a:p>
-                      <a:endParaRPr lang="en-US" dirty="0"/>
-                    </a:p>
-                  </a:txBody>
-                  <a:tcPr/>
+                  <a:tcPr marL="9525" marR="9525" marT="9525" marB="0" anchor="ctr"/>
                 </a:tc>
                 <a:extLst>
                   <a:ext uri="{0D108BD9-81ED-4DB2-BD59-A6C34878D82A}">
-                    <a16:rowId xmlns:a16="http://schemas.microsoft.com/office/drawing/2014/main" val="4113089716"/>
-                  </a:ext>
-                </a:extLst>
-              </a:tr>
-              <a:tr h="1247459">
-                <a:tc>
-                  <a:txBody>
-                    <a:bodyPr/>
-                    <a:lstStyle/>
-                    <a:p>
-                      <a:r>
-                        <a:rPr lang="en-US" dirty="0"/>
-                        <a:t>Age &gt;= 78</a:t>
-                      </a:r>
-                    </a:p>
-                  </a:txBody>
-                  <a:tcPr/>
-                </a:tc>
-                <a:tc>
-                  <a:txBody>
-                    <a:bodyPr/>
-                    <a:lstStyle/>
-                    <a:p>
-                      <a:r>
-                        <a:rPr lang="en-US" dirty="0"/>
-                        <a:t>480</a:t>
-                      </a:r>
-                    </a:p>
-                  </a:txBody>
-                  <a:tcPr/>
-                </a:tc>
-                <a:tc>
-                  <a:txBody>
-                    <a:bodyPr/>
-                    <a:lstStyle/>
-                    <a:p>
-                      <a:r>
-                        <a:rPr lang="en-US" dirty="0"/>
-                        <a:t>95</a:t>
-                      </a:r>
-                    </a:p>
-                  </a:txBody>
-                  <a:tcPr/>
-                </a:tc>
-                <a:tc>
-                  <a:txBody>
-                    <a:bodyPr/>
-                    <a:lstStyle/>
-                    <a:p>
-                      <a:pPr marL="0" marR="0" lvl="0" indent="0" algn="l" defTabSz="914400" rtl="0" eaLnBrk="1" fontAlgn="auto" latinLnBrk="0" hangingPunct="1">
-                        <a:lnSpc>
-                          <a:spcPct val="100000"/>
-                        </a:lnSpc>
-                        <a:spcBef>
-                          <a:spcPts val="0"/>
-                        </a:spcBef>
-                        <a:spcAft>
-                          <a:spcPts val="0"/>
-                        </a:spcAft>
-                        <a:buClrTx/>
-                        <a:buSzTx/>
-                        <a:buFontTx/>
-                        <a:buNone/>
-                        <a:tabLst/>
-                        <a:defRPr/>
-                      </a:pPr>
-                      <a:r>
-                        <a:rPr lang="en-GB" sz="1800" kern="1200" dirty="0">
-                          <a:solidFill>
-                            <a:schemeClr val="dk1"/>
-                          </a:solidFill>
-                          <a:effectLst/>
-                          <a:latin typeface="+mn-lt"/>
-                          <a:ea typeface="+mn-ea"/>
-                          <a:cs typeface="+mn-cs"/>
-                        </a:rPr>
-                        <a:t>19.8%</a:t>
-                      </a:r>
-                    </a:p>
-                    <a:p>
-                      <a:endParaRPr lang="en-US" dirty="0"/>
-                    </a:p>
-                  </a:txBody>
-                  <a:tcPr/>
-                </a:tc>
-                <a:tc>
-                  <a:txBody>
-                    <a:bodyPr/>
-                    <a:lstStyle/>
-                    <a:p>
-                      <a:pPr marL="0" marR="0" lvl="0" indent="0" algn="l" defTabSz="914400" rtl="0" eaLnBrk="1" fontAlgn="auto" latinLnBrk="0" hangingPunct="1">
-                        <a:lnSpc>
-                          <a:spcPct val="100000"/>
-                        </a:lnSpc>
-                        <a:spcBef>
-                          <a:spcPts val="0"/>
-                        </a:spcBef>
-                        <a:spcAft>
-                          <a:spcPts val="0"/>
-                        </a:spcAft>
-                        <a:buClrTx/>
-                        <a:buSzTx/>
-                        <a:buFontTx/>
-                        <a:buNone/>
-                        <a:tabLst/>
-                        <a:defRPr/>
-                      </a:pPr>
-                      <a:r>
-                        <a:rPr lang="en-GB" sz="1800" kern="1200" dirty="0">
-                          <a:solidFill>
-                            <a:schemeClr val="dk1"/>
-                          </a:solidFill>
-                          <a:effectLst/>
-                          <a:latin typeface="+mn-lt"/>
-                          <a:ea typeface="+mn-ea"/>
-                          <a:cs typeface="+mn-cs"/>
-                        </a:rPr>
-                        <a:t>0.2468</a:t>
-                      </a:r>
-                    </a:p>
-                    <a:p>
-                      <a:endParaRPr lang="en-US" dirty="0"/>
-                    </a:p>
-                  </a:txBody>
-                  <a:tcPr/>
-                </a:tc>
-                <a:tc>
-                  <a:txBody>
-                    <a:bodyPr/>
-                    <a:lstStyle/>
-                    <a:p>
-                      <a:pPr marL="0" marR="0" lvl="0" indent="0" algn="l" defTabSz="914400" rtl="0" eaLnBrk="1" fontAlgn="auto" latinLnBrk="0" hangingPunct="1">
-                        <a:lnSpc>
-                          <a:spcPct val="100000"/>
-                        </a:lnSpc>
-                        <a:spcBef>
-                          <a:spcPts val="0"/>
-                        </a:spcBef>
-                        <a:spcAft>
-                          <a:spcPts val="0"/>
-                        </a:spcAft>
-                        <a:buClrTx/>
-                        <a:buSzTx/>
-                        <a:buFontTx/>
-                        <a:buNone/>
-                        <a:tabLst/>
-                        <a:defRPr/>
-                      </a:pPr>
-                      <a:r>
-                        <a:rPr lang="en-GB" sz="1800" kern="1200" dirty="0">
-                          <a:solidFill>
-                            <a:schemeClr val="dk1"/>
-                          </a:solidFill>
-                          <a:effectLst/>
-                          <a:latin typeface="+mn-lt"/>
-                          <a:ea typeface="+mn-ea"/>
-                          <a:cs typeface="+mn-cs"/>
-                        </a:rPr>
-                        <a:t>-1.399</a:t>
-                      </a:r>
-                    </a:p>
-                    <a:p>
-                      <a:endParaRPr lang="en-US" dirty="0"/>
-                    </a:p>
-                  </a:txBody>
-                  <a:tcPr/>
-                </a:tc>
-                <a:tc>
-                  <a:txBody>
-                    <a:bodyPr/>
-                    <a:lstStyle/>
-                    <a:p>
-                      <a:endParaRPr lang="en-US" dirty="0"/>
-                    </a:p>
-                  </a:txBody>
-                  <a:tcPr/>
-                </a:tc>
-                <a:extLst>
-                  <a:ext uri="{0D108BD9-81ED-4DB2-BD59-A6C34878D82A}">
-                    <a16:rowId xmlns:a16="http://schemas.microsoft.com/office/drawing/2014/main" val="2213021419"/>
+                    <a16:rowId xmlns:a16="http://schemas.microsoft.com/office/drawing/2014/main" val="3765110031"/>
                   </a:ext>
                 </a:extLst>
               </a:tr>
